--- a/5th/5th material.pptx
+++ b/5th/5th material.pptx
@@ -7,6 +7,15 @@
   <p:sldIdLst>
     <p:sldId id="256" r:id="rId2"/>
     <p:sldId id="257" r:id="rId3"/>
+    <p:sldId id="265" r:id="rId4"/>
+    <p:sldId id="258" r:id="rId5"/>
+    <p:sldId id="259" r:id="rId6"/>
+    <p:sldId id="261" r:id="rId7"/>
+    <p:sldId id="260" r:id="rId8"/>
+    <p:sldId id="266" r:id="rId9"/>
+    <p:sldId id="264" r:id="rId10"/>
+    <p:sldId id="263" r:id="rId11"/>
+    <p:sldId id="262" r:id="rId12"/>
   </p:sldIdLst>
   <p:sldSz cx="12192000" cy="6858000"/>
   <p:notesSz cx="6858000" cy="9144000"/>
@@ -105,6 +114,11 @@
       </a:defRPr>
     </a:lvl9pPr>
   </p:defaultTextStyle>
+  <p:extLst>
+    <p:ext uri="{EFAFB233-063F-42B5-8137-9DF3F51BA10A}">
+      <p15:sldGuideLst xmlns:p15="http://schemas.microsoft.com/office/powerpoint/2012/main"/>
+    </p:ext>
+  </p:extLst>
 </p:presentation>
 </file>
 
@@ -255,7 +269,7 @@
           <a:p>
             <a:fld id="{9EC2EC0D-C01C-4291-A77F-AD1F642581F3}" type="datetimeFigureOut">
               <a:rPr lang="ko-KR" altLang="en-US" smtClean="0"/>
-              <a:t>2020-07-30</a:t>
+              <a:t>2020-08-03</a:t>
             </a:fld>
             <a:endParaRPr lang="ko-KR" altLang="en-US"/>
           </a:p>
@@ -453,7 +467,7 @@
           <a:p>
             <a:fld id="{9EC2EC0D-C01C-4291-A77F-AD1F642581F3}" type="datetimeFigureOut">
               <a:rPr lang="ko-KR" altLang="en-US" smtClean="0"/>
-              <a:t>2020-07-30</a:t>
+              <a:t>2020-08-03</a:t>
             </a:fld>
             <a:endParaRPr lang="ko-KR" altLang="en-US"/>
           </a:p>
@@ -661,7 +675,7 @@
           <a:p>
             <a:fld id="{9EC2EC0D-C01C-4291-A77F-AD1F642581F3}" type="datetimeFigureOut">
               <a:rPr lang="ko-KR" altLang="en-US" smtClean="0"/>
-              <a:t>2020-07-30</a:t>
+              <a:t>2020-08-03</a:t>
             </a:fld>
             <a:endParaRPr lang="ko-KR" altLang="en-US"/>
           </a:p>
@@ -859,7 +873,7 @@
           <a:p>
             <a:fld id="{9EC2EC0D-C01C-4291-A77F-AD1F642581F3}" type="datetimeFigureOut">
               <a:rPr lang="ko-KR" altLang="en-US" smtClean="0"/>
-              <a:t>2020-07-30</a:t>
+              <a:t>2020-08-03</a:t>
             </a:fld>
             <a:endParaRPr lang="ko-KR" altLang="en-US"/>
           </a:p>
@@ -1134,7 +1148,7 @@
           <a:p>
             <a:fld id="{9EC2EC0D-C01C-4291-A77F-AD1F642581F3}" type="datetimeFigureOut">
               <a:rPr lang="ko-KR" altLang="en-US" smtClean="0"/>
-              <a:t>2020-07-30</a:t>
+              <a:t>2020-08-03</a:t>
             </a:fld>
             <a:endParaRPr lang="ko-KR" altLang="en-US"/>
           </a:p>
@@ -1399,7 +1413,7 @@
           <a:p>
             <a:fld id="{9EC2EC0D-C01C-4291-A77F-AD1F642581F3}" type="datetimeFigureOut">
               <a:rPr lang="ko-KR" altLang="en-US" smtClean="0"/>
-              <a:t>2020-07-30</a:t>
+              <a:t>2020-08-03</a:t>
             </a:fld>
             <a:endParaRPr lang="ko-KR" altLang="en-US"/>
           </a:p>
@@ -1811,7 +1825,7 @@
           <a:p>
             <a:fld id="{9EC2EC0D-C01C-4291-A77F-AD1F642581F3}" type="datetimeFigureOut">
               <a:rPr lang="ko-KR" altLang="en-US" smtClean="0"/>
-              <a:t>2020-07-30</a:t>
+              <a:t>2020-08-03</a:t>
             </a:fld>
             <a:endParaRPr lang="ko-KR" altLang="en-US"/>
           </a:p>
@@ -1952,7 +1966,7 @@
           <a:p>
             <a:fld id="{9EC2EC0D-C01C-4291-A77F-AD1F642581F3}" type="datetimeFigureOut">
               <a:rPr lang="ko-KR" altLang="en-US" smtClean="0"/>
-              <a:t>2020-07-30</a:t>
+              <a:t>2020-08-03</a:t>
             </a:fld>
             <a:endParaRPr lang="ko-KR" altLang="en-US"/>
           </a:p>
@@ -2065,7 +2079,7 @@
           <a:p>
             <a:fld id="{9EC2EC0D-C01C-4291-A77F-AD1F642581F3}" type="datetimeFigureOut">
               <a:rPr lang="ko-KR" altLang="en-US" smtClean="0"/>
-              <a:t>2020-07-30</a:t>
+              <a:t>2020-08-03</a:t>
             </a:fld>
             <a:endParaRPr lang="ko-KR" altLang="en-US"/>
           </a:p>
@@ -2376,7 +2390,7 @@
           <a:p>
             <a:fld id="{9EC2EC0D-C01C-4291-A77F-AD1F642581F3}" type="datetimeFigureOut">
               <a:rPr lang="ko-KR" altLang="en-US" smtClean="0"/>
-              <a:t>2020-07-30</a:t>
+              <a:t>2020-08-03</a:t>
             </a:fld>
             <a:endParaRPr lang="ko-KR" altLang="en-US"/>
           </a:p>
@@ -2664,7 +2678,7 @@
           <a:p>
             <a:fld id="{9EC2EC0D-C01C-4291-A77F-AD1F642581F3}" type="datetimeFigureOut">
               <a:rPr lang="ko-KR" altLang="en-US" smtClean="0"/>
-              <a:t>2020-07-30</a:t>
+              <a:t>2020-08-03</a:t>
             </a:fld>
             <a:endParaRPr lang="ko-KR" altLang="en-US"/>
           </a:p>
@@ -2905,7 +2919,7 @@
           <a:p>
             <a:fld id="{9EC2EC0D-C01C-4291-A77F-AD1F642581F3}" type="datetimeFigureOut">
               <a:rPr lang="ko-KR" altLang="en-US" smtClean="0"/>
-              <a:t>2020-07-30</a:t>
+              <a:t>2020-08-03</a:t>
             </a:fld>
             <a:endParaRPr lang="ko-KR" altLang="en-US"/>
           </a:p>
@@ -3385,7 +3399,7 @@
 </p:sld>
 </file>
 
-<file path=ppt/slides/slide2.xml><?xml version="1.0" encoding="utf-8"?>
+<file path=ppt/slides/slide10.xml><?xml version="1.0" encoding="utf-8"?>
 <p:sld xmlns:a="http://schemas.openxmlformats.org/drawingml/2006/main" xmlns:r="http://schemas.openxmlformats.org/officeDocument/2006/relationships" xmlns:p="http://schemas.openxmlformats.org/presentationml/2006/main">
   <p:cSld>
     <p:spTree>
@@ -3405,7 +3419,3257 @@
     </p:spTree>
     <p:extLst>
       <p:ext uri="{BB962C8B-B14F-4D97-AF65-F5344CB8AC3E}">
+        <p14:creationId xmlns:p14="http://schemas.microsoft.com/office/powerpoint/2010/main" val="218308314"/>
+      </p:ext>
+    </p:extLst>
+  </p:cSld>
+  <p:clrMapOvr>
+    <a:masterClrMapping/>
+  </p:clrMapOvr>
+</p:sld>
+</file>
+
+<file path=ppt/slides/slide11.xml><?xml version="1.0" encoding="utf-8"?>
+<p:sld xmlns:a="http://schemas.openxmlformats.org/drawingml/2006/main" xmlns:r="http://schemas.openxmlformats.org/officeDocument/2006/relationships" xmlns:p="http://schemas.openxmlformats.org/presentationml/2006/main">
+  <p:cSld>
+    <p:spTree>
+      <p:nvGrpSpPr>
+        <p:cNvPr id="1" name=""/>
+        <p:cNvGrpSpPr/>
+        <p:nvPr/>
+      </p:nvGrpSpPr>
+      <p:grpSpPr>
+        <a:xfrm>
+          <a:off x="0" y="0"/>
+          <a:ext cx="0" cy="0"/>
+          <a:chOff x="0" y="0"/>
+          <a:chExt cx="0" cy="0"/>
+        </a:xfrm>
+      </p:grpSpPr>
+    </p:spTree>
+    <p:extLst>
+      <p:ext uri="{BB962C8B-B14F-4D97-AF65-F5344CB8AC3E}">
+        <p14:creationId xmlns:p14="http://schemas.microsoft.com/office/powerpoint/2010/main" val="763831587"/>
+      </p:ext>
+    </p:extLst>
+  </p:cSld>
+  <p:clrMapOvr>
+    <a:masterClrMapping/>
+  </p:clrMapOvr>
+</p:sld>
+</file>
+
+<file path=ppt/slides/slide2.xml><?xml version="1.0" encoding="utf-8"?>
+<p:sld xmlns:a="http://schemas.openxmlformats.org/drawingml/2006/main" xmlns:r="http://schemas.openxmlformats.org/officeDocument/2006/relationships" xmlns:p="http://schemas.openxmlformats.org/presentationml/2006/main">
+  <p:cSld>
+    <p:spTree>
+      <p:nvGrpSpPr>
+        <p:cNvPr id="1" name=""/>
+        <p:cNvGrpSpPr/>
+        <p:nvPr/>
+      </p:nvGrpSpPr>
+      <p:grpSpPr>
+        <a:xfrm>
+          <a:off x="0" y="0"/>
+          <a:ext cx="0" cy="0"/>
+          <a:chOff x="0" y="0"/>
+          <a:chExt cx="0" cy="0"/>
+        </a:xfrm>
+      </p:grpSpPr>
+      <p:sp>
+        <p:nvSpPr>
+          <p:cNvPr id="2" name="직사각형 1">
+            <a:extLst>
+              <a:ext uri="{FF2B5EF4-FFF2-40B4-BE49-F238E27FC236}">
+                <a16:creationId xmlns:a16="http://schemas.microsoft.com/office/drawing/2014/main" id="{0497E2BF-E012-41DC-B6B1-7E9EB0732583}"/>
+              </a:ext>
+            </a:extLst>
+          </p:cNvPr>
+          <p:cNvSpPr/>
+          <p:nvPr/>
+        </p:nvSpPr>
+        <p:spPr>
+          <a:xfrm>
+            <a:off x="2675822" y="1983200"/>
+            <a:ext cx="2444816" cy="1854724"/>
+          </a:xfrm>
+          <a:prstGeom prst="rect">
+            <a:avLst/>
+          </a:prstGeom>
+          <a:noFill/>
+          <a:ln w="76200"/>
+        </p:spPr>
+        <p:style>
+          <a:lnRef idx="2">
+            <a:schemeClr val="accent1">
+              <a:shade val="50000"/>
+            </a:schemeClr>
+          </a:lnRef>
+          <a:fillRef idx="1">
+            <a:schemeClr val="accent1"/>
+          </a:fillRef>
+          <a:effectRef idx="0">
+            <a:schemeClr val="accent1"/>
+          </a:effectRef>
+          <a:fontRef idx="minor">
+            <a:schemeClr val="lt1"/>
+          </a:fontRef>
+        </p:style>
+        <p:txBody>
+          <a:bodyPr rtlCol="0" anchor="ctr"/>
+          <a:lstStyle/>
+          <a:p>
+            <a:pPr algn="ctr"/>
+            <a:endParaRPr lang="ko-KR" altLang="en-US"/>
+          </a:p>
+        </p:txBody>
+      </p:sp>
+      <p:sp>
+        <p:nvSpPr>
+          <p:cNvPr id="3" name="직사각형 2">
+            <a:extLst>
+              <a:ext uri="{FF2B5EF4-FFF2-40B4-BE49-F238E27FC236}">
+                <a16:creationId xmlns:a16="http://schemas.microsoft.com/office/drawing/2014/main" id="{482153CC-4F09-4D01-ADC1-FA515EABA52E}"/>
+              </a:ext>
+            </a:extLst>
+          </p:cNvPr>
+          <p:cNvSpPr/>
+          <p:nvPr/>
+        </p:nvSpPr>
+        <p:spPr>
+          <a:xfrm>
+            <a:off x="6792232" y="1983200"/>
+            <a:ext cx="2444816" cy="1858991"/>
+          </a:xfrm>
+          <a:prstGeom prst="rect">
+            <a:avLst/>
+          </a:prstGeom>
+          <a:noFill/>
+          <a:ln w="76200"/>
+        </p:spPr>
+        <p:style>
+          <a:lnRef idx="2">
+            <a:schemeClr val="accent1">
+              <a:shade val="50000"/>
+            </a:schemeClr>
+          </a:lnRef>
+          <a:fillRef idx="1">
+            <a:schemeClr val="accent1"/>
+          </a:fillRef>
+          <a:effectRef idx="0">
+            <a:schemeClr val="accent1"/>
+          </a:effectRef>
+          <a:fontRef idx="minor">
+            <a:schemeClr val="lt1"/>
+          </a:fontRef>
+        </p:style>
+        <p:txBody>
+          <a:bodyPr rtlCol="0" anchor="ctr"/>
+          <a:lstStyle/>
+          <a:p>
+            <a:pPr algn="ctr"/>
+            <a:endParaRPr lang="ko-KR" altLang="en-US"/>
+          </a:p>
+        </p:txBody>
+      </p:sp>
+      <p:sp>
+        <p:nvSpPr>
+          <p:cNvPr id="4" name="TextBox 3">
+            <a:extLst>
+              <a:ext uri="{FF2B5EF4-FFF2-40B4-BE49-F238E27FC236}">
+                <a16:creationId xmlns:a16="http://schemas.microsoft.com/office/drawing/2014/main" id="{81982CE6-8D04-4152-9220-3EE486B4C0CD}"/>
+              </a:ext>
+            </a:extLst>
+          </p:cNvPr>
+          <p:cNvSpPr txBox="1"/>
+          <p:nvPr/>
+        </p:nvSpPr>
+        <p:spPr>
+          <a:xfrm>
+            <a:off x="2675822" y="1429202"/>
+            <a:ext cx="840808" cy="369332"/>
+          </a:xfrm>
+          <a:prstGeom prst="rect">
+            <a:avLst/>
+          </a:prstGeom>
+          <a:noFill/>
+        </p:spPr>
+        <p:txBody>
+          <a:bodyPr wrap="none" rtlCol="0">
+            <a:spAutoFit/>
+          </a:bodyPr>
+          <a:lstStyle/>
+          <a:p>
+            <a:r>
+              <a:rPr lang="en-US" altLang="ko-KR" dirty="0"/>
+              <a:t>Server</a:t>
+            </a:r>
+            <a:endParaRPr lang="ko-KR" altLang="en-US" dirty="0"/>
+          </a:p>
+        </p:txBody>
+      </p:sp>
+      <p:sp>
+        <p:nvSpPr>
+          <p:cNvPr id="5" name="TextBox 4">
+            <a:extLst>
+              <a:ext uri="{FF2B5EF4-FFF2-40B4-BE49-F238E27FC236}">
+                <a16:creationId xmlns:a16="http://schemas.microsoft.com/office/drawing/2014/main" id="{6434F1CF-D3CC-4179-A716-371D51C16786}"/>
+              </a:ext>
+            </a:extLst>
+          </p:cNvPr>
+          <p:cNvSpPr txBox="1"/>
+          <p:nvPr/>
+        </p:nvSpPr>
+        <p:spPr>
+          <a:xfrm>
+            <a:off x="6715228" y="1433469"/>
+            <a:ext cx="779381" cy="369332"/>
+          </a:xfrm>
+          <a:prstGeom prst="rect">
+            <a:avLst/>
+          </a:prstGeom>
+          <a:noFill/>
+        </p:spPr>
+        <p:txBody>
+          <a:bodyPr wrap="none" rtlCol="0">
+            <a:spAutoFit/>
+          </a:bodyPr>
+          <a:lstStyle/>
+          <a:p>
+            <a:r>
+              <a:rPr lang="en-US" altLang="ko-KR" dirty="0"/>
+              <a:t>Client</a:t>
+            </a:r>
+            <a:endParaRPr lang="ko-KR" altLang="en-US" dirty="0"/>
+          </a:p>
+        </p:txBody>
+      </p:sp>
+    </p:spTree>
+    <p:extLst>
+      <p:ext uri="{BB962C8B-B14F-4D97-AF65-F5344CB8AC3E}">
         <p14:creationId xmlns:p14="http://schemas.microsoft.com/office/powerpoint/2010/main" val="2359142164"/>
+      </p:ext>
+    </p:extLst>
+  </p:cSld>
+  <p:clrMapOvr>
+    <a:masterClrMapping/>
+  </p:clrMapOvr>
+</p:sld>
+</file>
+
+<file path=ppt/slides/slide3.xml><?xml version="1.0" encoding="utf-8"?>
+<p:sld xmlns:a="http://schemas.openxmlformats.org/drawingml/2006/main" xmlns:r="http://schemas.openxmlformats.org/officeDocument/2006/relationships" xmlns:p="http://schemas.openxmlformats.org/presentationml/2006/main">
+  <p:cSld>
+    <p:spTree>
+      <p:nvGrpSpPr>
+        <p:cNvPr id="1" name=""/>
+        <p:cNvGrpSpPr/>
+        <p:nvPr/>
+      </p:nvGrpSpPr>
+      <p:grpSpPr>
+        <a:xfrm>
+          <a:off x="0" y="0"/>
+          <a:ext cx="0" cy="0"/>
+          <a:chOff x="0" y="0"/>
+          <a:chExt cx="0" cy="0"/>
+        </a:xfrm>
+      </p:grpSpPr>
+      <p:sp>
+        <p:nvSpPr>
+          <p:cNvPr id="2" name="직사각형 1">
+            <a:extLst>
+              <a:ext uri="{FF2B5EF4-FFF2-40B4-BE49-F238E27FC236}">
+                <a16:creationId xmlns:a16="http://schemas.microsoft.com/office/drawing/2014/main" id="{82CB109E-6D5B-4EA7-B076-87F2BAE55C5F}"/>
+              </a:ext>
+            </a:extLst>
+          </p:cNvPr>
+          <p:cNvSpPr/>
+          <p:nvPr/>
+        </p:nvSpPr>
+        <p:spPr>
+          <a:xfrm>
+            <a:off x="567889" y="852107"/>
+            <a:ext cx="4427623" cy="5153785"/>
+          </a:xfrm>
+          <a:prstGeom prst="rect">
+            <a:avLst/>
+          </a:prstGeom>
+          <a:noFill/>
+          <a:ln w="76200"/>
+        </p:spPr>
+        <p:style>
+          <a:lnRef idx="2">
+            <a:schemeClr val="accent1">
+              <a:shade val="50000"/>
+            </a:schemeClr>
+          </a:lnRef>
+          <a:fillRef idx="1">
+            <a:schemeClr val="accent1"/>
+          </a:fillRef>
+          <a:effectRef idx="0">
+            <a:schemeClr val="accent1"/>
+          </a:effectRef>
+          <a:fontRef idx="minor">
+            <a:schemeClr val="lt1"/>
+          </a:fontRef>
+        </p:style>
+        <p:txBody>
+          <a:bodyPr rtlCol="0" anchor="ctr"/>
+          <a:lstStyle/>
+          <a:p>
+            <a:pPr algn="ctr"/>
+            <a:endParaRPr lang="ko-KR" altLang="en-US"/>
+          </a:p>
+        </p:txBody>
+      </p:sp>
+      <p:sp>
+        <p:nvSpPr>
+          <p:cNvPr id="3" name="TextBox 2">
+            <a:extLst>
+              <a:ext uri="{FF2B5EF4-FFF2-40B4-BE49-F238E27FC236}">
+                <a16:creationId xmlns:a16="http://schemas.microsoft.com/office/drawing/2014/main" id="{54B855CB-BB30-465C-B9E3-F51E173B741C}"/>
+              </a:ext>
+            </a:extLst>
+          </p:cNvPr>
+          <p:cNvSpPr txBox="1"/>
+          <p:nvPr/>
+        </p:nvSpPr>
+        <p:spPr>
+          <a:xfrm>
+            <a:off x="567890" y="298110"/>
+            <a:ext cx="779381" cy="369332"/>
+          </a:xfrm>
+          <a:prstGeom prst="rect">
+            <a:avLst/>
+          </a:prstGeom>
+          <a:noFill/>
+        </p:spPr>
+        <p:txBody>
+          <a:bodyPr wrap="none" rtlCol="0">
+            <a:spAutoFit/>
+          </a:bodyPr>
+          <a:lstStyle/>
+          <a:p>
+            <a:r>
+              <a:rPr lang="en-US" altLang="ko-KR" dirty="0"/>
+              <a:t>Client</a:t>
+            </a:r>
+            <a:endParaRPr lang="ko-KR" altLang="en-US" dirty="0"/>
+          </a:p>
+        </p:txBody>
+      </p:sp>
+      <p:sp>
+        <p:nvSpPr>
+          <p:cNvPr id="7" name="직사각형 6">
+            <a:extLst>
+              <a:ext uri="{FF2B5EF4-FFF2-40B4-BE49-F238E27FC236}">
+                <a16:creationId xmlns:a16="http://schemas.microsoft.com/office/drawing/2014/main" id="{2B62BED6-0D38-445C-9E14-B5A6BB3FDCD1}"/>
+              </a:ext>
+            </a:extLst>
+          </p:cNvPr>
+          <p:cNvSpPr/>
+          <p:nvPr/>
+        </p:nvSpPr>
+        <p:spPr>
+          <a:xfrm>
+            <a:off x="843915" y="1338207"/>
+            <a:ext cx="3323823" cy="301268"/>
+          </a:xfrm>
+          <a:prstGeom prst="rect">
+            <a:avLst/>
+          </a:prstGeom>
+          <a:noFill/>
+          <a:ln w="76200"/>
+        </p:spPr>
+        <p:style>
+          <a:lnRef idx="2">
+            <a:schemeClr val="accent1">
+              <a:shade val="50000"/>
+            </a:schemeClr>
+          </a:lnRef>
+          <a:fillRef idx="1">
+            <a:schemeClr val="accent1"/>
+          </a:fillRef>
+          <a:effectRef idx="0">
+            <a:schemeClr val="accent1"/>
+          </a:effectRef>
+          <a:fontRef idx="minor">
+            <a:schemeClr val="lt1"/>
+          </a:fontRef>
+        </p:style>
+        <p:txBody>
+          <a:bodyPr rtlCol="0" anchor="ctr"/>
+          <a:lstStyle/>
+          <a:p>
+            <a:pPr algn="ctr"/>
+            <a:endParaRPr lang="ko-KR" altLang="en-US"/>
+          </a:p>
+        </p:txBody>
+      </p:sp>
+      <p:sp>
+        <p:nvSpPr>
+          <p:cNvPr id="8" name="TextBox 7">
+            <a:extLst>
+              <a:ext uri="{FF2B5EF4-FFF2-40B4-BE49-F238E27FC236}">
+                <a16:creationId xmlns:a16="http://schemas.microsoft.com/office/drawing/2014/main" id="{24AB4B85-B6C8-43BC-A26F-694CBDF6DDA8}"/>
+              </a:ext>
+            </a:extLst>
+          </p:cNvPr>
+          <p:cNvSpPr txBox="1"/>
+          <p:nvPr/>
+        </p:nvSpPr>
+        <p:spPr>
+          <a:xfrm>
+            <a:off x="882718" y="964274"/>
+            <a:ext cx="1744977" cy="369332"/>
+          </a:xfrm>
+          <a:prstGeom prst="rect">
+            <a:avLst/>
+          </a:prstGeom>
+          <a:noFill/>
+        </p:spPr>
+        <p:txBody>
+          <a:bodyPr wrap="square" rtlCol="0">
+            <a:spAutoFit/>
+          </a:bodyPr>
+          <a:lstStyle/>
+          <a:p>
+            <a:r>
+              <a:rPr lang="en-US" altLang="ko-KR" dirty="0" err="1"/>
+              <a:t>inputStream</a:t>
+            </a:r>
+            <a:endParaRPr lang="ko-KR" altLang="en-US" dirty="0"/>
+          </a:p>
+        </p:txBody>
+      </p:sp>
+      <p:sp>
+        <p:nvSpPr>
+          <p:cNvPr id="9" name="직사각형 8">
+            <a:extLst>
+              <a:ext uri="{FF2B5EF4-FFF2-40B4-BE49-F238E27FC236}">
+                <a16:creationId xmlns:a16="http://schemas.microsoft.com/office/drawing/2014/main" id="{61BFC13C-1B45-4C18-BB09-AFD4815F690C}"/>
+              </a:ext>
+            </a:extLst>
+          </p:cNvPr>
+          <p:cNvSpPr/>
+          <p:nvPr/>
+        </p:nvSpPr>
+        <p:spPr>
+          <a:xfrm>
+            <a:off x="843914" y="2260110"/>
+            <a:ext cx="3323823" cy="301268"/>
+          </a:xfrm>
+          <a:prstGeom prst="rect">
+            <a:avLst/>
+          </a:prstGeom>
+          <a:noFill/>
+          <a:ln w="76200"/>
+        </p:spPr>
+        <p:style>
+          <a:lnRef idx="2">
+            <a:schemeClr val="accent1">
+              <a:shade val="50000"/>
+            </a:schemeClr>
+          </a:lnRef>
+          <a:fillRef idx="1">
+            <a:schemeClr val="accent1"/>
+          </a:fillRef>
+          <a:effectRef idx="0">
+            <a:schemeClr val="accent1"/>
+          </a:effectRef>
+          <a:fontRef idx="minor">
+            <a:schemeClr val="lt1"/>
+          </a:fontRef>
+        </p:style>
+        <p:txBody>
+          <a:bodyPr rtlCol="0" anchor="ctr"/>
+          <a:lstStyle/>
+          <a:p>
+            <a:pPr algn="ctr"/>
+            <a:endParaRPr lang="ko-KR" altLang="en-US"/>
+          </a:p>
+        </p:txBody>
+      </p:sp>
+      <p:sp>
+        <p:nvSpPr>
+          <p:cNvPr id="10" name="TextBox 9">
+            <a:extLst>
+              <a:ext uri="{FF2B5EF4-FFF2-40B4-BE49-F238E27FC236}">
+                <a16:creationId xmlns:a16="http://schemas.microsoft.com/office/drawing/2014/main" id="{62133CEA-8BFE-4822-B5FF-8914B975F73F}"/>
+              </a:ext>
+            </a:extLst>
+          </p:cNvPr>
+          <p:cNvSpPr txBox="1"/>
+          <p:nvPr/>
+        </p:nvSpPr>
+        <p:spPr>
+          <a:xfrm>
+            <a:off x="698009" y="1848687"/>
+            <a:ext cx="2186541" cy="369332"/>
+          </a:xfrm>
+          <a:prstGeom prst="rect">
+            <a:avLst/>
+          </a:prstGeom>
+          <a:noFill/>
+        </p:spPr>
+        <p:txBody>
+          <a:bodyPr wrap="square" rtlCol="0">
+            <a:spAutoFit/>
+          </a:bodyPr>
+          <a:lstStyle/>
+          <a:p>
+            <a:r>
+              <a:rPr lang="en-US" altLang="ko-KR" dirty="0" err="1"/>
+              <a:t>outputStream</a:t>
+            </a:r>
+            <a:endParaRPr lang="ko-KR" altLang="en-US" dirty="0"/>
+          </a:p>
+        </p:txBody>
+      </p:sp>
+      <p:sp>
+        <p:nvSpPr>
+          <p:cNvPr id="11" name="직사각형 10">
+            <a:extLst>
+              <a:ext uri="{FF2B5EF4-FFF2-40B4-BE49-F238E27FC236}">
+                <a16:creationId xmlns:a16="http://schemas.microsoft.com/office/drawing/2014/main" id="{C2A32DC1-A3B3-416F-8B7A-6DCD7F742A39}"/>
+              </a:ext>
+            </a:extLst>
+          </p:cNvPr>
+          <p:cNvSpPr/>
+          <p:nvPr/>
+        </p:nvSpPr>
+        <p:spPr>
+          <a:xfrm>
+            <a:off x="988294" y="3810363"/>
+            <a:ext cx="2042162" cy="1663566"/>
+          </a:xfrm>
+          <a:prstGeom prst="rect">
+            <a:avLst/>
+          </a:prstGeom>
+          <a:noFill/>
+          <a:ln w="76200"/>
+        </p:spPr>
+        <p:style>
+          <a:lnRef idx="2">
+            <a:schemeClr val="accent1">
+              <a:shade val="50000"/>
+            </a:schemeClr>
+          </a:lnRef>
+          <a:fillRef idx="1">
+            <a:schemeClr val="accent1"/>
+          </a:fillRef>
+          <a:effectRef idx="0">
+            <a:schemeClr val="accent1"/>
+          </a:effectRef>
+          <a:fontRef idx="minor">
+            <a:schemeClr val="lt1"/>
+          </a:fontRef>
+        </p:style>
+        <p:txBody>
+          <a:bodyPr rtlCol="0" anchor="ctr"/>
+          <a:lstStyle/>
+          <a:p>
+            <a:pPr algn="ctr"/>
+            <a:endParaRPr lang="ko-KR" altLang="en-US"/>
+          </a:p>
+        </p:txBody>
+      </p:sp>
+      <p:sp>
+        <p:nvSpPr>
+          <p:cNvPr id="12" name="TextBox 11">
+            <a:extLst>
+              <a:ext uri="{FF2B5EF4-FFF2-40B4-BE49-F238E27FC236}">
+                <a16:creationId xmlns:a16="http://schemas.microsoft.com/office/drawing/2014/main" id="{D20F8B32-7588-4B75-A241-35C0B1880378}"/>
+              </a:ext>
+            </a:extLst>
+          </p:cNvPr>
+          <p:cNvSpPr txBox="1"/>
+          <p:nvPr/>
+        </p:nvSpPr>
+        <p:spPr>
+          <a:xfrm>
+            <a:off x="972585" y="3412127"/>
+            <a:ext cx="872226" cy="369332"/>
+          </a:xfrm>
+          <a:prstGeom prst="rect">
+            <a:avLst/>
+          </a:prstGeom>
+          <a:noFill/>
+        </p:spPr>
+        <p:txBody>
+          <a:bodyPr wrap="none" rtlCol="0">
+            <a:spAutoFit/>
+          </a:bodyPr>
+          <a:lstStyle/>
+          <a:p>
+            <a:r>
+              <a:rPr lang="en-US" altLang="ko-KR" dirty="0"/>
+              <a:t>Socket</a:t>
+            </a:r>
+            <a:endParaRPr lang="ko-KR" altLang="en-US" dirty="0"/>
+          </a:p>
+        </p:txBody>
+      </p:sp>
+      <p:pic>
+        <p:nvPicPr>
+          <p:cNvPr id="14" name="그림 13">
+            <a:extLst>
+              <a:ext uri="{FF2B5EF4-FFF2-40B4-BE49-F238E27FC236}">
+                <a16:creationId xmlns:a16="http://schemas.microsoft.com/office/drawing/2014/main" id="{835710C9-3C14-46F8-882E-F8C1CE88DDD5}"/>
+              </a:ext>
+            </a:extLst>
+          </p:cNvPr>
+          <p:cNvPicPr>
+            <a:picLocks noChangeAspect="1"/>
+          </p:cNvPicPr>
+          <p:nvPr/>
+        </p:nvPicPr>
+        <p:blipFill>
+          <a:blip r:embed="rId2"/>
+          <a:stretch>
+            <a:fillRect/>
+          </a:stretch>
+        </p:blipFill>
+        <p:spPr>
+          <a:xfrm>
+            <a:off x="5887206" y="2260110"/>
+            <a:ext cx="5959216" cy="2534235"/>
+          </a:xfrm>
+          <a:prstGeom prst="rect">
+            <a:avLst/>
+          </a:prstGeom>
+        </p:spPr>
+      </p:pic>
+    </p:spTree>
+    <p:extLst>
+      <p:ext uri="{BB962C8B-B14F-4D97-AF65-F5344CB8AC3E}">
+        <p14:creationId xmlns:p14="http://schemas.microsoft.com/office/powerpoint/2010/main" val="1299918444"/>
+      </p:ext>
+    </p:extLst>
+  </p:cSld>
+  <p:clrMapOvr>
+    <a:masterClrMapping/>
+  </p:clrMapOvr>
+</p:sld>
+</file>
+
+<file path=ppt/slides/slide4.xml><?xml version="1.0" encoding="utf-8"?>
+<p:sld xmlns:a="http://schemas.openxmlformats.org/drawingml/2006/main" xmlns:r="http://schemas.openxmlformats.org/officeDocument/2006/relationships" xmlns:p="http://schemas.openxmlformats.org/presentationml/2006/main">
+  <p:cSld>
+    <p:spTree>
+      <p:nvGrpSpPr>
+        <p:cNvPr id="1" name=""/>
+        <p:cNvGrpSpPr/>
+        <p:nvPr/>
+      </p:nvGrpSpPr>
+      <p:grpSpPr>
+        <a:xfrm>
+          <a:off x="0" y="0"/>
+          <a:ext cx="0" cy="0"/>
+          <a:chOff x="0" y="0"/>
+          <a:chExt cx="0" cy="0"/>
+        </a:xfrm>
+      </p:grpSpPr>
+      <p:sp>
+        <p:nvSpPr>
+          <p:cNvPr id="2" name="직사각형 1">
+            <a:extLst>
+              <a:ext uri="{FF2B5EF4-FFF2-40B4-BE49-F238E27FC236}">
+                <a16:creationId xmlns:a16="http://schemas.microsoft.com/office/drawing/2014/main" id="{82CB109E-6D5B-4EA7-B076-87F2BAE55C5F}"/>
+              </a:ext>
+            </a:extLst>
+          </p:cNvPr>
+          <p:cNvSpPr/>
+          <p:nvPr/>
+        </p:nvSpPr>
+        <p:spPr>
+          <a:xfrm>
+            <a:off x="567889" y="852107"/>
+            <a:ext cx="6189045" cy="5153785"/>
+          </a:xfrm>
+          <a:prstGeom prst="rect">
+            <a:avLst/>
+          </a:prstGeom>
+          <a:noFill/>
+          <a:ln w="76200"/>
+        </p:spPr>
+        <p:style>
+          <a:lnRef idx="2">
+            <a:schemeClr val="accent1">
+              <a:shade val="50000"/>
+            </a:schemeClr>
+          </a:lnRef>
+          <a:fillRef idx="1">
+            <a:schemeClr val="accent1"/>
+          </a:fillRef>
+          <a:effectRef idx="0">
+            <a:schemeClr val="accent1"/>
+          </a:effectRef>
+          <a:fontRef idx="minor">
+            <a:schemeClr val="lt1"/>
+          </a:fontRef>
+        </p:style>
+        <p:txBody>
+          <a:bodyPr rtlCol="0" anchor="ctr"/>
+          <a:lstStyle/>
+          <a:p>
+            <a:pPr algn="ctr"/>
+            <a:endParaRPr lang="ko-KR" altLang="en-US"/>
+          </a:p>
+        </p:txBody>
+      </p:sp>
+      <p:sp>
+        <p:nvSpPr>
+          <p:cNvPr id="3" name="TextBox 2">
+            <a:extLst>
+              <a:ext uri="{FF2B5EF4-FFF2-40B4-BE49-F238E27FC236}">
+                <a16:creationId xmlns:a16="http://schemas.microsoft.com/office/drawing/2014/main" id="{54B855CB-BB30-465C-B9E3-F51E173B741C}"/>
+              </a:ext>
+            </a:extLst>
+          </p:cNvPr>
+          <p:cNvSpPr txBox="1"/>
+          <p:nvPr/>
+        </p:nvSpPr>
+        <p:spPr>
+          <a:xfrm>
+            <a:off x="567890" y="298110"/>
+            <a:ext cx="840808" cy="369332"/>
+          </a:xfrm>
+          <a:prstGeom prst="rect">
+            <a:avLst/>
+          </a:prstGeom>
+          <a:noFill/>
+        </p:spPr>
+        <p:txBody>
+          <a:bodyPr wrap="none" rtlCol="0">
+            <a:spAutoFit/>
+          </a:bodyPr>
+          <a:lstStyle/>
+          <a:p>
+            <a:r>
+              <a:rPr lang="en-US" altLang="ko-KR" dirty="0"/>
+              <a:t>Server</a:t>
+            </a:r>
+            <a:endParaRPr lang="ko-KR" altLang="en-US" dirty="0"/>
+          </a:p>
+        </p:txBody>
+      </p:sp>
+      <p:sp>
+        <p:nvSpPr>
+          <p:cNvPr id="4" name="직사각형 3">
+            <a:extLst>
+              <a:ext uri="{FF2B5EF4-FFF2-40B4-BE49-F238E27FC236}">
+                <a16:creationId xmlns:a16="http://schemas.microsoft.com/office/drawing/2014/main" id="{E57878BE-778E-4D1A-84D6-1334AC50C2EF}"/>
+              </a:ext>
+            </a:extLst>
+          </p:cNvPr>
+          <p:cNvSpPr/>
+          <p:nvPr/>
+        </p:nvSpPr>
+        <p:spPr>
+          <a:xfrm>
+            <a:off x="4167737" y="3902695"/>
+            <a:ext cx="2042162" cy="1663566"/>
+          </a:xfrm>
+          <a:prstGeom prst="rect">
+            <a:avLst/>
+          </a:prstGeom>
+          <a:noFill/>
+          <a:ln w="76200"/>
+        </p:spPr>
+        <p:style>
+          <a:lnRef idx="2">
+            <a:schemeClr val="accent1">
+              <a:shade val="50000"/>
+            </a:schemeClr>
+          </a:lnRef>
+          <a:fillRef idx="1">
+            <a:schemeClr val="accent1"/>
+          </a:fillRef>
+          <a:effectRef idx="0">
+            <a:schemeClr val="accent1"/>
+          </a:effectRef>
+          <a:fontRef idx="minor">
+            <a:schemeClr val="lt1"/>
+          </a:fontRef>
+        </p:style>
+        <p:txBody>
+          <a:bodyPr rtlCol="0" anchor="ctr"/>
+          <a:lstStyle/>
+          <a:p>
+            <a:pPr algn="ctr"/>
+            <a:endParaRPr lang="ko-KR" altLang="en-US"/>
+          </a:p>
+        </p:txBody>
+      </p:sp>
+      <p:sp>
+        <p:nvSpPr>
+          <p:cNvPr id="5" name="TextBox 4">
+            <a:extLst>
+              <a:ext uri="{FF2B5EF4-FFF2-40B4-BE49-F238E27FC236}">
+                <a16:creationId xmlns:a16="http://schemas.microsoft.com/office/drawing/2014/main" id="{2C2123E7-9C57-4627-81AE-A2B56CA2B115}"/>
+              </a:ext>
+            </a:extLst>
+          </p:cNvPr>
+          <p:cNvSpPr txBox="1"/>
+          <p:nvPr/>
+        </p:nvSpPr>
+        <p:spPr>
+          <a:xfrm>
+            <a:off x="4167737" y="3441031"/>
+            <a:ext cx="1528367" cy="369332"/>
+          </a:xfrm>
+          <a:prstGeom prst="rect">
+            <a:avLst/>
+          </a:prstGeom>
+          <a:noFill/>
+        </p:spPr>
+        <p:txBody>
+          <a:bodyPr wrap="none" rtlCol="0">
+            <a:spAutoFit/>
+          </a:bodyPr>
+          <a:lstStyle/>
+          <a:p>
+            <a:r>
+              <a:rPr lang="en-US" altLang="ko-KR" dirty="0" err="1"/>
+              <a:t>ServerSocket</a:t>
+            </a:r>
+            <a:endParaRPr lang="ko-KR" altLang="en-US" dirty="0"/>
+          </a:p>
+        </p:txBody>
+      </p:sp>
+      <p:sp>
+        <p:nvSpPr>
+          <p:cNvPr id="6" name="TextBox 5">
+            <a:extLst>
+              <a:ext uri="{FF2B5EF4-FFF2-40B4-BE49-F238E27FC236}">
+                <a16:creationId xmlns:a16="http://schemas.microsoft.com/office/drawing/2014/main" id="{517568C0-69F1-46E7-B5E6-5D213B41823B}"/>
+              </a:ext>
+            </a:extLst>
+          </p:cNvPr>
+          <p:cNvSpPr txBox="1"/>
+          <p:nvPr/>
+        </p:nvSpPr>
+        <p:spPr>
+          <a:xfrm>
+            <a:off x="4223233" y="3995028"/>
+            <a:ext cx="1931170" cy="646331"/>
+          </a:xfrm>
+          <a:prstGeom prst="rect">
+            <a:avLst/>
+          </a:prstGeom>
+          <a:noFill/>
+        </p:spPr>
+        <p:txBody>
+          <a:bodyPr wrap="none" rtlCol="0">
+            <a:spAutoFit/>
+          </a:bodyPr>
+          <a:lstStyle/>
+          <a:p>
+            <a:r>
+              <a:rPr lang="en-US" altLang="ko-KR" dirty="0" err="1"/>
+              <a:t>ip</a:t>
+            </a:r>
+            <a:r>
+              <a:rPr lang="ko-KR" altLang="en-US" dirty="0"/>
+              <a:t>주소</a:t>
+            </a:r>
+            <a:r>
+              <a:rPr lang="en-US" altLang="ko-KR" dirty="0"/>
+              <a:t>, port</a:t>
+            </a:r>
+            <a:r>
+              <a:rPr lang="ko-KR" altLang="en-US" dirty="0"/>
+              <a:t>번호</a:t>
+            </a:r>
+            <a:r>
+              <a:rPr lang="en-US" altLang="ko-KR" dirty="0"/>
+              <a:t>,</a:t>
+            </a:r>
+          </a:p>
+          <a:p>
+            <a:r>
+              <a:rPr lang="en-US" altLang="ko-KR" dirty="0"/>
+              <a:t> ……</a:t>
+            </a:r>
+            <a:endParaRPr lang="ko-KR" altLang="en-US" dirty="0"/>
+          </a:p>
+        </p:txBody>
+      </p:sp>
+      <p:sp>
+        <p:nvSpPr>
+          <p:cNvPr id="7" name="직사각형 6">
+            <a:extLst>
+              <a:ext uri="{FF2B5EF4-FFF2-40B4-BE49-F238E27FC236}">
+                <a16:creationId xmlns:a16="http://schemas.microsoft.com/office/drawing/2014/main" id="{2B62BED6-0D38-445C-9E14-B5A6BB3FDCD1}"/>
+              </a:ext>
+            </a:extLst>
+          </p:cNvPr>
+          <p:cNvSpPr/>
+          <p:nvPr/>
+        </p:nvSpPr>
+        <p:spPr>
+          <a:xfrm>
+            <a:off x="843915" y="1338207"/>
+            <a:ext cx="3323823" cy="301268"/>
+          </a:xfrm>
+          <a:prstGeom prst="rect">
+            <a:avLst/>
+          </a:prstGeom>
+          <a:noFill/>
+          <a:ln w="76200"/>
+        </p:spPr>
+        <p:style>
+          <a:lnRef idx="2">
+            <a:schemeClr val="accent1">
+              <a:shade val="50000"/>
+            </a:schemeClr>
+          </a:lnRef>
+          <a:fillRef idx="1">
+            <a:schemeClr val="accent1"/>
+          </a:fillRef>
+          <a:effectRef idx="0">
+            <a:schemeClr val="accent1"/>
+          </a:effectRef>
+          <a:fontRef idx="minor">
+            <a:schemeClr val="lt1"/>
+          </a:fontRef>
+        </p:style>
+        <p:txBody>
+          <a:bodyPr rtlCol="0" anchor="ctr"/>
+          <a:lstStyle/>
+          <a:p>
+            <a:pPr algn="ctr"/>
+            <a:endParaRPr lang="ko-KR" altLang="en-US"/>
+          </a:p>
+        </p:txBody>
+      </p:sp>
+      <p:sp>
+        <p:nvSpPr>
+          <p:cNvPr id="8" name="TextBox 7">
+            <a:extLst>
+              <a:ext uri="{FF2B5EF4-FFF2-40B4-BE49-F238E27FC236}">
+                <a16:creationId xmlns:a16="http://schemas.microsoft.com/office/drawing/2014/main" id="{24AB4B85-B6C8-43BC-A26F-694CBDF6DDA8}"/>
+              </a:ext>
+            </a:extLst>
+          </p:cNvPr>
+          <p:cNvSpPr txBox="1"/>
+          <p:nvPr/>
+        </p:nvSpPr>
+        <p:spPr>
+          <a:xfrm>
+            <a:off x="882718" y="964274"/>
+            <a:ext cx="1744977" cy="369332"/>
+          </a:xfrm>
+          <a:prstGeom prst="rect">
+            <a:avLst/>
+          </a:prstGeom>
+          <a:noFill/>
+        </p:spPr>
+        <p:txBody>
+          <a:bodyPr wrap="square" rtlCol="0">
+            <a:spAutoFit/>
+          </a:bodyPr>
+          <a:lstStyle/>
+          <a:p>
+            <a:r>
+              <a:rPr lang="en-US" altLang="ko-KR" dirty="0" err="1"/>
+              <a:t>inputStream</a:t>
+            </a:r>
+            <a:endParaRPr lang="ko-KR" altLang="en-US" dirty="0"/>
+          </a:p>
+        </p:txBody>
+      </p:sp>
+      <p:sp>
+        <p:nvSpPr>
+          <p:cNvPr id="9" name="직사각형 8">
+            <a:extLst>
+              <a:ext uri="{FF2B5EF4-FFF2-40B4-BE49-F238E27FC236}">
+                <a16:creationId xmlns:a16="http://schemas.microsoft.com/office/drawing/2014/main" id="{61BFC13C-1B45-4C18-BB09-AFD4815F690C}"/>
+              </a:ext>
+            </a:extLst>
+          </p:cNvPr>
+          <p:cNvSpPr/>
+          <p:nvPr/>
+        </p:nvSpPr>
+        <p:spPr>
+          <a:xfrm>
+            <a:off x="843914" y="2260110"/>
+            <a:ext cx="3323823" cy="301268"/>
+          </a:xfrm>
+          <a:prstGeom prst="rect">
+            <a:avLst/>
+          </a:prstGeom>
+          <a:noFill/>
+          <a:ln w="76200"/>
+        </p:spPr>
+        <p:style>
+          <a:lnRef idx="2">
+            <a:schemeClr val="accent1">
+              <a:shade val="50000"/>
+            </a:schemeClr>
+          </a:lnRef>
+          <a:fillRef idx="1">
+            <a:schemeClr val="accent1"/>
+          </a:fillRef>
+          <a:effectRef idx="0">
+            <a:schemeClr val="accent1"/>
+          </a:effectRef>
+          <a:fontRef idx="minor">
+            <a:schemeClr val="lt1"/>
+          </a:fontRef>
+        </p:style>
+        <p:txBody>
+          <a:bodyPr rtlCol="0" anchor="ctr"/>
+          <a:lstStyle/>
+          <a:p>
+            <a:pPr algn="ctr"/>
+            <a:endParaRPr lang="ko-KR" altLang="en-US"/>
+          </a:p>
+        </p:txBody>
+      </p:sp>
+      <p:sp>
+        <p:nvSpPr>
+          <p:cNvPr id="10" name="TextBox 9">
+            <a:extLst>
+              <a:ext uri="{FF2B5EF4-FFF2-40B4-BE49-F238E27FC236}">
+                <a16:creationId xmlns:a16="http://schemas.microsoft.com/office/drawing/2014/main" id="{62133CEA-8BFE-4822-B5FF-8914B975F73F}"/>
+              </a:ext>
+            </a:extLst>
+          </p:cNvPr>
+          <p:cNvSpPr txBox="1"/>
+          <p:nvPr/>
+        </p:nvSpPr>
+        <p:spPr>
+          <a:xfrm>
+            <a:off x="698009" y="1848687"/>
+            <a:ext cx="2186541" cy="369332"/>
+          </a:xfrm>
+          <a:prstGeom prst="rect">
+            <a:avLst/>
+          </a:prstGeom>
+          <a:noFill/>
+        </p:spPr>
+        <p:txBody>
+          <a:bodyPr wrap="square" rtlCol="0">
+            <a:spAutoFit/>
+          </a:bodyPr>
+          <a:lstStyle/>
+          <a:p>
+            <a:r>
+              <a:rPr lang="en-US" altLang="ko-KR" dirty="0" err="1"/>
+              <a:t>outputStream</a:t>
+            </a:r>
+            <a:endParaRPr lang="ko-KR" altLang="en-US" dirty="0"/>
+          </a:p>
+        </p:txBody>
+      </p:sp>
+      <p:sp>
+        <p:nvSpPr>
+          <p:cNvPr id="11" name="직사각형 10">
+            <a:extLst>
+              <a:ext uri="{FF2B5EF4-FFF2-40B4-BE49-F238E27FC236}">
+                <a16:creationId xmlns:a16="http://schemas.microsoft.com/office/drawing/2014/main" id="{C2A32DC1-A3B3-416F-8B7A-6DCD7F742A39}"/>
+              </a:ext>
+            </a:extLst>
+          </p:cNvPr>
+          <p:cNvSpPr/>
+          <p:nvPr/>
+        </p:nvSpPr>
+        <p:spPr>
+          <a:xfrm>
+            <a:off x="988294" y="3810363"/>
+            <a:ext cx="2042162" cy="1663566"/>
+          </a:xfrm>
+          <a:prstGeom prst="rect">
+            <a:avLst/>
+          </a:prstGeom>
+          <a:noFill/>
+          <a:ln w="76200"/>
+        </p:spPr>
+        <p:style>
+          <a:lnRef idx="2">
+            <a:schemeClr val="accent1">
+              <a:shade val="50000"/>
+            </a:schemeClr>
+          </a:lnRef>
+          <a:fillRef idx="1">
+            <a:schemeClr val="accent1"/>
+          </a:fillRef>
+          <a:effectRef idx="0">
+            <a:schemeClr val="accent1"/>
+          </a:effectRef>
+          <a:fontRef idx="minor">
+            <a:schemeClr val="lt1"/>
+          </a:fontRef>
+        </p:style>
+        <p:txBody>
+          <a:bodyPr rtlCol="0" anchor="ctr"/>
+          <a:lstStyle/>
+          <a:p>
+            <a:pPr algn="ctr"/>
+            <a:endParaRPr lang="ko-KR" altLang="en-US"/>
+          </a:p>
+        </p:txBody>
+      </p:sp>
+      <p:sp>
+        <p:nvSpPr>
+          <p:cNvPr id="12" name="TextBox 11">
+            <a:extLst>
+              <a:ext uri="{FF2B5EF4-FFF2-40B4-BE49-F238E27FC236}">
+                <a16:creationId xmlns:a16="http://schemas.microsoft.com/office/drawing/2014/main" id="{D20F8B32-7588-4B75-A241-35C0B1880378}"/>
+              </a:ext>
+            </a:extLst>
+          </p:cNvPr>
+          <p:cNvSpPr txBox="1"/>
+          <p:nvPr/>
+        </p:nvSpPr>
+        <p:spPr>
+          <a:xfrm>
+            <a:off x="972585" y="3412127"/>
+            <a:ext cx="872226" cy="369332"/>
+          </a:xfrm>
+          <a:prstGeom prst="rect">
+            <a:avLst/>
+          </a:prstGeom>
+          <a:noFill/>
+        </p:spPr>
+        <p:txBody>
+          <a:bodyPr wrap="none" rtlCol="0">
+            <a:spAutoFit/>
+          </a:bodyPr>
+          <a:lstStyle/>
+          <a:p>
+            <a:r>
+              <a:rPr lang="en-US" altLang="ko-KR" dirty="0"/>
+              <a:t>Socket</a:t>
+            </a:r>
+            <a:endParaRPr lang="ko-KR" altLang="en-US" dirty="0"/>
+          </a:p>
+        </p:txBody>
+      </p:sp>
+      <p:pic>
+        <p:nvPicPr>
+          <p:cNvPr id="13" name="그림 12">
+            <a:extLst>
+              <a:ext uri="{FF2B5EF4-FFF2-40B4-BE49-F238E27FC236}">
+                <a16:creationId xmlns:a16="http://schemas.microsoft.com/office/drawing/2014/main" id="{251473C4-53B5-43EA-A975-5E88835943D0}"/>
+              </a:ext>
+            </a:extLst>
+          </p:cNvPr>
+          <p:cNvPicPr>
+            <a:picLocks noChangeAspect="1"/>
+          </p:cNvPicPr>
+          <p:nvPr/>
+        </p:nvPicPr>
+        <p:blipFill>
+          <a:blip r:embed="rId2"/>
+          <a:stretch>
+            <a:fillRect/>
+          </a:stretch>
+        </p:blipFill>
+        <p:spPr>
+          <a:xfrm>
+            <a:off x="7032959" y="2033353"/>
+            <a:ext cx="5632884" cy="2728611"/>
+          </a:xfrm>
+          <a:prstGeom prst="rect">
+            <a:avLst/>
+          </a:prstGeom>
+        </p:spPr>
+      </p:pic>
+    </p:spTree>
+    <p:extLst>
+      <p:ext uri="{BB962C8B-B14F-4D97-AF65-F5344CB8AC3E}">
+        <p14:creationId xmlns:p14="http://schemas.microsoft.com/office/powerpoint/2010/main" val="334104169"/>
+      </p:ext>
+    </p:extLst>
+  </p:cSld>
+  <p:clrMapOvr>
+    <a:masterClrMapping/>
+  </p:clrMapOvr>
+</p:sld>
+</file>
+
+<file path=ppt/slides/slide5.xml><?xml version="1.0" encoding="utf-8"?>
+<p:sld xmlns:a="http://schemas.openxmlformats.org/drawingml/2006/main" xmlns:r="http://schemas.openxmlformats.org/officeDocument/2006/relationships" xmlns:p="http://schemas.openxmlformats.org/presentationml/2006/main">
+  <p:cSld>
+    <p:spTree>
+      <p:nvGrpSpPr>
+        <p:cNvPr id="1" name=""/>
+        <p:cNvGrpSpPr/>
+        <p:nvPr/>
+      </p:nvGrpSpPr>
+      <p:grpSpPr>
+        <a:xfrm>
+          <a:off x="0" y="0"/>
+          <a:ext cx="0" cy="0"/>
+          <a:chOff x="0" y="0"/>
+          <a:chExt cx="0" cy="0"/>
+        </a:xfrm>
+      </p:grpSpPr>
+      <p:pic>
+        <p:nvPicPr>
+          <p:cNvPr id="3" name="그림 2">
+            <a:extLst>
+              <a:ext uri="{FF2B5EF4-FFF2-40B4-BE49-F238E27FC236}">
+                <a16:creationId xmlns:a16="http://schemas.microsoft.com/office/drawing/2014/main" id="{6E807404-1A61-4823-82D3-6E44CC4E3E7E}"/>
+              </a:ext>
+            </a:extLst>
+          </p:cNvPr>
+          <p:cNvPicPr>
+            <a:picLocks noChangeAspect="1"/>
+          </p:cNvPicPr>
+          <p:nvPr/>
+        </p:nvPicPr>
+        <p:blipFill>
+          <a:blip r:embed="rId2"/>
+          <a:stretch>
+            <a:fillRect/>
+          </a:stretch>
+        </p:blipFill>
+        <p:spPr>
+          <a:xfrm>
+            <a:off x="402765" y="2350188"/>
+            <a:ext cx="8498887" cy="1403663"/>
+          </a:xfrm>
+          <a:prstGeom prst="rect">
+            <a:avLst/>
+          </a:prstGeom>
+        </p:spPr>
+      </p:pic>
+      <p:pic>
+        <p:nvPicPr>
+          <p:cNvPr id="5" name="그림 4">
+            <a:extLst>
+              <a:ext uri="{FF2B5EF4-FFF2-40B4-BE49-F238E27FC236}">
+                <a16:creationId xmlns:a16="http://schemas.microsoft.com/office/drawing/2014/main" id="{D231C87F-F94B-4476-ABBE-1C203C35BE71}"/>
+              </a:ext>
+            </a:extLst>
+          </p:cNvPr>
+          <p:cNvPicPr>
+            <a:picLocks noChangeAspect="1"/>
+          </p:cNvPicPr>
+          <p:nvPr/>
+        </p:nvPicPr>
+        <p:blipFill>
+          <a:blip r:embed="rId3"/>
+          <a:stretch>
+            <a:fillRect/>
+          </a:stretch>
+        </p:blipFill>
+        <p:spPr>
+          <a:xfrm>
+            <a:off x="270872" y="3949181"/>
+            <a:ext cx="11731832" cy="1134863"/>
+          </a:xfrm>
+          <a:prstGeom prst="rect">
+            <a:avLst/>
+          </a:prstGeom>
+        </p:spPr>
+      </p:pic>
+    </p:spTree>
+    <p:extLst>
+      <p:ext uri="{BB962C8B-B14F-4D97-AF65-F5344CB8AC3E}">
+        <p14:creationId xmlns:p14="http://schemas.microsoft.com/office/powerpoint/2010/main" val="1020312165"/>
+      </p:ext>
+    </p:extLst>
+  </p:cSld>
+  <p:clrMapOvr>
+    <a:masterClrMapping/>
+  </p:clrMapOvr>
+</p:sld>
+</file>
+
+<file path=ppt/slides/slide6.xml><?xml version="1.0" encoding="utf-8"?>
+<p:sld xmlns:a="http://schemas.openxmlformats.org/drawingml/2006/main" xmlns:r="http://schemas.openxmlformats.org/officeDocument/2006/relationships" xmlns:p="http://schemas.openxmlformats.org/presentationml/2006/main">
+  <p:cSld>
+    <p:spTree>
+      <p:nvGrpSpPr>
+        <p:cNvPr id="1" name=""/>
+        <p:cNvGrpSpPr/>
+        <p:nvPr/>
+      </p:nvGrpSpPr>
+      <p:grpSpPr>
+        <a:xfrm>
+          <a:off x="0" y="0"/>
+          <a:ext cx="0" cy="0"/>
+          <a:chOff x="0" y="0"/>
+          <a:chExt cx="0" cy="0"/>
+        </a:xfrm>
+      </p:grpSpPr>
+      <p:sp>
+        <p:nvSpPr>
+          <p:cNvPr id="2" name="직사각형 1">
+            <a:extLst>
+              <a:ext uri="{FF2B5EF4-FFF2-40B4-BE49-F238E27FC236}">
+                <a16:creationId xmlns:a16="http://schemas.microsoft.com/office/drawing/2014/main" id="{80B30B9F-DE48-47FB-99D7-03C50BA664C5}"/>
+              </a:ext>
+            </a:extLst>
+          </p:cNvPr>
+          <p:cNvSpPr/>
+          <p:nvPr/>
+        </p:nvSpPr>
+        <p:spPr>
+          <a:xfrm>
+            <a:off x="96253" y="1570009"/>
+            <a:ext cx="5185275" cy="4867469"/>
+          </a:xfrm>
+          <a:prstGeom prst="rect">
+            <a:avLst/>
+          </a:prstGeom>
+          <a:noFill/>
+          <a:ln w="76200"/>
+        </p:spPr>
+        <p:style>
+          <a:lnRef idx="2">
+            <a:schemeClr val="accent1">
+              <a:shade val="50000"/>
+            </a:schemeClr>
+          </a:lnRef>
+          <a:fillRef idx="1">
+            <a:schemeClr val="accent1"/>
+          </a:fillRef>
+          <a:effectRef idx="0">
+            <a:schemeClr val="accent1"/>
+          </a:effectRef>
+          <a:fontRef idx="minor">
+            <a:schemeClr val="lt1"/>
+          </a:fontRef>
+        </p:style>
+        <p:txBody>
+          <a:bodyPr rtlCol="0" anchor="ctr"/>
+          <a:lstStyle/>
+          <a:p>
+            <a:pPr algn="ctr"/>
+            <a:endParaRPr lang="ko-KR" altLang="en-US"/>
+          </a:p>
+        </p:txBody>
+      </p:sp>
+      <p:sp>
+        <p:nvSpPr>
+          <p:cNvPr id="3" name="직사각형 2">
+            <a:extLst>
+              <a:ext uri="{FF2B5EF4-FFF2-40B4-BE49-F238E27FC236}">
+                <a16:creationId xmlns:a16="http://schemas.microsoft.com/office/drawing/2014/main" id="{8374D472-96E4-4A94-87ED-CC28453AFE0F}"/>
+              </a:ext>
+            </a:extLst>
+          </p:cNvPr>
+          <p:cNvSpPr/>
+          <p:nvPr/>
+        </p:nvSpPr>
+        <p:spPr>
+          <a:xfrm>
+            <a:off x="8113236" y="1570009"/>
+            <a:ext cx="3725838" cy="4455406"/>
+          </a:xfrm>
+          <a:prstGeom prst="rect">
+            <a:avLst/>
+          </a:prstGeom>
+          <a:noFill/>
+          <a:ln w="76200"/>
+        </p:spPr>
+        <p:style>
+          <a:lnRef idx="2">
+            <a:schemeClr val="accent1">
+              <a:shade val="50000"/>
+            </a:schemeClr>
+          </a:lnRef>
+          <a:fillRef idx="1">
+            <a:schemeClr val="accent1"/>
+          </a:fillRef>
+          <a:effectRef idx="0">
+            <a:schemeClr val="accent1"/>
+          </a:effectRef>
+          <a:fontRef idx="minor">
+            <a:schemeClr val="lt1"/>
+          </a:fontRef>
+        </p:style>
+        <p:txBody>
+          <a:bodyPr rtlCol="0" anchor="ctr"/>
+          <a:lstStyle/>
+          <a:p>
+            <a:pPr algn="ctr"/>
+            <a:endParaRPr lang="ko-KR" altLang="en-US"/>
+          </a:p>
+        </p:txBody>
+      </p:sp>
+      <p:sp>
+        <p:nvSpPr>
+          <p:cNvPr id="4" name="TextBox 3">
+            <a:extLst>
+              <a:ext uri="{FF2B5EF4-FFF2-40B4-BE49-F238E27FC236}">
+                <a16:creationId xmlns:a16="http://schemas.microsoft.com/office/drawing/2014/main" id="{71AE1066-6C7E-44BB-A66C-75C21564C30E}"/>
+              </a:ext>
+            </a:extLst>
+          </p:cNvPr>
+          <p:cNvSpPr txBox="1"/>
+          <p:nvPr/>
+        </p:nvSpPr>
+        <p:spPr>
+          <a:xfrm>
+            <a:off x="2908172" y="1049154"/>
+            <a:ext cx="840808" cy="369332"/>
+          </a:xfrm>
+          <a:prstGeom prst="rect">
+            <a:avLst/>
+          </a:prstGeom>
+          <a:noFill/>
+        </p:spPr>
+        <p:txBody>
+          <a:bodyPr wrap="none" rtlCol="0">
+            <a:spAutoFit/>
+          </a:bodyPr>
+          <a:lstStyle/>
+          <a:p>
+            <a:r>
+              <a:rPr lang="en-US" altLang="ko-KR" dirty="0"/>
+              <a:t>Server</a:t>
+            </a:r>
+            <a:endParaRPr lang="ko-KR" altLang="en-US" dirty="0"/>
+          </a:p>
+        </p:txBody>
+      </p:sp>
+      <p:sp>
+        <p:nvSpPr>
+          <p:cNvPr id="5" name="TextBox 4">
+            <a:extLst>
+              <a:ext uri="{FF2B5EF4-FFF2-40B4-BE49-F238E27FC236}">
+                <a16:creationId xmlns:a16="http://schemas.microsoft.com/office/drawing/2014/main" id="{94E9FA4C-833D-4DBC-A801-EE83B0F0FC88}"/>
+              </a:ext>
+            </a:extLst>
+          </p:cNvPr>
+          <p:cNvSpPr txBox="1"/>
+          <p:nvPr/>
+        </p:nvSpPr>
+        <p:spPr>
+          <a:xfrm>
+            <a:off x="7976136" y="1049154"/>
+            <a:ext cx="779381" cy="369332"/>
+          </a:xfrm>
+          <a:prstGeom prst="rect">
+            <a:avLst/>
+          </a:prstGeom>
+          <a:noFill/>
+        </p:spPr>
+        <p:txBody>
+          <a:bodyPr wrap="none" rtlCol="0">
+            <a:spAutoFit/>
+          </a:bodyPr>
+          <a:lstStyle/>
+          <a:p>
+            <a:r>
+              <a:rPr lang="en-US" altLang="ko-KR" dirty="0"/>
+              <a:t>Client</a:t>
+            </a:r>
+            <a:endParaRPr lang="ko-KR" altLang="en-US" dirty="0"/>
+          </a:p>
+        </p:txBody>
+      </p:sp>
+      <p:sp>
+        <p:nvSpPr>
+          <p:cNvPr id="6" name="직사각형 5">
+            <a:extLst>
+              <a:ext uri="{FF2B5EF4-FFF2-40B4-BE49-F238E27FC236}">
+                <a16:creationId xmlns:a16="http://schemas.microsoft.com/office/drawing/2014/main" id="{A19F127F-F3E0-4939-988B-B569BEFA66FB}"/>
+              </a:ext>
+            </a:extLst>
+          </p:cNvPr>
+          <p:cNvSpPr/>
+          <p:nvPr/>
+        </p:nvSpPr>
+        <p:spPr>
+          <a:xfrm>
+            <a:off x="8259141" y="1934974"/>
+            <a:ext cx="3323823" cy="301268"/>
+          </a:xfrm>
+          <a:prstGeom prst="rect">
+            <a:avLst/>
+          </a:prstGeom>
+          <a:noFill/>
+          <a:ln w="76200"/>
+        </p:spPr>
+        <p:style>
+          <a:lnRef idx="2">
+            <a:schemeClr val="accent1">
+              <a:shade val="50000"/>
+            </a:schemeClr>
+          </a:lnRef>
+          <a:fillRef idx="1">
+            <a:schemeClr val="accent1"/>
+          </a:fillRef>
+          <a:effectRef idx="0">
+            <a:schemeClr val="accent1"/>
+          </a:effectRef>
+          <a:fontRef idx="minor">
+            <a:schemeClr val="lt1"/>
+          </a:fontRef>
+        </p:style>
+        <p:txBody>
+          <a:bodyPr rtlCol="0" anchor="ctr"/>
+          <a:lstStyle/>
+          <a:p>
+            <a:pPr algn="ctr"/>
+            <a:endParaRPr lang="ko-KR" altLang="en-US"/>
+          </a:p>
+        </p:txBody>
+      </p:sp>
+      <p:sp>
+        <p:nvSpPr>
+          <p:cNvPr id="7" name="TextBox 6">
+            <a:extLst>
+              <a:ext uri="{FF2B5EF4-FFF2-40B4-BE49-F238E27FC236}">
+                <a16:creationId xmlns:a16="http://schemas.microsoft.com/office/drawing/2014/main" id="{022A8676-EA24-4260-9B5D-2A23D81AF333}"/>
+              </a:ext>
+            </a:extLst>
+          </p:cNvPr>
+          <p:cNvSpPr txBox="1"/>
+          <p:nvPr/>
+        </p:nvSpPr>
+        <p:spPr>
+          <a:xfrm>
+            <a:off x="8297944" y="1561041"/>
+            <a:ext cx="1744977" cy="369332"/>
+          </a:xfrm>
+          <a:prstGeom prst="rect">
+            <a:avLst/>
+          </a:prstGeom>
+          <a:noFill/>
+        </p:spPr>
+        <p:txBody>
+          <a:bodyPr wrap="square" rtlCol="0">
+            <a:spAutoFit/>
+          </a:bodyPr>
+          <a:lstStyle/>
+          <a:p>
+            <a:r>
+              <a:rPr lang="en-US" altLang="ko-KR" dirty="0" err="1"/>
+              <a:t>inputStream</a:t>
+            </a:r>
+            <a:endParaRPr lang="ko-KR" altLang="en-US" dirty="0"/>
+          </a:p>
+        </p:txBody>
+      </p:sp>
+      <p:sp>
+        <p:nvSpPr>
+          <p:cNvPr id="8" name="직사각형 7">
+            <a:extLst>
+              <a:ext uri="{FF2B5EF4-FFF2-40B4-BE49-F238E27FC236}">
+                <a16:creationId xmlns:a16="http://schemas.microsoft.com/office/drawing/2014/main" id="{F05523F3-72BC-4AC5-B388-00DE408BB225}"/>
+              </a:ext>
+            </a:extLst>
+          </p:cNvPr>
+          <p:cNvSpPr/>
+          <p:nvPr/>
+        </p:nvSpPr>
+        <p:spPr>
+          <a:xfrm>
+            <a:off x="8259140" y="2697835"/>
+            <a:ext cx="3323823" cy="301268"/>
+          </a:xfrm>
+          <a:prstGeom prst="rect">
+            <a:avLst/>
+          </a:prstGeom>
+          <a:noFill/>
+          <a:ln w="76200"/>
+        </p:spPr>
+        <p:style>
+          <a:lnRef idx="2">
+            <a:schemeClr val="accent1">
+              <a:shade val="50000"/>
+            </a:schemeClr>
+          </a:lnRef>
+          <a:fillRef idx="1">
+            <a:schemeClr val="accent1"/>
+          </a:fillRef>
+          <a:effectRef idx="0">
+            <a:schemeClr val="accent1"/>
+          </a:effectRef>
+          <a:fontRef idx="minor">
+            <a:schemeClr val="lt1"/>
+          </a:fontRef>
+        </p:style>
+        <p:txBody>
+          <a:bodyPr rtlCol="0" anchor="ctr"/>
+          <a:lstStyle/>
+          <a:p>
+            <a:pPr algn="ctr"/>
+            <a:endParaRPr lang="ko-KR" altLang="en-US"/>
+          </a:p>
+        </p:txBody>
+      </p:sp>
+      <p:sp>
+        <p:nvSpPr>
+          <p:cNvPr id="9" name="TextBox 8">
+            <a:extLst>
+              <a:ext uri="{FF2B5EF4-FFF2-40B4-BE49-F238E27FC236}">
+                <a16:creationId xmlns:a16="http://schemas.microsoft.com/office/drawing/2014/main" id="{EDF8695B-A222-41B3-9F1B-F3B482D75D80}"/>
+              </a:ext>
+            </a:extLst>
+          </p:cNvPr>
+          <p:cNvSpPr txBox="1"/>
+          <p:nvPr/>
+        </p:nvSpPr>
+        <p:spPr>
+          <a:xfrm>
+            <a:off x="8113235" y="2286412"/>
+            <a:ext cx="2186541" cy="369332"/>
+          </a:xfrm>
+          <a:prstGeom prst="rect">
+            <a:avLst/>
+          </a:prstGeom>
+          <a:noFill/>
+        </p:spPr>
+        <p:txBody>
+          <a:bodyPr wrap="square" rtlCol="0">
+            <a:spAutoFit/>
+          </a:bodyPr>
+          <a:lstStyle/>
+          <a:p>
+            <a:r>
+              <a:rPr lang="en-US" altLang="ko-KR" dirty="0" err="1"/>
+              <a:t>outputStream</a:t>
+            </a:r>
+            <a:endParaRPr lang="ko-KR" altLang="en-US" dirty="0"/>
+          </a:p>
+        </p:txBody>
+      </p:sp>
+      <p:sp>
+        <p:nvSpPr>
+          <p:cNvPr id="10" name="직사각형 9">
+            <a:extLst>
+              <a:ext uri="{FF2B5EF4-FFF2-40B4-BE49-F238E27FC236}">
+                <a16:creationId xmlns:a16="http://schemas.microsoft.com/office/drawing/2014/main" id="{403739ED-3F67-4C9D-8933-2C6735FE6615}"/>
+              </a:ext>
+            </a:extLst>
+          </p:cNvPr>
+          <p:cNvSpPr/>
+          <p:nvPr/>
+        </p:nvSpPr>
+        <p:spPr>
+          <a:xfrm>
+            <a:off x="8483062" y="3709480"/>
+            <a:ext cx="2444816" cy="1854724"/>
+          </a:xfrm>
+          <a:prstGeom prst="rect">
+            <a:avLst/>
+          </a:prstGeom>
+          <a:noFill/>
+          <a:ln w="76200"/>
+        </p:spPr>
+        <p:style>
+          <a:lnRef idx="2">
+            <a:schemeClr val="accent1">
+              <a:shade val="50000"/>
+            </a:schemeClr>
+          </a:lnRef>
+          <a:fillRef idx="1">
+            <a:schemeClr val="accent1"/>
+          </a:fillRef>
+          <a:effectRef idx="0">
+            <a:schemeClr val="accent1"/>
+          </a:effectRef>
+          <a:fontRef idx="minor">
+            <a:schemeClr val="lt1"/>
+          </a:fontRef>
+        </p:style>
+        <p:txBody>
+          <a:bodyPr rtlCol="0" anchor="ctr"/>
+          <a:lstStyle/>
+          <a:p>
+            <a:pPr algn="ctr"/>
+            <a:endParaRPr lang="ko-KR" altLang="en-US"/>
+          </a:p>
+        </p:txBody>
+      </p:sp>
+      <p:sp>
+        <p:nvSpPr>
+          <p:cNvPr id="11" name="TextBox 10">
+            <a:extLst>
+              <a:ext uri="{FF2B5EF4-FFF2-40B4-BE49-F238E27FC236}">
+                <a16:creationId xmlns:a16="http://schemas.microsoft.com/office/drawing/2014/main" id="{E367A2BF-59C2-482A-B776-5D71B4BAC1AA}"/>
+              </a:ext>
+            </a:extLst>
+          </p:cNvPr>
+          <p:cNvSpPr txBox="1"/>
+          <p:nvPr/>
+        </p:nvSpPr>
+        <p:spPr>
+          <a:xfrm>
+            <a:off x="8483062" y="3276030"/>
+            <a:ext cx="872226" cy="369332"/>
+          </a:xfrm>
+          <a:prstGeom prst="rect">
+            <a:avLst/>
+          </a:prstGeom>
+          <a:noFill/>
+        </p:spPr>
+        <p:txBody>
+          <a:bodyPr wrap="none" rtlCol="0">
+            <a:spAutoFit/>
+          </a:bodyPr>
+          <a:lstStyle/>
+          <a:p>
+            <a:r>
+              <a:rPr lang="en-US" altLang="ko-KR" dirty="0"/>
+              <a:t>Socket</a:t>
+            </a:r>
+            <a:endParaRPr lang="ko-KR" altLang="en-US" dirty="0"/>
+          </a:p>
+        </p:txBody>
+      </p:sp>
+      <p:sp>
+        <p:nvSpPr>
+          <p:cNvPr id="12" name="TextBox 11">
+            <a:extLst>
+              <a:ext uri="{FF2B5EF4-FFF2-40B4-BE49-F238E27FC236}">
+                <a16:creationId xmlns:a16="http://schemas.microsoft.com/office/drawing/2014/main" id="{4578D430-A9DC-4769-AE61-1DFB8C74B9D3}"/>
+              </a:ext>
+            </a:extLst>
+          </p:cNvPr>
+          <p:cNvSpPr txBox="1"/>
+          <p:nvPr/>
+        </p:nvSpPr>
+        <p:spPr>
+          <a:xfrm>
+            <a:off x="3219834" y="3408878"/>
+            <a:ext cx="1528367" cy="369332"/>
+          </a:xfrm>
+          <a:prstGeom prst="rect">
+            <a:avLst/>
+          </a:prstGeom>
+          <a:noFill/>
+        </p:spPr>
+        <p:txBody>
+          <a:bodyPr wrap="none" rtlCol="0">
+            <a:spAutoFit/>
+          </a:bodyPr>
+          <a:lstStyle/>
+          <a:p>
+            <a:r>
+              <a:rPr lang="en-US" altLang="ko-KR" dirty="0" err="1"/>
+              <a:t>ServerSocket</a:t>
+            </a:r>
+            <a:endParaRPr lang="ko-KR" altLang="en-US" dirty="0"/>
+          </a:p>
+        </p:txBody>
+      </p:sp>
+      <p:cxnSp>
+        <p:nvCxnSpPr>
+          <p:cNvPr id="14" name="직선 화살표 연결선 13">
+            <a:extLst>
+              <a:ext uri="{FF2B5EF4-FFF2-40B4-BE49-F238E27FC236}">
+                <a16:creationId xmlns:a16="http://schemas.microsoft.com/office/drawing/2014/main" id="{AE46A284-FE0C-4CD7-A3FD-41251BE7F8D4}"/>
+              </a:ext>
+            </a:extLst>
+          </p:cNvPr>
+          <p:cNvCxnSpPr>
+            <a:cxnSpLocks/>
+            <a:stCxn id="10" idx="1"/>
+            <a:endCxn id="15" idx="3"/>
+          </p:cNvCxnSpPr>
+          <p:nvPr/>
+        </p:nvCxnSpPr>
+        <p:spPr>
+          <a:xfrm flipH="1">
+            <a:off x="4885100" y="4636842"/>
+            <a:ext cx="3597962" cy="0"/>
+          </a:xfrm>
+          <a:prstGeom prst="straightConnector1">
+            <a:avLst/>
+          </a:prstGeom>
+          <a:ln w="76200">
+            <a:tailEnd type="triangle"/>
+          </a:ln>
+        </p:spPr>
+        <p:style>
+          <a:lnRef idx="1">
+            <a:schemeClr val="accent1"/>
+          </a:lnRef>
+          <a:fillRef idx="0">
+            <a:schemeClr val="accent1"/>
+          </a:fillRef>
+          <a:effectRef idx="0">
+            <a:schemeClr val="accent1"/>
+          </a:effectRef>
+          <a:fontRef idx="minor">
+            <a:schemeClr val="tx1"/>
+          </a:fontRef>
+        </p:style>
+      </p:cxnSp>
+      <p:sp>
+        <p:nvSpPr>
+          <p:cNvPr id="15" name="직사각형 14">
+            <a:extLst>
+              <a:ext uri="{FF2B5EF4-FFF2-40B4-BE49-F238E27FC236}">
+                <a16:creationId xmlns:a16="http://schemas.microsoft.com/office/drawing/2014/main" id="{55B29423-9CE3-45ED-BDB3-F5DA96C3C77D}"/>
+              </a:ext>
+            </a:extLst>
+          </p:cNvPr>
+          <p:cNvSpPr/>
+          <p:nvPr/>
+        </p:nvSpPr>
+        <p:spPr>
+          <a:xfrm>
+            <a:off x="3233140" y="3887791"/>
+            <a:ext cx="1651960" cy="1498101"/>
+          </a:xfrm>
+          <a:prstGeom prst="rect">
+            <a:avLst/>
+          </a:prstGeom>
+          <a:noFill/>
+          <a:ln w="76200"/>
+        </p:spPr>
+        <p:style>
+          <a:lnRef idx="2">
+            <a:schemeClr val="accent1">
+              <a:shade val="50000"/>
+            </a:schemeClr>
+          </a:lnRef>
+          <a:fillRef idx="1">
+            <a:schemeClr val="accent1"/>
+          </a:fillRef>
+          <a:effectRef idx="0">
+            <a:schemeClr val="accent1"/>
+          </a:effectRef>
+          <a:fontRef idx="minor">
+            <a:schemeClr val="lt1"/>
+          </a:fontRef>
+        </p:style>
+        <p:txBody>
+          <a:bodyPr rtlCol="0" anchor="ctr"/>
+          <a:lstStyle/>
+          <a:p>
+            <a:pPr algn="ctr"/>
+            <a:endParaRPr lang="ko-KR" altLang="en-US"/>
+          </a:p>
+        </p:txBody>
+      </p:sp>
+      <p:sp>
+        <p:nvSpPr>
+          <p:cNvPr id="19" name="직사각형 18">
+            <a:extLst>
+              <a:ext uri="{FF2B5EF4-FFF2-40B4-BE49-F238E27FC236}">
+                <a16:creationId xmlns:a16="http://schemas.microsoft.com/office/drawing/2014/main" id="{F8E219EC-4C92-49B2-AFDD-0E8B3A16A72D}"/>
+              </a:ext>
+            </a:extLst>
+          </p:cNvPr>
+          <p:cNvSpPr/>
+          <p:nvPr/>
+        </p:nvSpPr>
+        <p:spPr>
+          <a:xfrm>
+            <a:off x="438142" y="3887790"/>
+            <a:ext cx="1651960" cy="1498101"/>
+          </a:xfrm>
+          <a:prstGeom prst="rect">
+            <a:avLst/>
+          </a:prstGeom>
+          <a:noFill/>
+          <a:ln w="76200"/>
+        </p:spPr>
+        <p:style>
+          <a:lnRef idx="2">
+            <a:schemeClr val="accent1">
+              <a:shade val="50000"/>
+            </a:schemeClr>
+          </a:lnRef>
+          <a:fillRef idx="1">
+            <a:schemeClr val="accent1"/>
+          </a:fillRef>
+          <a:effectRef idx="0">
+            <a:schemeClr val="accent1"/>
+          </a:effectRef>
+          <a:fontRef idx="minor">
+            <a:schemeClr val="lt1"/>
+          </a:fontRef>
+        </p:style>
+        <p:txBody>
+          <a:bodyPr rtlCol="0" anchor="ctr"/>
+          <a:lstStyle/>
+          <a:p>
+            <a:pPr algn="ctr"/>
+            <a:endParaRPr lang="ko-KR" altLang="en-US"/>
+          </a:p>
+        </p:txBody>
+      </p:sp>
+      <p:cxnSp>
+        <p:nvCxnSpPr>
+          <p:cNvPr id="20" name="직선 화살표 연결선 19">
+            <a:extLst>
+              <a:ext uri="{FF2B5EF4-FFF2-40B4-BE49-F238E27FC236}">
+                <a16:creationId xmlns:a16="http://schemas.microsoft.com/office/drawing/2014/main" id="{90B7A2AF-8868-4AC3-8EE8-777CACEA1961}"/>
+              </a:ext>
+            </a:extLst>
+          </p:cNvPr>
+          <p:cNvCxnSpPr>
+            <a:cxnSpLocks/>
+            <a:stCxn id="15" idx="1"/>
+            <a:endCxn id="19" idx="3"/>
+          </p:cNvCxnSpPr>
+          <p:nvPr/>
+        </p:nvCxnSpPr>
+        <p:spPr>
+          <a:xfrm flipH="1" flipV="1">
+            <a:off x="2090102" y="4636841"/>
+            <a:ext cx="1143038" cy="1"/>
+          </a:xfrm>
+          <a:prstGeom prst="straightConnector1">
+            <a:avLst/>
+          </a:prstGeom>
+          <a:ln w="76200">
+            <a:tailEnd type="triangle"/>
+          </a:ln>
+        </p:spPr>
+        <p:style>
+          <a:lnRef idx="1">
+            <a:schemeClr val="accent1"/>
+          </a:lnRef>
+          <a:fillRef idx="0">
+            <a:schemeClr val="accent1"/>
+          </a:fillRef>
+          <a:effectRef idx="0">
+            <a:schemeClr val="accent1"/>
+          </a:effectRef>
+          <a:fontRef idx="minor">
+            <a:schemeClr val="tx1"/>
+          </a:fontRef>
+        </p:style>
+      </p:cxnSp>
+      <p:sp>
+        <p:nvSpPr>
+          <p:cNvPr id="23" name="TextBox 22">
+            <a:extLst>
+              <a:ext uri="{FF2B5EF4-FFF2-40B4-BE49-F238E27FC236}">
+                <a16:creationId xmlns:a16="http://schemas.microsoft.com/office/drawing/2014/main" id="{C384EDE5-8002-455B-9878-BE4A81501F73}"/>
+              </a:ext>
+            </a:extLst>
+          </p:cNvPr>
+          <p:cNvSpPr txBox="1"/>
+          <p:nvPr/>
+        </p:nvSpPr>
+        <p:spPr>
+          <a:xfrm>
+            <a:off x="391896" y="3428380"/>
+            <a:ext cx="872226" cy="369332"/>
+          </a:xfrm>
+          <a:prstGeom prst="rect">
+            <a:avLst/>
+          </a:prstGeom>
+          <a:noFill/>
+        </p:spPr>
+        <p:txBody>
+          <a:bodyPr wrap="none" rtlCol="0">
+            <a:spAutoFit/>
+          </a:bodyPr>
+          <a:lstStyle/>
+          <a:p>
+            <a:r>
+              <a:rPr lang="en-US" altLang="ko-KR" dirty="0"/>
+              <a:t>Socket</a:t>
+            </a:r>
+            <a:endParaRPr lang="ko-KR" altLang="en-US" dirty="0"/>
+          </a:p>
+        </p:txBody>
+      </p:sp>
+      <p:sp>
+        <p:nvSpPr>
+          <p:cNvPr id="24" name="직사각형 23">
+            <a:extLst>
+              <a:ext uri="{FF2B5EF4-FFF2-40B4-BE49-F238E27FC236}">
+                <a16:creationId xmlns:a16="http://schemas.microsoft.com/office/drawing/2014/main" id="{B413924F-8369-4A05-BF72-86F51CC13A52}"/>
+              </a:ext>
+            </a:extLst>
+          </p:cNvPr>
+          <p:cNvSpPr/>
+          <p:nvPr/>
+        </p:nvSpPr>
+        <p:spPr>
+          <a:xfrm>
+            <a:off x="1731050" y="2031373"/>
+            <a:ext cx="3323823" cy="301268"/>
+          </a:xfrm>
+          <a:prstGeom prst="rect">
+            <a:avLst/>
+          </a:prstGeom>
+          <a:noFill/>
+          <a:ln w="76200"/>
+        </p:spPr>
+        <p:style>
+          <a:lnRef idx="2">
+            <a:schemeClr val="accent1">
+              <a:shade val="50000"/>
+            </a:schemeClr>
+          </a:lnRef>
+          <a:fillRef idx="1">
+            <a:schemeClr val="accent1"/>
+          </a:fillRef>
+          <a:effectRef idx="0">
+            <a:schemeClr val="accent1"/>
+          </a:effectRef>
+          <a:fontRef idx="minor">
+            <a:schemeClr val="lt1"/>
+          </a:fontRef>
+        </p:style>
+        <p:txBody>
+          <a:bodyPr rtlCol="0" anchor="ctr"/>
+          <a:lstStyle/>
+          <a:p>
+            <a:pPr algn="ctr"/>
+            <a:endParaRPr lang="ko-KR" altLang="en-US"/>
+          </a:p>
+        </p:txBody>
+      </p:sp>
+      <p:sp>
+        <p:nvSpPr>
+          <p:cNvPr id="25" name="TextBox 24">
+            <a:extLst>
+              <a:ext uri="{FF2B5EF4-FFF2-40B4-BE49-F238E27FC236}">
+                <a16:creationId xmlns:a16="http://schemas.microsoft.com/office/drawing/2014/main" id="{EBBF25F0-74C3-46F5-A05E-429851E59CB5}"/>
+              </a:ext>
+            </a:extLst>
+          </p:cNvPr>
+          <p:cNvSpPr txBox="1"/>
+          <p:nvPr/>
+        </p:nvSpPr>
+        <p:spPr>
+          <a:xfrm>
+            <a:off x="1769853" y="1657440"/>
+            <a:ext cx="1744977" cy="369332"/>
+          </a:xfrm>
+          <a:prstGeom prst="rect">
+            <a:avLst/>
+          </a:prstGeom>
+          <a:noFill/>
+        </p:spPr>
+        <p:txBody>
+          <a:bodyPr wrap="square" rtlCol="0">
+            <a:spAutoFit/>
+          </a:bodyPr>
+          <a:lstStyle/>
+          <a:p>
+            <a:r>
+              <a:rPr lang="en-US" altLang="ko-KR" dirty="0" err="1"/>
+              <a:t>inputStream</a:t>
+            </a:r>
+            <a:endParaRPr lang="ko-KR" altLang="en-US" dirty="0"/>
+          </a:p>
+        </p:txBody>
+      </p:sp>
+      <p:sp>
+        <p:nvSpPr>
+          <p:cNvPr id="26" name="직사각형 25">
+            <a:extLst>
+              <a:ext uri="{FF2B5EF4-FFF2-40B4-BE49-F238E27FC236}">
+                <a16:creationId xmlns:a16="http://schemas.microsoft.com/office/drawing/2014/main" id="{F6B0A8E8-195C-4DC7-82FB-C4F32B6DDD78}"/>
+              </a:ext>
+            </a:extLst>
+          </p:cNvPr>
+          <p:cNvSpPr/>
+          <p:nvPr/>
+        </p:nvSpPr>
+        <p:spPr>
+          <a:xfrm>
+            <a:off x="1731049" y="2794234"/>
+            <a:ext cx="3323823" cy="301268"/>
+          </a:xfrm>
+          <a:prstGeom prst="rect">
+            <a:avLst/>
+          </a:prstGeom>
+          <a:noFill/>
+          <a:ln w="76200"/>
+        </p:spPr>
+        <p:style>
+          <a:lnRef idx="2">
+            <a:schemeClr val="accent1">
+              <a:shade val="50000"/>
+            </a:schemeClr>
+          </a:lnRef>
+          <a:fillRef idx="1">
+            <a:schemeClr val="accent1"/>
+          </a:fillRef>
+          <a:effectRef idx="0">
+            <a:schemeClr val="accent1"/>
+          </a:effectRef>
+          <a:fontRef idx="minor">
+            <a:schemeClr val="lt1"/>
+          </a:fontRef>
+        </p:style>
+        <p:txBody>
+          <a:bodyPr rtlCol="0" anchor="ctr"/>
+          <a:lstStyle/>
+          <a:p>
+            <a:pPr algn="ctr"/>
+            <a:endParaRPr lang="ko-KR" altLang="en-US"/>
+          </a:p>
+        </p:txBody>
+      </p:sp>
+      <p:sp>
+        <p:nvSpPr>
+          <p:cNvPr id="27" name="TextBox 26">
+            <a:extLst>
+              <a:ext uri="{FF2B5EF4-FFF2-40B4-BE49-F238E27FC236}">
+                <a16:creationId xmlns:a16="http://schemas.microsoft.com/office/drawing/2014/main" id="{8BD3A127-F615-4AA7-9B15-5EEC6B34BFBB}"/>
+              </a:ext>
+            </a:extLst>
+          </p:cNvPr>
+          <p:cNvSpPr txBox="1"/>
+          <p:nvPr/>
+        </p:nvSpPr>
+        <p:spPr>
+          <a:xfrm>
+            <a:off x="1585144" y="2382811"/>
+            <a:ext cx="2186541" cy="369332"/>
+          </a:xfrm>
+          <a:prstGeom prst="rect">
+            <a:avLst/>
+          </a:prstGeom>
+          <a:noFill/>
+        </p:spPr>
+        <p:txBody>
+          <a:bodyPr wrap="square" rtlCol="0">
+            <a:spAutoFit/>
+          </a:bodyPr>
+          <a:lstStyle/>
+          <a:p>
+            <a:r>
+              <a:rPr lang="en-US" altLang="ko-KR" dirty="0" err="1"/>
+              <a:t>outputStream</a:t>
+            </a:r>
+            <a:endParaRPr lang="ko-KR" altLang="en-US" dirty="0"/>
+          </a:p>
+        </p:txBody>
+      </p:sp>
+      <p:cxnSp>
+        <p:nvCxnSpPr>
+          <p:cNvPr id="29" name="연결선: 꺾임 28">
+            <a:extLst>
+              <a:ext uri="{FF2B5EF4-FFF2-40B4-BE49-F238E27FC236}">
+                <a16:creationId xmlns:a16="http://schemas.microsoft.com/office/drawing/2014/main" id="{B96B2BA8-D312-469D-B5E7-25CEAD985191}"/>
+              </a:ext>
+            </a:extLst>
+          </p:cNvPr>
+          <p:cNvCxnSpPr>
+            <a:cxnSpLocks/>
+            <a:stCxn id="19" idx="0"/>
+            <a:endCxn id="26" idx="1"/>
+          </p:cNvCxnSpPr>
+          <p:nvPr/>
+        </p:nvCxnSpPr>
+        <p:spPr>
+          <a:xfrm rot="5400000" flipH="1" flipV="1">
+            <a:off x="1026124" y="3182866"/>
+            <a:ext cx="942922" cy="466927"/>
+          </a:xfrm>
+          <a:prstGeom prst="bentConnector2">
+            <a:avLst/>
+          </a:prstGeom>
+          <a:ln w="76200">
+            <a:tailEnd type="triangle"/>
+          </a:ln>
+        </p:spPr>
+        <p:style>
+          <a:lnRef idx="1">
+            <a:schemeClr val="accent1"/>
+          </a:lnRef>
+          <a:fillRef idx="0">
+            <a:schemeClr val="accent1"/>
+          </a:fillRef>
+          <a:effectRef idx="0">
+            <a:schemeClr val="accent1"/>
+          </a:effectRef>
+          <a:fontRef idx="minor">
+            <a:schemeClr val="tx1"/>
+          </a:fontRef>
+        </p:style>
+      </p:cxnSp>
+      <p:cxnSp>
+        <p:nvCxnSpPr>
+          <p:cNvPr id="32" name="연결선: 꺾임 31">
+            <a:extLst>
+              <a:ext uri="{FF2B5EF4-FFF2-40B4-BE49-F238E27FC236}">
+                <a16:creationId xmlns:a16="http://schemas.microsoft.com/office/drawing/2014/main" id="{1E387210-CF32-4E7C-9894-E919081D2E01}"/>
+              </a:ext>
+            </a:extLst>
+          </p:cNvPr>
+          <p:cNvCxnSpPr>
+            <a:cxnSpLocks/>
+            <a:endCxn id="24" idx="1"/>
+          </p:cNvCxnSpPr>
+          <p:nvPr/>
+        </p:nvCxnSpPr>
+        <p:spPr>
+          <a:xfrm rot="5400000" flipH="1" flipV="1">
+            <a:off x="650258" y="2776618"/>
+            <a:ext cx="1675402" cy="486181"/>
+          </a:xfrm>
+          <a:prstGeom prst="bentConnector2">
+            <a:avLst/>
+          </a:prstGeom>
+          <a:ln w="76200">
+            <a:tailEnd type="triangle"/>
+          </a:ln>
+        </p:spPr>
+        <p:style>
+          <a:lnRef idx="1">
+            <a:schemeClr val="accent1"/>
+          </a:lnRef>
+          <a:fillRef idx="0">
+            <a:schemeClr val="accent1"/>
+          </a:fillRef>
+          <a:effectRef idx="0">
+            <a:schemeClr val="accent1"/>
+          </a:effectRef>
+          <a:fontRef idx="minor">
+            <a:schemeClr val="tx1"/>
+          </a:fontRef>
+        </p:style>
+      </p:cxnSp>
+    </p:spTree>
+    <p:extLst>
+      <p:ext uri="{BB962C8B-B14F-4D97-AF65-F5344CB8AC3E}">
+        <p14:creationId xmlns:p14="http://schemas.microsoft.com/office/powerpoint/2010/main" val="839669134"/>
+      </p:ext>
+    </p:extLst>
+  </p:cSld>
+  <p:clrMapOvr>
+    <a:masterClrMapping/>
+  </p:clrMapOvr>
+</p:sld>
+</file>
+
+<file path=ppt/slides/slide7.xml><?xml version="1.0" encoding="utf-8"?>
+<p:sld xmlns:a="http://schemas.openxmlformats.org/drawingml/2006/main" xmlns:r="http://schemas.openxmlformats.org/officeDocument/2006/relationships" xmlns:p="http://schemas.openxmlformats.org/presentationml/2006/main">
+  <p:cSld>
+    <p:spTree>
+      <p:nvGrpSpPr>
+        <p:cNvPr id="1" name=""/>
+        <p:cNvGrpSpPr/>
+        <p:nvPr/>
+      </p:nvGrpSpPr>
+      <p:grpSpPr>
+        <a:xfrm>
+          <a:off x="0" y="0"/>
+          <a:ext cx="0" cy="0"/>
+          <a:chOff x="0" y="0"/>
+          <a:chExt cx="0" cy="0"/>
+        </a:xfrm>
+      </p:grpSpPr>
+      <p:pic>
+        <p:nvPicPr>
+          <p:cNvPr id="2" name="그림 1">
+            <a:extLst>
+              <a:ext uri="{FF2B5EF4-FFF2-40B4-BE49-F238E27FC236}">
+                <a16:creationId xmlns:a16="http://schemas.microsoft.com/office/drawing/2014/main" id="{29EEF2F1-9D48-459E-92B8-1211B56E2178}"/>
+              </a:ext>
+            </a:extLst>
+          </p:cNvPr>
+          <p:cNvPicPr>
+            <a:picLocks noChangeAspect="1"/>
+          </p:cNvPicPr>
+          <p:nvPr/>
+        </p:nvPicPr>
+        <p:blipFill>
+          <a:blip r:embed="rId2"/>
+          <a:stretch>
+            <a:fillRect/>
+          </a:stretch>
+        </p:blipFill>
+        <p:spPr>
+          <a:xfrm>
+            <a:off x="1263684" y="1517544"/>
+            <a:ext cx="6495750" cy="3343214"/>
+          </a:xfrm>
+          <a:prstGeom prst="rect">
+            <a:avLst/>
+          </a:prstGeom>
+        </p:spPr>
+      </p:pic>
+      <p:sp>
+        <p:nvSpPr>
+          <p:cNvPr id="4" name="TextBox 3">
+            <a:extLst>
+              <a:ext uri="{FF2B5EF4-FFF2-40B4-BE49-F238E27FC236}">
+                <a16:creationId xmlns:a16="http://schemas.microsoft.com/office/drawing/2014/main" id="{A8DBE143-C7E9-4BE2-8CCB-310FBE44370C}"/>
+              </a:ext>
+            </a:extLst>
+          </p:cNvPr>
+          <p:cNvSpPr txBox="1"/>
+          <p:nvPr/>
+        </p:nvSpPr>
+        <p:spPr>
+          <a:xfrm>
+            <a:off x="1263684" y="1076960"/>
+            <a:ext cx="840808" cy="369332"/>
+          </a:xfrm>
+          <a:prstGeom prst="rect">
+            <a:avLst/>
+          </a:prstGeom>
+          <a:noFill/>
+        </p:spPr>
+        <p:txBody>
+          <a:bodyPr wrap="none" rtlCol="0">
+            <a:spAutoFit/>
+          </a:bodyPr>
+          <a:lstStyle/>
+          <a:p>
+            <a:r>
+              <a:rPr lang="en-US" altLang="ko-KR" dirty="0"/>
+              <a:t>Server</a:t>
+            </a:r>
+            <a:endParaRPr lang="ko-KR" altLang="en-US" dirty="0"/>
+          </a:p>
+        </p:txBody>
+      </p:sp>
+    </p:spTree>
+    <p:extLst>
+      <p:ext uri="{BB962C8B-B14F-4D97-AF65-F5344CB8AC3E}">
+        <p14:creationId xmlns:p14="http://schemas.microsoft.com/office/powerpoint/2010/main" val="3556032933"/>
+      </p:ext>
+    </p:extLst>
+  </p:cSld>
+  <p:clrMapOvr>
+    <a:masterClrMapping/>
+  </p:clrMapOvr>
+</p:sld>
+</file>
+
+<file path=ppt/slides/slide8.xml><?xml version="1.0" encoding="utf-8"?>
+<p:sld xmlns:a="http://schemas.openxmlformats.org/drawingml/2006/main" xmlns:r="http://schemas.openxmlformats.org/officeDocument/2006/relationships" xmlns:p="http://schemas.openxmlformats.org/presentationml/2006/main">
+  <p:cSld>
+    <p:spTree>
+      <p:nvGrpSpPr>
+        <p:cNvPr id="1" name=""/>
+        <p:cNvGrpSpPr/>
+        <p:nvPr/>
+      </p:nvGrpSpPr>
+      <p:grpSpPr>
+        <a:xfrm>
+          <a:off x="0" y="0"/>
+          <a:ext cx="0" cy="0"/>
+          <a:chOff x="0" y="0"/>
+          <a:chExt cx="0" cy="0"/>
+        </a:xfrm>
+      </p:grpSpPr>
+      <p:pic>
+        <p:nvPicPr>
+          <p:cNvPr id="3" name="그림 2">
+            <a:extLst>
+              <a:ext uri="{FF2B5EF4-FFF2-40B4-BE49-F238E27FC236}">
+                <a16:creationId xmlns:a16="http://schemas.microsoft.com/office/drawing/2014/main" id="{BBF017F1-0545-4E86-A642-533F7E1E743F}"/>
+              </a:ext>
+            </a:extLst>
+          </p:cNvPr>
+          <p:cNvPicPr>
+            <a:picLocks noChangeAspect="1"/>
+          </p:cNvPicPr>
+          <p:nvPr/>
+        </p:nvPicPr>
+        <p:blipFill>
+          <a:blip r:embed="rId2"/>
+          <a:stretch>
+            <a:fillRect/>
+          </a:stretch>
+        </p:blipFill>
+        <p:spPr>
+          <a:xfrm>
+            <a:off x="843280" y="1235030"/>
+            <a:ext cx="8089907" cy="2635930"/>
+          </a:xfrm>
+          <a:prstGeom prst="rect">
+            <a:avLst/>
+          </a:prstGeom>
+        </p:spPr>
+      </p:pic>
+      <p:sp>
+        <p:nvSpPr>
+          <p:cNvPr id="4" name="TextBox 3">
+            <a:extLst>
+              <a:ext uri="{FF2B5EF4-FFF2-40B4-BE49-F238E27FC236}">
+                <a16:creationId xmlns:a16="http://schemas.microsoft.com/office/drawing/2014/main" id="{CB55D14A-5E66-4575-9A23-D324B8F878FF}"/>
+              </a:ext>
+            </a:extLst>
+          </p:cNvPr>
+          <p:cNvSpPr txBox="1"/>
+          <p:nvPr/>
+        </p:nvSpPr>
+        <p:spPr>
+          <a:xfrm>
+            <a:off x="843280" y="711200"/>
+            <a:ext cx="779381" cy="369332"/>
+          </a:xfrm>
+          <a:prstGeom prst="rect">
+            <a:avLst/>
+          </a:prstGeom>
+          <a:noFill/>
+        </p:spPr>
+        <p:txBody>
+          <a:bodyPr wrap="none" rtlCol="0">
+            <a:spAutoFit/>
+          </a:bodyPr>
+          <a:lstStyle/>
+          <a:p>
+            <a:r>
+              <a:rPr lang="en-US" altLang="ko-KR" dirty="0"/>
+              <a:t>Client</a:t>
+            </a:r>
+            <a:endParaRPr lang="ko-KR" altLang="en-US" dirty="0"/>
+          </a:p>
+        </p:txBody>
+      </p:sp>
+    </p:spTree>
+    <p:extLst>
+      <p:ext uri="{BB962C8B-B14F-4D97-AF65-F5344CB8AC3E}">
+        <p14:creationId xmlns:p14="http://schemas.microsoft.com/office/powerpoint/2010/main" val="3043920870"/>
+      </p:ext>
+    </p:extLst>
+  </p:cSld>
+  <p:clrMapOvr>
+    <a:masterClrMapping/>
+  </p:clrMapOvr>
+</p:sld>
+</file>
+
+<file path=ppt/slides/slide9.xml><?xml version="1.0" encoding="utf-8"?>
+<p:sld xmlns:a="http://schemas.openxmlformats.org/drawingml/2006/main" xmlns:r="http://schemas.openxmlformats.org/officeDocument/2006/relationships" xmlns:p="http://schemas.openxmlformats.org/presentationml/2006/main">
+  <p:cSld>
+    <p:spTree>
+      <p:nvGrpSpPr>
+        <p:cNvPr id="1" name=""/>
+        <p:cNvGrpSpPr/>
+        <p:nvPr/>
+      </p:nvGrpSpPr>
+      <p:grpSpPr>
+        <a:xfrm>
+          <a:off x="0" y="0"/>
+          <a:ext cx="0" cy="0"/>
+          <a:chOff x="0" y="0"/>
+          <a:chExt cx="0" cy="0"/>
+        </a:xfrm>
+      </p:grpSpPr>
+      <p:sp>
+        <p:nvSpPr>
+          <p:cNvPr id="3" name="직사각형 2">
+            <a:extLst>
+              <a:ext uri="{FF2B5EF4-FFF2-40B4-BE49-F238E27FC236}">
+                <a16:creationId xmlns:a16="http://schemas.microsoft.com/office/drawing/2014/main" id="{482153CC-4F09-4D01-ADC1-FA515EABA52E}"/>
+              </a:ext>
+            </a:extLst>
+          </p:cNvPr>
+          <p:cNvSpPr/>
+          <p:nvPr/>
+        </p:nvSpPr>
+        <p:spPr>
+          <a:xfrm>
+            <a:off x="5465545" y="793537"/>
+            <a:ext cx="4478951" cy="4475747"/>
+          </a:xfrm>
+          <a:prstGeom prst="rect">
+            <a:avLst/>
+          </a:prstGeom>
+          <a:noFill/>
+          <a:ln w="76200"/>
+        </p:spPr>
+        <p:style>
+          <a:lnRef idx="2">
+            <a:schemeClr val="accent1">
+              <a:shade val="50000"/>
+            </a:schemeClr>
+          </a:lnRef>
+          <a:fillRef idx="1">
+            <a:schemeClr val="accent1"/>
+          </a:fillRef>
+          <a:effectRef idx="0">
+            <a:schemeClr val="accent1"/>
+          </a:effectRef>
+          <a:fontRef idx="minor">
+            <a:schemeClr val="lt1"/>
+          </a:fontRef>
+        </p:style>
+        <p:txBody>
+          <a:bodyPr rtlCol="0" anchor="ctr"/>
+          <a:lstStyle/>
+          <a:p>
+            <a:pPr algn="ctr"/>
+            <a:endParaRPr lang="ko-KR" altLang="en-US"/>
+          </a:p>
+        </p:txBody>
+      </p:sp>
+      <p:sp>
+        <p:nvSpPr>
+          <p:cNvPr id="5" name="TextBox 4">
+            <a:extLst>
+              <a:ext uri="{FF2B5EF4-FFF2-40B4-BE49-F238E27FC236}">
+                <a16:creationId xmlns:a16="http://schemas.microsoft.com/office/drawing/2014/main" id="{6434F1CF-D3CC-4179-A716-371D51C16786}"/>
+              </a:ext>
+            </a:extLst>
+          </p:cNvPr>
+          <p:cNvSpPr txBox="1"/>
+          <p:nvPr/>
+        </p:nvSpPr>
+        <p:spPr>
+          <a:xfrm>
+            <a:off x="5382079" y="279131"/>
+            <a:ext cx="1427841" cy="369332"/>
+          </a:xfrm>
+          <a:prstGeom prst="rect">
+            <a:avLst/>
+          </a:prstGeom>
+          <a:noFill/>
+        </p:spPr>
+        <p:txBody>
+          <a:bodyPr wrap="square" rtlCol="0">
+            <a:spAutoFit/>
+          </a:bodyPr>
+          <a:lstStyle/>
+          <a:p>
+            <a:r>
+              <a:rPr lang="en-US" altLang="ko-KR" dirty="0"/>
+              <a:t>Client</a:t>
+            </a:r>
+            <a:endParaRPr lang="ko-KR" altLang="en-US" dirty="0"/>
+          </a:p>
+        </p:txBody>
+      </p:sp>
+      <p:sp>
+        <p:nvSpPr>
+          <p:cNvPr id="6" name="직사각형 5">
+            <a:extLst>
+              <a:ext uri="{FF2B5EF4-FFF2-40B4-BE49-F238E27FC236}">
+                <a16:creationId xmlns:a16="http://schemas.microsoft.com/office/drawing/2014/main" id="{0D36060A-4A8E-4CDC-8CC8-FFF5509FF07F}"/>
+              </a:ext>
+            </a:extLst>
+          </p:cNvPr>
+          <p:cNvSpPr/>
+          <p:nvPr/>
+        </p:nvSpPr>
+        <p:spPr>
+          <a:xfrm>
+            <a:off x="274323" y="2825014"/>
+            <a:ext cx="4924875" cy="412795"/>
+          </a:xfrm>
+          <a:prstGeom prst="rect">
+            <a:avLst/>
+          </a:prstGeom>
+          <a:noFill/>
+          <a:ln w="76200"/>
+        </p:spPr>
+        <p:style>
+          <a:lnRef idx="2">
+            <a:schemeClr val="accent1">
+              <a:shade val="50000"/>
+            </a:schemeClr>
+          </a:lnRef>
+          <a:fillRef idx="1">
+            <a:schemeClr val="accent1"/>
+          </a:fillRef>
+          <a:effectRef idx="0">
+            <a:schemeClr val="accent1"/>
+          </a:effectRef>
+          <a:fontRef idx="minor">
+            <a:schemeClr val="lt1"/>
+          </a:fontRef>
+        </p:style>
+        <p:txBody>
+          <a:bodyPr rtlCol="0" anchor="ctr"/>
+          <a:lstStyle/>
+          <a:p>
+            <a:pPr algn="ctr"/>
+            <a:endParaRPr lang="ko-KR" altLang="en-US"/>
+          </a:p>
+        </p:txBody>
+      </p:sp>
+      <p:sp>
+        <p:nvSpPr>
+          <p:cNvPr id="10" name="이등변 삼각형 9">
+            <a:extLst>
+              <a:ext uri="{FF2B5EF4-FFF2-40B4-BE49-F238E27FC236}">
+                <a16:creationId xmlns:a16="http://schemas.microsoft.com/office/drawing/2014/main" id="{E23BCD15-0782-4C96-9D16-FD8C0DA5D86F}"/>
+              </a:ext>
+            </a:extLst>
+          </p:cNvPr>
+          <p:cNvSpPr/>
+          <p:nvPr/>
+        </p:nvSpPr>
+        <p:spPr>
+          <a:xfrm rot="5400000">
+            <a:off x="5179948" y="2675276"/>
+            <a:ext cx="750770" cy="712269"/>
+          </a:xfrm>
+          <a:prstGeom prst="triangle">
+            <a:avLst/>
+          </a:prstGeom>
+        </p:spPr>
+        <p:style>
+          <a:lnRef idx="2">
+            <a:schemeClr val="accent1">
+              <a:shade val="50000"/>
+            </a:schemeClr>
+          </a:lnRef>
+          <a:fillRef idx="1">
+            <a:schemeClr val="accent1"/>
+          </a:fillRef>
+          <a:effectRef idx="0">
+            <a:schemeClr val="accent1"/>
+          </a:effectRef>
+          <a:fontRef idx="minor">
+            <a:schemeClr val="lt1"/>
+          </a:fontRef>
+        </p:style>
+        <p:txBody>
+          <a:bodyPr rtlCol="0" anchor="ctr"/>
+          <a:lstStyle/>
+          <a:p>
+            <a:pPr algn="ctr"/>
+            <a:endParaRPr lang="ko-KR" altLang="en-US"/>
+          </a:p>
+        </p:txBody>
+      </p:sp>
+      <p:sp>
+        <p:nvSpPr>
+          <p:cNvPr id="11" name="이등변 삼각형 10">
+            <a:extLst>
+              <a:ext uri="{FF2B5EF4-FFF2-40B4-BE49-F238E27FC236}">
+                <a16:creationId xmlns:a16="http://schemas.microsoft.com/office/drawing/2014/main" id="{E032B031-4D7D-447D-A5CD-D069F6E1E2BD}"/>
+              </a:ext>
+            </a:extLst>
+          </p:cNvPr>
+          <p:cNvSpPr/>
+          <p:nvPr/>
+        </p:nvSpPr>
+        <p:spPr>
+          <a:xfrm rot="16200000">
+            <a:off x="-375386" y="2697480"/>
+            <a:ext cx="750770" cy="712269"/>
+          </a:xfrm>
+          <a:prstGeom prst="triangle">
+            <a:avLst/>
+          </a:prstGeom>
+        </p:spPr>
+        <p:style>
+          <a:lnRef idx="2">
+            <a:schemeClr val="accent1">
+              <a:shade val="50000"/>
+            </a:schemeClr>
+          </a:lnRef>
+          <a:fillRef idx="1">
+            <a:schemeClr val="accent1"/>
+          </a:fillRef>
+          <a:effectRef idx="0">
+            <a:schemeClr val="accent1"/>
+          </a:effectRef>
+          <a:fontRef idx="minor">
+            <a:schemeClr val="lt1"/>
+          </a:fontRef>
+        </p:style>
+        <p:txBody>
+          <a:bodyPr rtlCol="0" anchor="ctr"/>
+          <a:lstStyle/>
+          <a:p>
+            <a:pPr algn="ctr"/>
+            <a:endParaRPr lang="ko-KR" altLang="en-US"/>
+          </a:p>
+        </p:txBody>
+      </p:sp>
+      <p:sp>
+        <p:nvSpPr>
+          <p:cNvPr id="12" name="직사각형 11">
+            <a:extLst>
+              <a:ext uri="{FF2B5EF4-FFF2-40B4-BE49-F238E27FC236}">
+                <a16:creationId xmlns:a16="http://schemas.microsoft.com/office/drawing/2014/main" id="{2038460A-827E-4434-A31D-5411B66ECFF9}"/>
+              </a:ext>
+            </a:extLst>
+          </p:cNvPr>
+          <p:cNvSpPr/>
+          <p:nvPr/>
+        </p:nvSpPr>
+        <p:spPr>
+          <a:xfrm>
+            <a:off x="5911468" y="2432405"/>
+            <a:ext cx="1243306" cy="1242417"/>
+          </a:xfrm>
+          <a:prstGeom prst="rect">
+            <a:avLst/>
+          </a:prstGeom>
+          <a:noFill/>
+          <a:ln w="76200"/>
+        </p:spPr>
+        <p:style>
+          <a:lnRef idx="2">
+            <a:schemeClr val="accent1">
+              <a:shade val="50000"/>
+            </a:schemeClr>
+          </a:lnRef>
+          <a:fillRef idx="1">
+            <a:schemeClr val="accent1"/>
+          </a:fillRef>
+          <a:effectRef idx="0">
+            <a:schemeClr val="accent1"/>
+          </a:effectRef>
+          <a:fontRef idx="minor">
+            <a:schemeClr val="lt1"/>
+          </a:fontRef>
+        </p:style>
+        <p:txBody>
+          <a:bodyPr rtlCol="0" anchor="ctr"/>
+          <a:lstStyle/>
+          <a:p>
+            <a:pPr algn="ctr"/>
+            <a:endParaRPr lang="ko-KR" altLang="en-US"/>
+          </a:p>
+        </p:txBody>
+      </p:sp>
+      <p:sp>
+        <p:nvSpPr>
+          <p:cNvPr id="13" name="TextBox 12">
+            <a:extLst>
+              <a:ext uri="{FF2B5EF4-FFF2-40B4-BE49-F238E27FC236}">
+                <a16:creationId xmlns:a16="http://schemas.microsoft.com/office/drawing/2014/main" id="{92901E21-51BC-4036-9F79-DE7EC9900972}"/>
+              </a:ext>
+            </a:extLst>
+          </p:cNvPr>
+          <p:cNvSpPr txBox="1"/>
+          <p:nvPr/>
+        </p:nvSpPr>
+        <p:spPr>
+          <a:xfrm>
+            <a:off x="5819200" y="2018667"/>
+            <a:ext cx="1427841" cy="369332"/>
+          </a:xfrm>
+          <a:prstGeom prst="rect">
+            <a:avLst/>
+          </a:prstGeom>
+          <a:noFill/>
+        </p:spPr>
+        <p:txBody>
+          <a:bodyPr wrap="square" rtlCol="0">
+            <a:spAutoFit/>
+          </a:bodyPr>
+          <a:lstStyle/>
+          <a:p>
+            <a:r>
+              <a:rPr lang="en-US" altLang="ko-KR" dirty="0"/>
+              <a:t>Socket</a:t>
+            </a:r>
+            <a:endParaRPr lang="ko-KR" altLang="en-US" dirty="0"/>
+          </a:p>
+        </p:txBody>
+      </p:sp>
+      <p:sp>
+        <p:nvSpPr>
+          <p:cNvPr id="14" name="직사각형 13">
+            <a:extLst>
+              <a:ext uri="{FF2B5EF4-FFF2-40B4-BE49-F238E27FC236}">
+                <a16:creationId xmlns:a16="http://schemas.microsoft.com/office/drawing/2014/main" id="{49F0A026-8610-4C5D-8EF9-BEFFD613CA48}"/>
+              </a:ext>
+            </a:extLst>
+          </p:cNvPr>
+          <p:cNvSpPr/>
+          <p:nvPr/>
+        </p:nvSpPr>
+        <p:spPr>
+          <a:xfrm>
+            <a:off x="5819200" y="4536742"/>
+            <a:ext cx="3323823" cy="301268"/>
+          </a:xfrm>
+          <a:prstGeom prst="rect">
+            <a:avLst/>
+          </a:prstGeom>
+          <a:noFill/>
+          <a:ln w="76200"/>
+        </p:spPr>
+        <p:style>
+          <a:lnRef idx="2">
+            <a:schemeClr val="accent1">
+              <a:shade val="50000"/>
+            </a:schemeClr>
+          </a:lnRef>
+          <a:fillRef idx="1">
+            <a:schemeClr val="accent1"/>
+          </a:fillRef>
+          <a:effectRef idx="0">
+            <a:schemeClr val="accent1"/>
+          </a:effectRef>
+          <a:fontRef idx="minor">
+            <a:schemeClr val="lt1"/>
+          </a:fontRef>
+        </p:style>
+        <p:txBody>
+          <a:bodyPr rtlCol="0" anchor="ctr"/>
+          <a:lstStyle/>
+          <a:p>
+            <a:pPr algn="ctr"/>
+            <a:endParaRPr lang="ko-KR" altLang="en-US"/>
+          </a:p>
+        </p:txBody>
+      </p:sp>
+      <p:sp>
+        <p:nvSpPr>
+          <p:cNvPr id="15" name="TextBox 14">
+            <a:extLst>
+              <a:ext uri="{FF2B5EF4-FFF2-40B4-BE49-F238E27FC236}">
+                <a16:creationId xmlns:a16="http://schemas.microsoft.com/office/drawing/2014/main" id="{ACC70EEE-F15F-44AF-AB53-4F3BDD9F6D06}"/>
+              </a:ext>
+            </a:extLst>
+          </p:cNvPr>
+          <p:cNvSpPr txBox="1"/>
+          <p:nvPr/>
+        </p:nvSpPr>
+        <p:spPr>
+          <a:xfrm>
+            <a:off x="5736134" y="4137237"/>
+            <a:ext cx="1744977" cy="369332"/>
+          </a:xfrm>
+          <a:prstGeom prst="rect">
+            <a:avLst/>
+          </a:prstGeom>
+          <a:noFill/>
+        </p:spPr>
+        <p:txBody>
+          <a:bodyPr wrap="square" rtlCol="0">
+            <a:spAutoFit/>
+          </a:bodyPr>
+          <a:lstStyle/>
+          <a:p>
+            <a:r>
+              <a:rPr lang="en-US" altLang="ko-KR" dirty="0" err="1"/>
+              <a:t>inputStream</a:t>
+            </a:r>
+            <a:endParaRPr lang="ko-KR" altLang="en-US" dirty="0"/>
+          </a:p>
+        </p:txBody>
+      </p:sp>
+      <p:sp>
+        <p:nvSpPr>
+          <p:cNvPr id="16" name="직사각형 15">
+            <a:extLst>
+              <a:ext uri="{FF2B5EF4-FFF2-40B4-BE49-F238E27FC236}">
+                <a16:creationId xmlns:a16="http://schemas.microsoft.com/office/drawing/2014/main" id="{60767CD7-3F1B-4C4E-ACD3-01B6687F2851}"/>
+              </a:ext>
+            </a:extLst>
+          </p:cNvPr>
+          <p:cNvSpPr/>
+          <p:nvPr/>
+        </p:nvSpPr>
+        <p:spPr>
+          <a:xfrm>
+            <a:off x="5941068" y="1286820"/>
+            <a:ext cx="3323823" cy="301268"/>
+          </a:xfrm>
+          <a:prstGeom prst="rect">
+            <a:avLst/>
+          </a:prstGeom>
+          <a:noFill/>
+          <a:ln w="76200"/>
+        </p:spPr>
+        <p:style>
+          <a:lnRef idx="2">
+            <a:schemeClr val="accent1">
+              <a:shade val="50000"/>
+            </a:schemeClr>
+          </a:lnRef>
+          <a:fillRef idx="1">
+            <a:schemeClr val="accent1"/>
+          </a:fillRef>
+          <a:effectRef idx="0">
+            <a:schemeClr val="accent1"/>
+          </a:effectRef>
+          <a:fontRef idx="minor">
+            <a:schemeClr val="lt1"/>
+          </a:fontRef>
+        </p:style>
+        <p:txBody>
+          <a:bodyPr rtlCol="0" anchor="ctr"/>
+          <a:lstStyle/>
+          <a:p>
+            <a:pPr algn="ctr"/>
+            <a:endParaRPr lang="ko-KR" altLang="en-US"/>
+          </a:p>
+        </p:txBody>
+      </p:sp>
+      <p:sp>
+        <p:nvSpPr>
+          <p:cNvPr id="17" name="TextBox 16">
+            <a:extLst>
+              <a:ext uri="{FF2B5EF4-FFF2-40B4-BE49-F238E27FC236}">
+                <a16:creationId xmlns:a16="http://schemas.microsoft.com/office/drawing/2014/main" id="{D2F5BF1A-F7C1-425F-9DDB-D0D0A0FC3AD0}"/>
+              </a:ext>
+            </a:extLst>
+          </p:cNvPr>
+          <p:cNvSpPr txBox="1"/>
+          <p:nvPr/>
+        </p:nvSpPr>
+        <p:spPr>
+          <a:xfrm>
+            <a:off x="5795163" y="875397"/>
+            <a:ext cx="2186541" cy="369332"/>
+          </a:xfrm>
+          <a:prstGeom prst="rect">
+            <a:avLst/>
+          </a:prstGeom>
+          <a:noFill/>
+        </p:spPr>
+        <p:txBody>
+          <a:bodyPr wrap="square" rtlCol="0">
+            <a:spAutoFit/>
+          </a:bodyPr>
+          <a:lstStyle/>
+          <a:p>
+            <a:r>
+              <a:rPr lang="en-US" altLang="ko-KR" dirty="0" err="1"/>
+              <a:t>outputStream</a:t>
+            </a:r>
+            <a:endParaRPr lang="ko-KR" altLang="en-US" dirty="0"/>
+          </a:p>
+        </p:txBody>
+      </p:sp>
+      <p:sp>
+        <p:nvSpPr>
+          <p:cNvPr id="19" name="직사각형 18">
+            <a:extLst>
+              <a:ext uri="{FF2B5EF4-FFF2-40B4-BE49-F238E27FC236}">
+                <a16:creationId xmlns:a16="http://schemas.microsoft.com/office/drawing/2014/main" id="{8A81C9CA-250A-4680-A793-5E3F8D18A217}"/>
+              </a:ext>
+            </a:extLst>
+          </p:cNvPr>
+          <p:cNvSpPr/>
+          <p:nvPr/>
+        </p:nvSpPr>
+        <p:spPr>
+          <a:xfrm>
+            <a:off x="5232931" y="5846614"/>
+            <a:ext cx="4944178" cy="732256"/>
+          </a:xfrm>
+          <a:prstGeom prst="rect">
+            <a:avLst/>
+          </a:prstGeom>
+          <a:noFill/>
+          <a:ln w="76200"/>
+        </p:spPr>
+        <p:style>
+          <a:lnRef idx="2">
+            <a:schemeClr val="accent1">
+              <a:shade val="50000"/>
+            </a:schemeClr>
+          </a:lnRef>
+          <a:fillRef idx="1">
+            <a:schemeClr val="accent1"/>
+          </a:fillRef>
+          <a:effectRef idx="0">
+            <a:schemeClr val="accent1"/>
+          </a:effectRef>
+          <a:fontRef idx="minor">
+            <a:schemeClr val="lt1"/>
+          </a:fontRef>
+        </p:style>
+        <p:txBody>
+          <a:bodyPr rtlCol="0" anchor="ctr"/>
+          <a:lstStyle/>
+          <a:p>
+            <a:pPr algn="ctr"/>
+            <a:endParaRPr lang="ko-KR" altLang="en-US"/>
+          </a:p>
+        </p:txBody>
+      </p:sp>
+      <p:sp>
+        <p:nvSpPr>
+          <p:cNvPr id="20" name="TextBox 19">
+            <a:extLst>
+              <a:ext uri="{FF2B5EF4-FFF2-40B4-BE49-F238E27FC236}">
+                <a16:creationId xmlns:a16="http://schemas.microsoft.com/office/drawing/2014/main" id="{74C7E362-7B18-4AE3-B782-6484A4B8539F}"/>
+              </a:ext>
+            </a:extLst>
+          </p:cNvPr>
+          <p:cNvSpPr txBox="1"/>
+          <p:nvPr/>
+        </p:nvSpPr>
+        <p:spPr>
+          <a:xfrm>
+            <a:off x="7021826" y="6039305"/>
+            <a:ext cx="1162306" cy="369332"/>
+          </a:xfrm>
+          <a:prstGeom prst="rect">
+            <a:avLst/>
+          </a:prstGeom>
+          <a:noFill/>
+        </p:spPr>
+        <p:txBody>
+          <a:bodyPr wrap="none" rtlCol="0">
+            <a:spAutoFit/>
+          </a:bodyPr>
+          <a:lstStyle/>
+          <a:p>
+            <a:r>
+              <a:rPr lang="en-US" altLang="ko-KR" dirty="0" err="1"/>
+              <a:t>KeyBoard</a:t>
+            </a:r>
+            <a:endParaRPr lang="ko-KR" altLang="en-US" dirty="0"/>
+          </a:p>
+        </p:txBody>
+      </p:sp>
+      <p:cxnSp>
+        <p:nvCxnSpPr>
+          <p:cNvPr id="22" name="직선 화살표 연결선 21">
+            <a:extLst>
+              <a:ext uri="{FF2B5EF4-FFF2-40B4-BE49-F238E27FC236}">
+                <a16:creationId xmlns:a16="http://schemas.microsoft.com/office/drawing/2014/main" id="{C3CD86D6-7653-482F-923B-2A76814363F7}"/>
+              </a:ext>
+            </a:extLst>
+          </p:cNvPr>
+          <p:cNvCxnSpPr>
+            <a:cxnSpLocks/>
+            <a:stCxn id="19" idx="0"/>
+            <a:endCxn id="14" idx="2"/>
+          </p:cNvCxnSpPr>
+          <p:nvPr/>
+        </p:nvCxnSpPr>
+        <p:spPr>
+          <a:xfrm flipH="1" flipV="1">
+            <a:off x="7481112" y="4838010"/>
+            <a:ext cx="223908" cy="1008604"/>
+          </a:xfrm>
+          <a:prstGeom prst="straightConnector1">
+            <a:avLst/>
+          </a:prstGeom>
+          <a:ln w="76200">
+            <a:tailEnd type="triangle"/>
+          </a:ln>
+        </p:spPr>
+        <p:style>
+          <a:lnRef idx="1">
+            <a:schemeClr val="accent1"/>
+          </a:lnRef>
+          <a:fillRef idx="0">
+            <a:schemeClr val="accent1"/>
+          </a:fillRef>
+          <a:effectRef idx="0">
+            <a:schemeClr val="accent1"/>
+          </a:effectRef>
+          <a:fontRef idx="minor">
+            <a:schemeClr val="tx1"/>
+          </a:fontRef>
+        </p:style>
+      </p:cxnSp>
+      <p:cxnSp>
+        <p:nvCxnSpPr>
+          <p:cNvPr id="24" name="직선 화살표 연결선 23">
+            <a:extLst>
+              <a:ext uri="{FF2B5EF4-FFF2-40B4-BE49-F238E27FC236}">
+                <a16:creationId xmlns:a16="http://schemas.microsoft.com/office/drawing/2014/main" id="{5C61E522-3829-4024-9274-8AC87855327F}"/>
+              </a:ext>
+            </a:extLst>
+          </p:cNvPr>
+          <p:cNvCxnSpPr>
+            <a:cxnSpLocks/>
+            <a:endCxn id="12" idx="2"/>
+          </p:cNvCxnSpPr>
+          <p:nvPr/>
+        </p:nvCxnSpPr>
+        <p:spPr>
+          <a:xfrm flipH="1" flipV="1">
+            <a:off x="6533121" y="3674822"/>
+            <a:ext cx="947990" cy="846834"/>
+          </a:xfrm>
+          <a:prstGeom prst="straightConnector1">
+            <a:avLst/>
+          </a:prstGeom>
+          <a:ln w="76200">
+            <a:tailEnd type="triangle"/>
+          </a:ln>
+        </p:spPr>
+        <p:style>
+          <a:lnRef idx="1">
+            <a:schemeClr val="accent1"/>
+          </a:lnRef>
+          <a:fillRef idx="0">
+            <a:schemeClr val="accent1"/>
+          </a:fillRef>
+          <a:effectRef idx="0">
+            <a:schemeClr val="accent1"/>
+          </a:effectRef>
+          <a:fontRef idx="minor">
+            <a:schemeClr val="tx1"/>
+          </a:fontRef>
+        </p:style>
+      </p:cxnSp>
+      <p:cxnSp>
+        <p:nvCxnSpPr>
+          <p:cNvPr id="26" name="직선 화살표 연결선 25">
+            <a:extLst>
+              <a:ext uri="{FF2B5EF4-FFF2-40B4-BE49-F238E27FC236}">
+                <a16:creationId xmlns:a16="http://schemas.microsoft.com/office/drawing/2014/main" id="{FF425062-8616-4292-8614-DEA2CDB6929D}"/>
+              </a:ext>
+            </a:extLst>
+          </p:cNvPr>
+          <p:cNvCxnSpPr>
+            <a:cxnSpLocks/>
+            <a:stCxn id="12" idx="0"/>
+            <a:endCxn id="16" idx="2"/>
+          </p:cNvCxnSpPr>
+          <p:nvPr/>
+        </p:nvCxnSpPr>
+        <p:spPr>
+          <a:xfrm flipV="1">
+            <a:off x="6533121" y="1588088"/>
+            <a:ext cx="1069859" cy="844317"/>
+          </a:xfrm>
+          <a:prstGeom prst="straightConnector1">
+            <a:avLst/>
+          </a:prstGeom>
+          <a:ln w="76200">
+            <a:tailEnd type="triangle"/>
+          </a:ln>
+        </p:spPr>
+        <p:style>
+          <a:lnRef idx="1">
+            <a:schemeClr val="accent1"/>
+          </a:lnRef>
+          <a:fillRef idx="0">
+            <a:schemeClr val="accent1"/>
+          </a:fillRef>
+          <a:effectRef idx="0">
+            <a:schemeClr val="accent1"/>
+          </a:effectRef>
+          <a:fontRef idx="minor">
+            <a:schemeClr val="tx1"/>
+          </a:fontRef>
+        </p:style>
+      </p:cxnSp>
+      <p:sp>
+        <p:nvSpPr>
+          <p:cNvPr id="29" name="직사각형 28">
+            <a:extLst>
+              <a:ext uri="{FF2B5EF4-FFF2-40B4-BE49-F238E27FC236}">
+                <a16:creationId xmlns:a16="http://schemas.microsoft.com/office/drawing/2014/main" id="{575B509A-4678-4FF0-B63E-2D15335098E8}"/>
+              </a:ext>
+            </a:extLst>
+          </p:cNvPr>
+          <p:cNvSpPr/>
+          <p:nvPr/>
+        </p:nvSpPr>
+        <p:spPr>
+          <a:xfrm>
+            <a:off x="10566149" y="859220"/>
+            <a:ext cx="1351528" cy="2318893"/>
+          </a:xfrm>
+          <a:prstGeom prst="rect">
+            <a:avLst/>
+          </a:prstGeom>
+          <a:noFill/>
+          <a:ln w="76200">
+            <a:solidFill>
+              <a:schemeClr val="tx1"/>
+            </a:solidFill>
+          </a:ln>
+        </p:spPr>
+        <p:style>
+          <a:lnRef idx="2">
+            <a:schemeClr val="accent1">
+              <a:shade val="50000"/>
+            </a:schemeClr>
+          </a:lnRef>
+          <a:fillRef idx="1">
+            <a:schemeClr val="accent1"/>
+          </a:fillRef>
+          <a:effectRef idx="0">
+            <a:schemeClr val="accent1"/>
+          </a:effectRef>
+          <a:fontRef idx="minor">
+            <a:schemeClr val="lt1"/>
+          </a:fontRef>
+        </p:style>
+        <p:txBody>
+          <a:bodyPr rtlCol="0" anchor="ctr"/>
+          <a:lstStyle/>
+          <a:p>
+            <a:pPr algn="ctr"/>
+            <a:endParaRPr lang="ko-KR" altLang="en-US"/>
+          </a:p>
+        </p:txBody>
+      </p:sp>
+      <p:sp>
+        <p:nvSpPr>
+          <p:cNvPr id="30" name="TextBox 29">
+            <a:extLst>
+              <a:ext uri="{FF2B5EF4-FFF2-40B4-BE49-F238E27FC236}">
+                <a16:creationId xmlns:a16="http://schemas.microsoft.com/office/drawing/2014/main" id="{C0631E7B-B971-4624-9BF8-02F4A8E9F869}"/>
+              </a:ext>
+            </a:extLst>
+          </p:cNvPr>
+          <p:cNvSpPr txBox="1"/>
+          <p:nvPr/>
+        </p:nvSpPr>
+        <p:spPr>
+          <a:xfrm>
+            <a:off x="10658417" y="1825580"/>
+            <a:ext cx="1427841" cy="369332"/>
+          </a:xfrm>
+          <a:prstGeom prst="rect">
+            <a:avLst/>
+          </a:prstGeom>
+          <a:noFill/>
+        </p:spPr>
+        <p:txBody>
+          <a:bodyPr wrap="square" rtlCol="0">
+            <a:spAutoFit/>
+          </a:bodyPr>
+          <a:lstStyle/>
+          <a:p>
+            <a:r>
+              <a:rPr lang="en-US" altLang="ko-KR" dirty="0"/>
+              <a:t>Monitor</a:t>
+            </a:r>
+            <a:endParaRPr lang="ko-KR" altLang="en-US" dirty="0"/>
+          </a:p>
+        </p:txBody>
+      </p:sp>
+      <p:cxnSp>
+        <p:nvCxnSpPr>
+          <p:cNvPr id="31" name="직선 화살표 연결선 30">
+            <a:extLst>
+              <a:ext uri="{FF2B5EF4-FFF2-40B4-BE49-F238E27FC236}">
+                <a16:creationId xmlns:a16="http://schemas.microsoft.com/office/drawing/2014/main" id="{4F90A231-2240-43DE-A20D-6708A2386055}"/>
+              </a:ext>
+            </a:extLst>
+          </p:cNvPr>
+          <p:cNvCxnSpPr>
+            <a:cxnSpLocks/>
+            <a:stCxn id="16" idx="3"/>
+            <a:endCxn id="29" idx="1"/>
+          </p:cNvCxnSpPr>
+          <p:nvPr/>
+        </p:nvCxnSpPr>
+        <p:spPr>
+          <a:xfrm>
+            <a:off x="9264891" y="1437454"/>
+            <a:ext cx="1301258" cy="581213"/>
+          </a:xfrm>
+          <a:prstGeom prst="straightConnector1">
+            <a:avLst/>
+          </a:prstGeom>
+          <a:ln w="76200">
+            <a:tailEnd type="triangle"/>
+          </a:ln>
+        </p:spPr>
+        <p:style>
+          <a:lnRef idx="1">
+            <a:schemeClr val="accent1"/>
+          </a:lnRef>
+          <a:fillRef idx="0">
+            <a:schemeClr val="accent1"/>
+          </a:fillRef>
+          <a:effectRef idx="0">
+            <a:schemeClr val="accent1"/>
+          </a:effectRef>
+          <a:fontRef idx="minor">
+            <a:schemeClr val="tx1"/>
+          </a:fontRef>
+        </p:style>
+      </p:cxnSp>
+    </p:spTree>
+    <p:extLst>
+      <p:ext uri="{BB962C8B-B14F-4D97-AF65-F5344CB8AC3E}">
+        <p14:creationId xmlns:p14="http://schemas.microsoft.com/office/powerpoint/2010/main" val="2255434163"/>
       </p:ext>
     </p:extLst>
   </p:cSld>

--- a/5th/5th material.pptx
+++ b/5th/5th material.pptx
@@ -16,6 +16,7 @@
     <p:sldId id="264" r:id="rId10"/>
     <p:sldId id="263" r:id="rId11"/>
     <p:sldId id="262" r:id="rId12"/>
+    <p:sldId id="267" r:id="rId13"/>
   </p:sldIdLst>
   <p:sldSz cx="12192000" cy="6858000"/>
   <p:notesSz cx="6858000" cy="9144000"/>
@@ -269,7 +270,7 @@
           <a:p>
             <a:fld id="{9EC2EC0D-C01C-4291-A77F-AD1F642581F3}" type="datetimeFigureOut">
               <a:rPr lang="ko-KR" altLang="en-US" smtClean="0"/>
-              <a:t>2020-08-03</a:t>
+              <a:t>2020-08-06</a:t>
             </a:fld>
             <a:endParaRPr lang="ko-KR" altLang="en-US"/>
           </a:p>
@@ -467,7 +468,7 @@
           <a:p>
             <a:fld id="{9EC2EC0D-C01C-4291-A77F-AD1F642581F3}" type="datetimeFigureOut">
               <a:rPr lang="ko-KR" altLang="en-US" smtClean="0"/>
-              <a:t>2020-08-03</a:t>
+              <a:t>2020-08-06</a:t>
             </a:fld>
             <a:endParaRPr lang="ko-KR" altLang="en-US"/>
           </a:p>
@@ -675,7 +676,7 @@
           <a:p>
             <a:fld id="{9EC2EC0D-C01C-4291-A77F-AD1F642581F3}" type="datetimeFigureOut">
               <a:rPr lang="ko-KR" altLang="en-US" smtClean="0"/>
-              <a:t>2020-08-03</a:t>
+              <a:t>2020-08-06</a:t>
             </a:fld>
             <a:endParaRPr lang="ko-KR" altLang="en-US"/>
           </a:p>
@@ -873,7 +874,7 @@
           <a:p>
             <a:fld id="{9EC2EC0D-C01C-4291-A77F-AD1F642581F3}" type="datetimeFigureOut">
               <a:rPr lang="ko-KR" altLang="en-US" smtClean="0"/>
-              <a:t>2020-08-03</a:t>
+              <a:t>2020-08-06</a:t>
             </a:fld>
             <a:endParaRPr lang="ko-KR" altLang="en-US"/>
           </a:p>
@@ -1148,7 +1149,7 @@
           <a:p>
             <a:fld id="{9EC2EC0D-C01C-4291-A77F-AD1F642581F3}" type="datetimeFigureOut">
               <a:rPr lang="ko-KR" altLang="en-US" smtClean="0"/>
-              <a:t>2020-08-03</a:t>
+              <a:t>2020-08-06</a:t>
             </a:fld>
             <a:endParaRPr lang="ko-KR" altLang="en-US"/>
           </a:p>
@@ -1413,7 +1414,7 @@
           <a:p>
             <a:fld id="{9EC2EC0D-C01C-4291-A77F-AD1F642581F3}" type="datetimeFigureOut">
               <a:rPr lang="ko-KR" altLang="en-US" smtClean="0"/>
-              <a:t>2020-08-03</a:t>
+              <a:t>2020-08-06</a:t>
             </a:fld>
             <a:endParaRPr lang="ko-KR" altLang="en-US"/>
           </a:p>
@@ -1825,7 +1826,7 @@
           <a:p>
             <a:fld id="{9EC2EC0D-C01C-4291-A77F-AD1F642581F3}" type="datetimeFigureOut">
               <a:rPr lang="ko-KR" altLang="en-US" smtClean="0"/>
-              <a:t>2020-08-03</a:t>
+              <a:t>2020-08-06</a:t>
             </a:fld>
             <a:endParaRPr lang="ko-KR" altLang="en-US"/>
           </a:p>
@@ -1966,7 +1967,7 @@
           <a:p>
             <a:fld id="{9EC2EC0D-C01C-4291-A77F-AD1F642581F3}" type="datetimeFigureOut">
               <a:rPr lang="ko-KR" altLang="en-US" smtClean="0"/>
-              <a:t>2020-08-03</a:t>
+              <a:t>2020-08-06</a:t>
             </a:fld>
             <a:endParaRPr lang="ko-KR" altLang="en-US"/>
           </a:p>
@@ -2079,7 +2080,7 @@
           <a:p>
             <a:fld id="{9EC2EC0D-C01C-4291-A77F-AD1F642581F3}" type="datetimeFigureOut">
               <a:rPr lang="ko-KR" altLang="en-US" smtClean="0"/>
-              <a:t>2020-08-03</a:t>
+              <a:t>2020-08-06</a:t>
             </a:fld>
             <a:endParaRPr lang="ko-KR" altLang="en-US"/>
           </a:p>
@@ -2390,7 +2391,7 @@
           <a:p>
             <a:fld id="{9EC2EC0D-C01C-4291-A77F-AD1F642581F3}" type="datetimeFigureOut">
               <a:rPr lang="ko-KR" altLang="en-US" smtClean="0"/>
-              <a:t>2020-08-03</a:t>
+              <a:t>2020-08-06</a:t>
             </a:fld>
             <a:endParaRPr lang="ko-KR" altLang="en-US"/>
           </a:p>
@@ -2678,7 +2679,7 @@
           <a:p>
             <a:fld id="{9EC2EC0D-C01C-4291-A77F-AD1F642581F3}" type="datetimeFigureOut">
               <a:rPr lang="ko-KR" altLang="en-US" smtClean="0"/>
-              <a:t>2020-08-03</a:t>
+              <a:t>2020-08-06</a:t>
             </a:fld>
             <a:endParaRPr lang="ko-KR" altLang="en-US"/>
           </a:p>
@@ -2919,7 +2920,7 @@
           <a:p>
             <a:fld id="{9EC2EC0D-C01C-4291-A77F-AD1F642581F3}" type="datetimeFigureOut">
               <a:rPr lang="ko-KR" altLang="en-US" smtClean="0"/>
-              <a:t>2020-08-03</a:t>
+              <a:t>2020-08-06</a:t>
             </a:fld>
             <a:endParaRPr lang="ko-KR" altLang="en-US"/>
           </a:p>
@@ -3416,6 +3417,736 @@
           <a:chExt cx="0" cy="0"/>
         </a:xfrm>
       </p:grpSpPr>
+      <p:sp>
+        <p:nvSpPr>
+          <p:cNvPr id="2" name="직사각형 1">
+            <a:extLst>
+              <a:ext uri="{FF2B5EF4-FFF2-40B4-BE49-F238E27FC236}">
+                <a16:creationId xmlns:a16="http://schemas.microsoft.com/office/drawing/2014/main" id="{1EE1A647-9D42-4384-A256-406C328E9F56}"/>
+              </a:ext>
+            </a:extLst>
+          </p:cNvPr>
+          <p:cNvSpPr/>
+          <p:nvPr/>
+        </p:nvSpPr>
+        <p:spPr>
+          <a:xfrm>
+            <a:off x="1203158" y="1874338"/>
+            <a:ext cx="2223436" cy="1809550"/>
+          </a:xfrm>
+          <a:prstGeom prst="rect">
+            <a:avLst/>
+          </a:prstGeom>
+          <a:noFill/>
+          <a:ln w="76200"/>
+        </p:spPr>
+        <p:style>
+          <a:lnRef idx="2">
+            <a:schemeClr val="accent1">
+              <a:shade val="50000"/>
+            </a:schemeClr>
+          </a:lnRef>
+          <a:fillRef idx="1">
+            <a:schemeClr val="accent1"/>
+          </a:fillRef>
+          <a:effectRef idx="0">
+            <a:schemeClr val="accent1"/>
+          </a:effectRef>
+          <a:fontRef idx="minor">
+            <a:schemeClr val="lt1"/>
+          </a:fontRef>
+        </p:style>
+        <p:txBody>
+          <a:bodyPr rtlCol="0" anchor="ctr"/>
+          <a:lstStyle/>
+          <a:p>
+            <a:pPr algn="ctr"/>
+            <a:endParaRPr lang="ko-KR" altLang="en-US"/>
+          </a:p>
+        </p:txBody>
+      </p:sp>
+      <p:sp>
+        <p:nvSpPr>
+          <p:cNvPr id="3" name="직사각형 2">
+            <a:extLst>
+              <a:ext uri="{FF2B5EF4-FFF2-40B4-BE49-F238E27FC236}">
+                <a16:creationId xmlns:a16="http://schemas.microsoft.com/office/drawing/2014/main" id="{C203797C-3A7C-401B-AA19-526F9811F457}"/>
+              </a:ext>
+            </a:extLst>
+          </p:cNvPr>
+          <p:cNvSpPr/>
+          <p:nvPr/>
+        </p:nvSpPr>
+        <p:spPr>
+          <a:xfrm>
+            <a:off x="6832334" y="647298"/>
+            <a:ext cx="2223436" cy="4579219"/>
+          </a:xfrm>
+          <a:prstGeom prst="rect">
+            <a:avLst/>
+          </a:prstGeom>
+          <a:noFill/>
+          <a:ln w="76200"/>
+        </p:spPr>
+        <p:style>
+          <a:lnRef idx="2">
+            <a:schemeClr val="accent1">
+              <a:shade val="50000"/>
+            </a:schemeClr>
+          </a:lnRef>
+          <a:fillRef idx="1">
+            <a:schemeClr val="accent1"/>
+          </a:fillRef>
+          <a:effectRef idx="0">
+            <a:schemeClr val="accent1"/>
+          </a:effectRef>
+          <a:fontRef idx="minor">
+            <a:schemeClr val="lt1"/>
+          </a:fontRef>
+        </p:style>
+        <p:txBody>
+          <a:bodyPr rtlCol="0" anchor="ctr"/>
+          <a:lstStyle/>
+          <a:p>
+            <a:pPr algn="ctr"/>
+            <a:endParaRPr lang="ko-KR" altLang="en-US"/>
+          </a:p>
+        </p:txBody>
+      </p:sp>
+      <p:cxnSp>
+        <p:nvCxnSpPr>
+          <p:cNvPr id="5" name="직선 연결선 4">
+            <a:extLst>
+              <a:ext uri="{FF2B5EF4-FFF2-40B4-BE49-F238E27FC236}">
+                <a16:creationId xmlns:a16="http://schemas.microsoft.com/office/drawing/2014/main" id="{7549E045-72A4-46CF-AFA6-16A0D2C032A4}"/>
+              </a:ext>
+            </a:extLst>
+          </p:cNvPr>
+          <p:cNvCxnSpPr>
+            <a:cxnSpLocks/>
+          </p:cNvCxnSpPr>
+          <p:nvPr/>
+        </p:nvCxnSpPr>
+        <p:spPr>
+          <a:xfrm>
+            <a:off x="6832334" y="1530417"/>
+            <a:ext cx="2223436" cy="0"/>
+          </a:xfrm>
+          <a:prstGeom prst="line">
+            <a:avLst/>
+          </a:prstGeom>
+          <a:ln w="76200"/>
+        </p:spPr>
+        <p:style>
+          <a:lnRef idx="1">
+            <a:schemeClr val="accent1"/>
+          </a:lnRef>
+          <a:fillRef idx="0">
+            <a:schemeClr val="accent1"/>
+          </a:fillRef>
+          <a:effectRef idx="0">
+            <a:schemeClr val="accent1"/>
+          </a:effectRef>
+          <a:fontRef idx="minor">
+            <a:schemeClr val="tx1"/>
+          </a:fontRef>
+        </p:style>
+      </p:cxnSp>
+      <p:cxnSp>
+        <p:nvCxnSpPr>
+          <p:cNvPr id="6" name="직선 연결선 5">
+            <a:extLst>
+              <a:ext uri="{FF2B5EF4-FFF2-40B4-BE49-F238E27FC236}">
+                <a16:creationId xmlns:a16="http://schemas.microsoft.com/office/drawing/2014/main" id="{21A929AE-3431-4B94-8AD7-88F6B5E3AEDD}"/>
+              </a:ext>
+            </a:extLst>
+          </p:cNvPr>
+          <p:cNvCxnSpPr>
+            <a:cxnSpLocks/>
+          </p:cNvCxnSpPr>
+          <p:nvPr/>
+        </p:nvCxnSpPr>
+        <p:spPr>
+          <a:xfrm>
+            <a:off x="6800651" y="2587591"/>
+            <a:ext cx="2286802" cy="0"/>
+          </a:xfrm>
+          <a:prstGeom prst="line">
+            <a:avLst/>
+          </a:prstGeom>
+          <a:ln w="76200"/>
+        </p:spPr>
+        <p:style>
+          <a:lnRef idx="1">
+            <a:schemeClr val="accent1"/>
+          </a:lnRef>
+          <a:fillRef idx="0">
+            <a:schemeClr val="accent1"/>
+          </a:fillRef>
+          <a:effectRef idx="0">
+            <a:schemeClr val="accent1"/>
+          </a:effectRef>
+          <a:fontRef idx="minor">
+            <a:schemeClr val="tx1"/>
+          </a:fontRef>
+        </p:style>
+      </p:cxnSp>
+      <p:cxnSp>
+        <p:nvCxnSpPr>
+          <p:cNvPr id="9" name="직선 연결선 8">
+            <a:extLst>
+              <a:ext uri="{FF2B5EF4-FFF2-40B4-BE49-F238E27FC236}">
+                <a16:creationId xmlns:a16="http://schemas.microsoft.com/office/drawing/2014/main" id="{26A332F2-6AB2-440A-B43C-97D1704A4A9D}"/>
+              </a:ext>
+            </a:extLst>
+          </p:cNvPr>
+          <p:cNvCxnSpPr>
+            <a:cxnSpLocks/>
+          </p:cNvCxnSpPr>
+          <p:nvPr/>
+        </p:nvCxnSpPr>
+        <p:spPr>
+          <a:xfrm>
+            <a:off x="6800651" y="3746634"/>
+            <a:ext cx="2286802" cy="0"/>
+          </a:xfrm>
+          <a:prstGeom prst="line">
+            <a:avLst/>
+          </a:prstGeom>
+          <a:ln w="76200"/>
+        </p:spPr>
+        <p:style>
+          <a:lnRef idx="1">
+            <a:schemeClr val="accent1"/>
+          </a:lnRef>
+          <a:fillRef idx="0">
+            <a:schemeClr val="accent1"/>
+          </a:fillRef>
+          <a:effectRef idx="0">
+            <a:schemeClr val="accent1"/>
+          </a:effectRef>
+          <a:fontRef idx="minor">
+            <a:schemeClr val="tx1"/>
+          </a:fontRef>
+        </p:style>
+      </p:cxnSp>
+      <p:sp>
+        <p:nvSpPr>
+          <p:cNvPr id="10" name="TextBox 9">
+            <a:extLst>
+              <a:ext uri="{FF2B5EF4-FFF2-40B4-BE49-F238E27FC236}">
+                <a16:creationId xmlns:a16="http://schemas.microsoft.com/office/drawing/2014/main" id="{3E645D76-D62A-4015-9D27-E86414699353}"/>
+              </a:ext>
+            </a:extLst>
+          </p:cNvPr>
+          <p:cNvSpPr txBox="1"/>
+          <p:nvPr/>
+        </p:nvSpPr>
+        <p:spPr>
+          <a:xfrm>
+            <a:off x="7283999" y="895370"/>
+            <a:ext cx="1320105" cy="369332"/>
+          </a:xfrm>
+          <a:prstGeom prst="rect">
+            <a:avLst/>
+          </a:prstGeom>
+          <a:noFill/>
+        </p:spPr>
+        <p:txBody>
+          <a:bodyPr wrap="none" rtlCol="0">
+            <a:spAutoFit/>
+          </a:bodyPr>
+          <a:lstStyle/>
+          <a:p>
+            <a:r>
+              <a:rPr lang="en-US" altLang="ko-KR" dirty="0" err="1"/>
+              <a:t>ChatServer</a:t>
+            </a:r>
+            <a:endParaRPr lang="ko-KR" altLang="en-US" dirty="0"/>
+          </a:p>
+        </p:txBody>
+      </p:sp>
+      <p:sp>
+        <p:nvSpPr>
+          <p:cNvPr id="11" name="TextBox 10">
+            <a:extLst>
+              <a:ext uri="{FF2B5EF4-FFF2-40B4-BE49-F238E27FC236}">
+                <a16:creationId xmlns:a16="http://schemas.microsoft.com/office/drawing/2014/main" id="{422BF551-267B-40E3-9FC4-309A48744EE0}"/>
+              </a:ext>
+            </a:extLst>
+          </p:cNvPr>
+          <p:cNvSpPr txBox="1"/>
+          <p:nvPr/>
+        </p:nvSpPr>
+        <p:spPr>
+          <a:xfrm>
+            <a:off x="7283998" y="1874338"/>
+            <a:ext cx="1258678" cy="369332"/>
+          </a:xfrm>
+          <a:prstGeom prst="rect">
+            <a:avLst/>
+          </a:prstGeom>
+          <a:noFill/>
+        </p:spPr>
+        <p:txBody>
+          <a:bodyPr wrap="none" rtlCol="0">
+            <a:spAutoFit/>
+          </a:bodyPr>
+          <a:lstStyle/>
+          <a:p>
+            <a:r>
+              <a:rPr lang="en-US" altLang="ko-KR" dirty="0" err="1"/>
+              <a:t>ChatClient</a:t>
+            </a:r>
+            <a:endParaRPr lang="ko-KR" altLang="en-US" dirty="0"/>
+          </a:p>
+        </p:txBody>
+      </p:sp>
+      <p:sp>
+        <p:nvSpPr>
+          <p:cNvPr id="12" name="TextBox 11">
+            <a:extLst>
+              <a:ext uri="{FF2B5EF4-FFF2-40B4-BE49-F238E27FC236}">
+                <a16:creationId xmlns:a16="http://schemas.microsoft.com/office/drawing/2014/main" id="{51188F96-AE90-463B-8098-EFC993DFE9C3}"/>
+              </a:ext>
+            </a:extLst>
+          </p:cNvPr>
+          <p:cNvSpPr txBox="1"/>
+          <p:nvPr/>
+        </p:nvSpPr>
+        <p:spPr>
+          <a:xfrm>
+            <a:off x="6800651" y="153930"/>
+            <a:ext cx="1066702" cy="369332"/>
+          </a:xfrm>
+          <a:prstGeom prst="rect">
+            <a:avLst/>
+          </a:prstGeom>
+          <a:noFill/>
+        </p:spPr>
+        <p:txBody>
+          <a:bodyPr wrap="none" rtlCol="0">
+            <a:spAutoFit/>
+          </a:bodyPr>
+          <a:lstStyle/>
+          <a:p>
+            <a:r>
+              <a:rPr lang="en-US" altLang="ko-KR" dirty="0"/>
+              <a:t>Memory</a:t>
+            </a:r>
+            <a:endParaRPr lang="ko-KR" altLang="en-US" dirty="0"/>
+          </a:p>
+        </p:txBody>
+      </p:sp>
+      <p:sp>
+        <p:nvSpPr>
+          <p:cNvPr id="13" name="TextBox 12">
+            <a:extLst>
+              <a:ext uri="{FF2B5EF4-FFF2-40B4-BE49-F238E27FC236}">
+                <a16:creationId xmlns:a16="http://schemas.microsoft.com/office/drawing/2014/main" id="{DDCB660B-052E-4E03-AABF-152B63601E48}"/>
+              </a:ext>
+            </a:extLst>
+          </p:cNvPr>
+          <p:cNvSpPr txBox="1"/>
+          <p:nvPr/>
+        </p:nvSpPr>
+        <p:spPr>
+          <a:xfrm>
+            <a:off x="1192612" y="1442260"/>
+            <a:ext cx="623889" cy="369332"/>
+          </a:xfrm>
+          <a:prstGeom prst="rect">
+            <a:avLst/>
+          </a:prstGeom>
+          <a:noFill/>
+        </p:spPr>
+        <p:txBody>
+          <a:bodyPr wrap="none" rtlCol="0">
+            <a:spAutoFit/>
+          </a:bodyPr>
+          <a:lstStyle/>
+          <a:p>
+            <a:r>
+              <a:rPr lang="en-US" altLang="ko-KR" dirty="0"/>
+              <a:t>CPU</a:t>
+            </a:r>
+            <a:endParaRPr lang="ko-KR" altLang="en-US" dirty="0"/>
+          </a:p>
+        </p:txBody>
+      </p:sp>
+      <p:sp>
+        <p:nvSpPr>
+          <p:cNvPr id="14" name="TextBox 13">
+            <a:extLst>
+              <a:ext uri="{FF2B5EF4-FFF2-40B4-BE49-F238E27FC236}">
+                <a16:creationId xmlns:a16="http://schemas.microsoft.com/office/drawing/2014/main" id="{822AB183-1A36-4724-9809-CB2C274C740A}"/>
+              </a:ext>
+            </a:extLst>
+          </p:cNvPr>
+          <p:cNvSpPr txBox="1"/>
+          <p:nvPr/>
+        </p:nvSpPr>
+        <p:spPr>
+          <a:xfrm>
+            <a:off x="7470747" y="3010231"/>
+            <a:ext cx="885179" cy="369332"/>
+          </a:xfrm>
+          <a:prstGeom prst="rect">
+            <a:avLst/>
+          </a:prstGeom>
+          <a:noFill/>
+        </p:spPr>
+        <p:txBody>
+          <a:bodyPr wrap="none" rtlCol="0">
+            <a:spAutoFit/>
+          </a:bodyPr>
+          <a:lstStyle/>
+          <a:p>
+            <a:r>
+              <a:rPr lang="en-US" altLang="ko-KR" dirty="0"/>
+              <a:t>Eclipse</a:t>
+            </a:r>
+            <a:endParaRPr lang="ko-KR" altLang="en-US" dirty="0"/>
+          </a:p>
+        </p:txBody>
+      </p:sp>
+      <p:sp>
+        <p:nvSpPr>
+          <p:cNvPr id="15" name="TextBox 14">
+            <a:extLst>
+              <a:ext uri="{FF2B5EF4-FFF2-40B4-BE49-F238E27FC236}">
+                <a16:creationId xmlns:a16="http://schemas.microsoft.com/office/drawing/2014/main" id="{4C09B1EE-8BCD-433B-A35D-5494B0C15F8E}"/>
+              </a:ext>
+            </a:extLst>
+          </p:cNvPr>
+          <p:cNvSpPr txBox="1"/>
+          <p:nvPr/>
+        </p:nvSpPr>
+        <p:spPr>
+          <a:xfrm>
+            <a:off x="7488412" y="4269937"/>
+            <a:ext cx="849848" cy="369332"/>
+          </a:xfrm>
+          <a:prstGeom prst="rect">
+            <a:avLst/>
+          </a:prstGeom>
+          <a:noFill/>
+        </p:spPr>
+        <p:txBody>
+          <a:bodyPr wrap="none" rtlCol="0">
+            <a:spAutoFit/>
+          </a:bodyPr>
+          <a:lstStyle/>
+          <a:p>
+            <a:r>
+              <a:rPr lang="en-US" altLang="ko-KR" dirty="0" err="1"/>
+              <a:t>etc</a:t>
+            </a:r>
+            <a:r>
+              <a:rPr lang="en-US" altLang="ko-KR" dirty="0"/>
+              <a:t> …..</a:t>
+            </a:r>
+            <a:endParaRPr lang="ko-KR" altLang="en-US" dirty="0"/>
+          </a:p>
+        </p:txBody>
+      </p:sp>
+      <p:sp>
+        <p:nvSpPr>
+          <p:cNvPr id="16" name="TextBox 15">
+            <a:extLst>
+              <a:ext uri="{FF2B5EF4-FFF2-40B4-BE49-F238E27FC236}">
+                <a16:creationId xmlns:a16="http://schemas.microsoft.com/office/drawing/2014/main" id="{5CAFA744-82EA-437B-8479-959529205956}"/>
+              </a:ext>
+            </a:extLst>
+          </p:cNvPr>
+          <p:cNvSpPr txBox="1"/>
+          <p:nvPr/>
+        </p:nvSpPr>
+        <p:spPr>
+          <a:xfrm>
+            <a:off x="1574319" y="2567575"/>
+            <a:ext cx="1320105" cy="369332"/>
+          </a:xfrm>
+          <a:prstGeom prst="rect">
+            <a:avLst/>
+          </a:prstGeom>
+          <a:noFill/>
+        </p:spPr>
+        <p:txBody>
+          <a:bodyPr wrap="none" rtlCol="0">
+            <a:spAutoFit/>
+          </a:bodyPr>
+          <a:lstStyle/>
+          <a:p>
+            <a:r>
+              <a:rPr lang="en-US" altLang="ko-KR" dirty="0" err="1"/>
+              <a:t>ChatServer</a:t>
+            </a:r>
+            <a:endParaRPr lang="ko-KR" altLang="en-US" dirty="0"/>
+          </a:p>
+        </p:txBody>
+      </p:sp>
+      <p:cxnSp>
+        <p:nvCxnSpPr>
+          <p:cNvPr id="18" name="직선 화살표 연결선 17">
+            <a:extLst>
+              <a:ext uri="{FF2B5EF4-FFF2-40B4-BE49-F238E27FC236}">
+                <a16:creationId xmlns:a16="http://schemas.microsoft.com/office/drawing/2014/main" id="{36F884C1-5661-4FE0-9EB3-034BA19AA1A8}"/>
+              </a:ext>
+            </a:extLst>
+          </p:cNvPr>
+          <p:cNvCxnSpPr/>
+          <p:nvPr/>
+        </p:nvCxnSpPr>
+        <p:spPr>
+          <a:xfrm flipV="1">
+            <a:off x="3664365" y="1080036"/>
+            <a:ext cx="2948191" cy="1432158"/>
+          </a:xfrm>
+          <a:prstGeom prst="straightConnector1">
+            <a:avLst/>
+          </a:prstGeom>
+          <a:ln w="76200">
+            <a:headEnd type="triangle"/>
+            <a:tailEnd type="triangle"/>
+          </a:ln>
+        </p:spPr>
+        <p:style>
+          <a:lnRef idx="1">
+            <a:schemeClr val="accent1"/>
+          </a:lnRef>
+          <a:fillRef idx="0">
+            <a:schemeClr val="accent1"/>
+          </a:fillRef>
+          <a:effectRef idx="0">
+            <a:schemeClr val="accent1"/>
+          </a:effectRef>
+          <a:fontRef idx="minor">
+            <a:schemeClr val="tx1"/>
+          </a:fontRef>
+        </p:style>
+      </p:cxnSp>
+      <p:cxnSp>
+        <p:nvCxnSpPr>
+          <p:cNvPr id="19" name="직선 화살표 연결선 18">
+            <a:extLst>
+              <a:ext uri="{FF2B5EF4-FFF2-40B4-BE49-F238E27FC236}">
+                <a16:creationId xmlns:a16="http://schemas.microsoft.com/office/drawing/2014/main" id="{0619E1B1-262F-4071-8E9F-29C328458845}"/>
+              </a:ext>
+            </a:extLst>
+          </p:cNvPr>
+          <p:cNvCxnSpPr>
+            <a:cxnSpLocks/>
+          </p:cNvCxnSpPr>
+          <p:nvPr/>
+        </p:nvCxnSpPr>
+        <p:spPr>
+          <a:xfrm flipV="1">
+            <a:off x="3664365" y="2127183"/>
+            <a:ext cx="3025193" cy="696520"/>
+          </a:xfrm>
+          <a:prstGeom prst="straightConnector1">
+            <a:avLst/>
+          </a:prstGeom>
+          <a:ln w="76200">
+            <a:headEnd type="triangle"/>
+            <a:tailEnd type="triangle"/>
+          </a:ln>
+        </p:spPr>
+        <p:style>
+          <a:lnRef idx="1">
+            <a:schemeClr val="accent1"/>
+          </a:lnRef>
+          <a:fillRef idx="0">
+            <a:schemeClr val="accent1"/>
+          </a:fillRef>
+          <a:effectRef idx="0">
+            <a:schemeClr val="accent1"/>
+          </a:effectRef>
+          <a:fontRef idx="minor">
+            <a:schemeClr val="tx1"/>
+          </a:fontRef>
+        </p:style>
+      </p:cxnSp>
+      <p:cxnSp>
+        <p:nvCxnSpPr>
+          <p:cNvPr id="21" name="직선 화살표 연결선 20">
+            <a:extLst>
+              <a:ext uri="{FF2B5EF4-FFF2-40B4-BE49-F238E27FC236}">
+                <a16:creationId xmlns:a16="http://schemas.microsoft.com/office/drawing/2014/main" id="{47E18138-DF1A-4533-B38E-76EBE484CDB5}"/>
+              </a:ext>
+            </a:extLst>
+          </p:cNvPr>
+          <p:cNvCxnSpPr>
+            <a:cxnSpLocks/>
+          </p:cNvCxnSpPr>
+          <p:nvPr/>
+        </p:nvCxnSpPr>
+        <p:spPr>
+          <a:xfrm>
+            <a:off x="3753853" y="3099335"/>
+            <a:ext cx="3001479" cy="280229"/>
+          </a:xfrm>
+          <a:prstGeom prst="straightConnector1">
+            <a:avLst/>
+          </a:prstGeom>
+          <a:ln w="76200">
+            <a:headEnd type="triangle"/>
+            <a:tailEnd type="triangle"/>
+          </a:ln>
+        </p:spPr>
+        <p:style>
+          <a:lnRef idx="1">
+            <a:schemeClr val="accent1"/>
+          </a:lnRef>
+          <a:fillRef idx="0">
+            <a:schemeClr val="accent1"/>
+          </a:fillRef>
+          <a:effectRef idx="0">
+            <a:schemeClr val="accent1"/>
+          </a:effectRef>
+          <a:fontRef idx="minor">
+            <a:schemeClr val="tx1"/>
+          </a:fontRef>
+        </p:style>
+      </p:cxnSp>
+      <p:cxnSp>
+        <p:nvCxnSpPr>
+          <p:cNvPr id="24" name="직선 화살표 연결선 23">
+            <a:extLst>
+              <a:ext uri="{FF2B5EF4-FFF2-40B4-BE49-F238E27FC236}">
+                <a16:creationId xmlns:a16="http://schemas.microsoft.com/office/drawing/2014/main" id="{1DAAC147-AA19-43F8-BF54-FC263E7367A6}"/>
+              </a:ext>
+            </a:extLst>
+          </p:cNvPr>
+          <p:cNvCxnSpPr>
+            <a:cxnSpLocks/>
+          </p:cNvCxnSpPr>
+          <p:nvPr/>
+        </p:nvCxnSpPr>
+        <p:spPr>
+          <a:xfrm>
+            <a:off x="3745083" y="3429000"/>
+            <a:ext cx="2907529" cy="1327065"/>
+          </a:xfrm>
+          <a:prstGeom prst="straightConnector1">
+            <a:avLst/>
+          </a:prstGeom>
+          <a:ln w="76200">
+            <a:headEnd type="triangle"/>
+            <a:tailEnd type="triangle"/>
+          </a:ln>
+        </p:spPr>
+        <p:style>
+          <a:lnRef idx="1">
+            <a:schemeClr val="accent1"/>
+          </a:lnRef>
+          <a:fillRef idx="0">
+            <a:schemeClr val="accent1"/>
+          </a:fillRef>
+          <a:effectRef idx="0">
+            <a:schemeClr val="accent1"/>
+          </a:effectRef>
+          <a:fontRef idx="minor">
+            <a:schemeClr val="tx1"/>
+          </a:fontRef>
+        </p:style>
+      </p:cxnSp>
+      <p:sp>
+        <p:nvSpPr>
+          <p:cNvPr id="26" name="TextBox 25">
+            <a:extLst>
+              <a:ext uri="{FF2B5EF4-FFF2-40B4-BE49-F238E27FC236}">
+                <a16:creationId xmlns:a16="http://schemas.microsoft.com/office/drawing/2014/main" id="{4308B451-47C0-4610-A3EE-7E02B1277ACB}"/>
+              </a:ext>
+            </a:extLst>
+          </p:cNvPr>
+          <p:cNvSpPr txBox="1"/>
+          <p:nvPr/>
+        </p:nvSpPr>
+        <p:spPr>
+          <a:xfrm>
+            <a:off x="721894" y="5464490"/>
+            <a:ext cx="10394577" cy="646331"/>
+          </a:xfrm>
+          <a:prstGeom prst="rect">
+            <a:avLst/>
+          </a:prstGeom>
+          <a:noFill/>
+        </p:spPr>
+        <p:txBody>
+          <a:bodyPr wrap="none" rtlCol="0">
+            <a:spAutoFit/>
+          </a:bodyPr>
+          <a:lstStyle/>
+          <a:p>
+            <a:r>
+              <a:rPr lang="en-US" altLang="ko-KR" dirty="0"/>
+              <a:t>Memory</a:t>
+            </a:r>
+            <a:r>
+              <a:rPr lang="ko-KR" altLang="en-US" dirty="0"/>
+              <a:t>에 적재된 프로세스들이 우선 순위에 따라 </a:t>
+            </a:r>
+            <a:r>
+              <a:rPr lang="en-US" altLang="ko-KR" dirty="0"/>
+              <a:t>CPU</a:t>
+            </a:r>
+            <a:r>
+              <a:rPr lang="ko-KR" altLang="en-US" dirty="0"/>
+              <a:t>에 옮겨지고 </a:t>
+            </a:r>
+            <a:r>
+              <a:rPr lang="en-US" altLang="ko-KR" dirty="0"/>
+              <a:t>CPU</a:t>
+            </a:r>
+            <a:r>
+              <a:rPr lang="ko-KR" altLang="en-US" dirty="0"/>
+              <a:t>에 올라가 있을 때 실행 됨</a:t>
+            </a:r>
+            <a:endParaRPr lang="en-US" altLang="ko-KR" dirty="0"/>
+          </a:p>
+          <a:p>
+            <a:endParaRPr lang="ko-KR" altLang="en-US" dirty="0"/>
+          </a:p>
+        </p:txBody>
+      </p:sp>
+      <p:sp>
+        <p:nvSpPr>
+          <p:cNvPr id="27" name="TextBox 26">
+            <a:extLst>
+              <a:ext uri="{FF2B5EF4-FFF2-40B4-BE49-F238E27FC236}">
+                <a16:creationId xmlns:a16="http://schemas.microsoft.com/office/drawing/2014/main" id="{CE1780B1-C5DE-4DE4-B520-B828589D659A}"/>
+              </a:ext>
+            </a:extLst>
+          </p:cNvPr>
+          <p:cNvSpPr txBox="1"/>
+          <p:nvPr/>
+        </p:nvSpPr>
+        <p:spPr>
+          <a:xfrm>
+            <a:off x="471817" y="369672"/>
+            <a:ext cx="2226828" cy="369332"/>
+          </a:xfrm>
+          <a:prstGeom prst="rect">
+            <a:avLst/>
+          </a:prstGeom>
+          <a:noFill/>
+        </p:spPr>
+        <p:txBody>
+          <a:bodyPr wrap="none" rtlCol="0">
+            <a:spAutoFit/>
+          </a:bodyPr>
+          <a:lstStyle/>
+          <a:p>
+            <a:r>
+              <a:rPr lang="en-US" altLang="ko-KR" dirty="0"/>
+              <a:t>multi programming</a:t>
+            </a:r>
+            <a:endParaRPr lang="ko-KR" altLang="en-US" dirty="0"/>
+          </a:p>
+        </p:txBody>
+      </p:sp>
     </p:spTree>
     <p:extLst>
       <p:ext uri="{BB962C8B-B14F-4D97-AF65-F5344CB8AC3E}">
@@ -3446,10 +4177,2307 @@
           <a:chExt cx="0" cy="0"/>
         </a:xfrm>
       </p:grpSpPr>
+      <p:sp>
+        <p:nvSpPr>
+          <p:cNvPr id="2" name="직사각형 1">
+            <a:extLst>
+              <a:ext uri="{FF2B5EF4-FFF2-40B4-BE49-F238E27FC236}">
+                <a16:creationId xmlns:a16="http://schemas.microsoft.com/office/drawing/2014/main" id="{EA7ADE44-4AA7-4215-9F42-AB74F51E9429}"/>
+              </a:ext>
+            </a:extLst>
+          </p:cNvPr>
+          <p:cNvSpPr/>
+          <p:nvPr/>
+        </p:nvSpPr>
+        <p:spPr>
+          <a:xfrm>
+            <a:off x="606392" y="1970592"/>
+            <a:ext cx="1780673" cy="1706260"/>
+          </a:xfrm>
+          <a:prstGeom prst="rect">
+            <a:avLst/>
+          </a:prstGeom>
+          <a:noFill/>
+          <a:ln w="76200"/>
+        </p:spPr>
+        <p:style>
+          <a:lnRef idx="2">
+            <a:schemeClr val="accent1">
+              <a:shade val="50000"/>
+            </a:schemeClr>
+          </a:lnRef>
+          <a:fillRef idx="1">
+            <a:schemeClr val="accent1"/>
+          </a:fillRef>
+          <a:effectRef idx="0">
+            <a:schemeClr val="accent1"/>
+          </a:effectRef>
+          <a:fontRef idx="minor">
+            <a:schemeClr val="lt1"/>
+          </a:fontRef>
+        </p:style>
+        <p:txBody>
+          <a:bodyPr rtlCol="0" anchor="ctr"/>
+          <a:lstStyle/>
+          <a:p>
+            <a:pPr algn="ctr"/>
+            <a:endParaRPr lang="ko-KR" altLang="en-US"/>
+          </a:p>
+        </p:txBody>
+      </p:sp>
+      <p:sp>
+        <p:nvSpPr>
+          <p:cNvPr id="3" name="TextBox 2">
+            <a:extLst>
+              <a:ext uri="{FF2B5EF4-FFF2-40B4-BE49-F238E27FC236}">
+                <a16:creationId xmlns:a16="http://schemas.microsoft.com/office/drawing/2014/main" id="{A0E72CDD-7035-4AE6-8F53-B8E6FCF09084}"/>
+              </a:ext>
+            </a:extLst>
+          </p:cNvPr>
+          <p:cNvSpPr txBox="1"/>
+          <p:nvPr/>
+        </p:nvSpPr>
+        <p:spPr>
+          <a:xfrm>
+            <a:off x="642009" y="1521542"/>
+            <a:ext cx="1257952" cy="369332"/>
+          </a:xfrm>
+          <a:prstGeom prst="rect">
+            <a:avLst/>
+          </a:prstGeom>
+          <a:noFill/>
+        </p:spPr>
+        <p:txBody>
+          <a:bodyPr wrap="square" rtlCol="0">
+            <a:spAutoFit/>
+          </a:bodyPr>
+          <a:lstStyle/>
+          <a:p>
+            <a:r>
+              <a:rPr lang="en-US" altLang="ko-KR" dirty="0"/>
+              <a:t>CPU</a:t>
+            </a:r>
+            <a:endParaRPr lang="ko-KR" altLang="en-US" dirty="0"/>
+          </a:p>
+        </p:txBody>
+      </p:sp>
+      <p:sp>
+        <p:nvSpPr>
+          <p:cNvPr id="4" name="TextBox 3">
+            <a:extLst>
+              <a:ext uri="{FF2B5EF4-FFF2-40B4-BE49-F238E27FC236}">
+                <a16:creationId xmlns:a16="http://schemas.microsoft.com/office/drawing/2014/main" id="{DD803B42-F5BA-4953-81B5-E8A6398DE404}"/>
+              </a:ext>
+            </a:extLst>
+          </p:cNvPr>
+          <p:cNvSpPr txBox="1"/>
+          <p:nvPr/>
+        </p:nvSpPr>
+        <p:spPr>
+          <a:xfrm>
+            <a:off x="844086" y="2639056"/>
+            <a:ext cx="1542979" cy="369332"/>
+          </a:xfrm>
+          <a:prstGeom prst="rect">
+            <a:avLst/>
+          </a:prstGeom>
+          <a:noFill/>
+        </p:spPr>
+        <p:txBody>
+          <a:bodyPr wrap="square" rtlCol="0">
+            <a:spAutoFit/>
+          </a:bodyPr>
+          <a:lstStyle/>
+          <a:p>
+            <a:r>
+              <a:rPr lang="en-US" altLang="ko-KR" dirty="0" err="1"/>
+              <a:t>ChatServer</a:t>
+            </a:r>
+            <a:endParaRPr lang="ko-KR" altLang="en-US" dirty="0"/>
+          </a:p>
+        </p:txBody>
+      </p:sp>
+      <p:cxnSp>
+        <p:nvCxnSpPr>
+          <p:cNvPr id="6" name="직선 연결선 5">
+            <a:extLst>
+              <a:ext uri="{FF2B5EF4-FFF2-40B4-BE49-F238E27FC236}">
+                <a16:creationId xmlns:a16="http://schemas.microsoft.com/office/drawing/2014/main" id="{9EB4C3FF-6A38-42F7-AF5B-7EFE99F0B587}"/>
+              </a:ext>
+            </a:extLst>
+          </p:cNvPr>
+          <p:cNvCxnSpPr>
+            <a:cxnSpLocks/>
+          </p:cNvCxnSpPr>
+          <p:nvPr/>
+        </p:nvCxnSpPr>
+        <p:spPr>
+          <a:xfrm flipV="1">
+            <a:off x="2107933" y="611204"/>
+            <a:ext cx="1491915" cy="2085861"/>
+          </a:xfrm>
+          <a:prstGeom prst="line">
+            <a:avLst/>
+          </a:prstGeom>
+          <a:ln w="76200"/>
+        </p:spPr>
+        <p:style>
+          <a:lnRef idx="1">
+            <a:schemeClr val="accent1"/>
+          </a:lnRef>
+          <a:fillRef idx="0">
+            <a:schemeClr val="accent1"/>
+          </a:fillRef>
+          <a:effectRef idx="0">
+            <a:schemeClr val="accent1"/>
+          </a:effectRef>
+          <a:fontRef idx="minor">
+            <a:schemeClr val="tx1"/>
+          </a:fontRef>
+        </p:style>
+      </p:cxnSp>
+      <p:cxnSp>
+        <p:nvCxnSpPr>
+          <p:cNvPr id="7" name="직선 연결선 6">
+            <a:extLst>
+              <a:ext uri="{FF2B5EF4-FFF2-40B4-BE49-F238E27FC236}">
+                <a16:creationId xmlns:a16="http://schemas.microsoft.com/office/drawing/2014/main" id="{072FC42D-0744-4746-971F-385125131DB4}"/>
+              </a:ext>
+            </a:extLst>
+          </p:cNvPr>
+          <p:cNvCxnSpPr>
+            <a:cxnSpLocks/>
+          </p:cNvCxnSpPr>
+          <p:nvPr/>
+        </p:nvCxnSpPr>
+        <p:spPr>
+          <a:xfrm>
+            <a:off x="2099582" y="3008388"/>
+            <a:ext cx="1657409" cy="1336928"/>
+          </a:xfrm>
+          <a:prstGeom prst="line">
+            <a:avLst/>
+          </a:prstGeom>
+          <a:ln w="76200"/>
+        </p:spPr>
+        <p:style>
+          <a:lnRef idx="1">
+            <a:schemeClr val="accent1"/>
+          </a:lnRef>
+          <a:fillRef idx="0">
+            <a:schemeClr val="accent1"/>
+          </a:fillRef>
+          <a:effectRef idx="0">
+            <a:schemeClr val="accent1"/>
+          </a:effectRef>
+          <a:fontRef idx="minor">
+            <a:schemeClr val="tx1"/>
+          </a:fontRef>
+        </p:style>
+      </p:cxnSp>
+      <p:sp>
+        <p:nvSpPr>
+          <p:cNvPr id="10" name="직사각형 9">
+            <a:extLst>
+              <a:ext uri="{FF2B5EF4-FFF2-40B4-BE49-F238E27FC236}">
+                <a16:creationId xmlns:a16="http://schemas.microsoft.com/office/drawing/2014/main" id="{9028E22E-3287-49CD-A9F6-1910F5F129E7}"/>
+              </a:ext>
+            </a:extLst>
+          </p:cNvPr>
+          <p:cNvSpPr/>
+          <p:nvPr/>
+        </p:nvSpPr>
+        <p:spPr>
+          <a:xfrm>
+            <a:off x="3953046" y="500824"/>
+            <a:ext cx="7632562" cy="4100993"/>
+          </a:xfrm>
+          <a:prstGeom prst="rect">
+            <a:avLst/>
+          </a:prstGeom>
+          <a:noFill/>
+          <a:ln w="76200"/>
+        </p:spPr>
+        <p:style>
+          <a:lnRef idx="2">
+            <a:schemeClr val="accent1">
+              <a:shade val="50000"/>
+            </a:schemeClr>
+          </a:lnRef>
+          <a:fillRef idx="1">
+            <a:schemeClr val="accent1"/>
+          </a:fillRef>
+          <a:effectRef idx="0">
+            <a:schemeClr val="accent1"/>
+          </a:effectRef>
+          <a:fontRef idx="minor">
+            <a:schemeClr val="lt1"/>
+          </a:fontRef>
+        </p:style>
+        <p:txBody>
+          <a:bodyPr rtlCol="0" anchor="ctr"/>
+          <a:lstStyle/>
+          <a:p>
+            <a:pPr algn="ctr"/>
+            <a:endParaRPr lang="ko-KR" altLang="en-US"/>
+          </a:p>
+        </p:txBody>
+      </p:sp>
+      <p:sp>
+        <p:nvSpPr>
+          <p:cNvPr id="11" name="직사각형 10">
+            <a:extLst>
+              <a:ext uri="{FF2B5EF4-FFF2-40B4-BE49-F238E27FC236}">
+                <a16:creationId xmlns:a16="http://schemas.microsoft.com/office/drawing/2014/main" id="{784CDF72-939D-4E66-9019-45336FE2DC81}"/>
+              </a:ext>
+            </a:extLst>
+          </p:cNvPr>
+          <p:cNvSpPr/>
+          <p:nvPr/>
+        </p:nvSpPr>
+        <p:spPr>
+          <a:xfrm>
+            <a:off x="4356510" y="1134734"/>
+            <a:ext cx="1984765" cy="2542118"/>
+          </a:xfrm>
+          <a:prstGeom prst="rect">
+            <a:avLst/>
+          </a:prstGeom>
+          <a:noFill/>
+          <a:ln w="76200"/>
+        </p:spPr>
+        <p:style>
+          <a:lnRef idx="2">
+            <a:schemeClr val="accent1">
+              <a:shade val="50000"/>
+            </a:schemeClr>
+          </a:lnRef>
+          <a:fillRef idx="1">
+            <a:schemeClr val="accent1"/>
+          </a:fillRef>
+          <a:effectRef idx="0">
+            <a:schemeClr val="accent1"/>
+          </a:effectRef>
+          <a:fontRef idx="minor">
+            <a:schemeClr val="lt1"/>
+          </a:fontRef>
+        </p:style>
+        <p:txBody>
+          <a:bodyPr rtlCol="0" anchor="ctr"/>
+          <a:lstStyle/>
+          <a:p>
+            <a:pPr algn="ctr"/>
+            <a:endParaRPr lang="ko-KR" altLang="en-US"/>
+          </a:p>
+        </p:txBody>
+      </p:sp>
+      <p:sp>
+        <p:nvSpPr>
+          <p:cNvPr id="12" name="TextBox 11">
+            <a:extLst>
+              <a:ext uri="{FF2B5EF4-FFF2-40B4-BE49-F238E27FC236}">
+                <a16:creationId xmlns:a16="http://schemas.microsoft.com/office/drawing/2014/main" id="{C8AC754F-DFB4-494E-AC6B-D7FB13D99B0F}"/>
+              </a:ext>
+            </a:extLst>
+          </p:cNvPr>
+          <p:cNvSpPr txBox="1"/>
+          <p:nvPr/>
+        </p:nvSpPr>
+        <p:spPr>
+          <a:xfrm>
+            <a:off x="4232515" y="765401"/>
+            <a:ext cx="1454181" cy="369332"/>
+          </a:xfrm>
+          <a:prstGeom prst="rect">
+            <a:avLst/>
+          </a:prstGeom>
+          <a:noFill/>
+        </p:spPr>
+        <p:txBody>
+          <a:bodyPr wrap="none" rtlCol="0">
+            <a:spAutoFit/>
+          </a:bodyPr>
+          <a:lstStyle/>
+          <a:p>
+            <a:r>
+              <a:rPr lang="en-US" altLang="ko-KR" dirty="0"/>
+              <a:t>main</a:t>
+            </a:r>
+            <a:r>
+              <a:rPr lang="ko-KR" altLang="en-US" dirty="0"/>
+              <a:t> </a:t>
+            </a:r>
+            <a:r>
+              <a:rPr lang="en-US" altLang="ko-KR" dirty="0"/>
+              <a:t>thread</a:t>
+            </a:r>
+            <a:endParaRPr lang="ko-KR" altLang="en-US" dirty="0"/>
+          </a:p>
+        </p:txBody>
+      </p:sp>
+      <p:sp>
+        <p:nvSpPr>
+          <p:cNvPr id="14" name="TextBox 13">
+            <a:extLst>
+              <a:ext uri="{FF2B5EF4-FFF2-40B4-BE49-F238E27FC236}">
+                <a16:creationId xmlns:a16="http://schemas.microsoft.com/office/drawing/2014/main" id="{46EA7B85-63D5-4CB9-885C-BF64C3D291F3}"/>
+              </a:ext>
+            </a:extLst>
+          </p:cNvPr>
+          <p:cNvSpPr txBox="1"/>
+          <p:nvPr/>
+        </p:nvSpPr>
+        <p:spPr>
+          <a:xfrm>
+            <a:off x="4443553" y="1192375"/>
+            <a:ext cx="1673022" cy="1754326"/>
+          </a:xfrm>
+          <a:prstGeom prst="rect">
+            <a:avLst/>
+          </a:prstGeom>
+          <a:noFill/>
+        </p:spPr>
+        <p:txBody>
+          <a:bodyPr wrap="none" rtlCol="0">
+            <a:spAutoFit/>
+          </a:bodyPr>
+          <a:lstStyle/>
+          <a:p>
+            <a:r>
+              <a:rPr lang="en-US" altLang="ko-KR" dirty="0"/>
+              <a:t>int a;</a:t>
+            </a:r>
+          </a:p>
+          <a:p>
+            <a:r>
+              <a:rPr lang="en-US" altLang="ko-KR" dirty="0"/>
+              <a:t>String b;</a:t>
+            </a:r>
+          </a:p>
+          <a:p>
+            <a:r>
+              <a:rPr lang="en-US" altLang="ko-KR" dirty="0" err="1"/>
+              <a:t>threadA.start</a:t>
+            </a:r>
+            <a:r>
+              <a:rPr lang="en-US" altLang="ko-KR" dirty="0"/>
+              <a:t>()</a:t>
+            </a:r>
+          </a:p>
+          <a:p>
+            <a:endParaRPr lang="en-US" altLang="ko-KR" dirty="0"/>
+          </a:p>
+          <a:p>
+            <a:endParaRPr lang="en-US" altLang="ko-KR" dirty="0"/>
+          </a:p>
+          <a:p>
+            <a:r>
+              <a:rPr lang="en-US" altLang="ko-KR" dirty="0" err="1"/>
+              <a:t>threadB.start</a:t>
+            </a:r>
+            <a:r>
+              <a:rPr lang="en-US" altLang="ko-KR" dirty="0"/>
+              <a:t>()</a:t>
+            </a:r>
+            <a:endParaRPr lang="ko-KR" altLang="en-US" dirty="0"/>
+          </a:p>
+        </p:txBody>
+      </p:sp>
+      <p:cxnSp>
+        <p:nvCxnSpPr>
+          <p:cNvPr id="17" name="직선 화살표 연결선 16">
+            <a:extLst>
+              <a:ext uri="{FF2B5EF4-FFF2-40B4-BE49-F238E27FC236}">
+                <a16:creationId xmlns:a16="http://schemas.microsoft.com/office/drawing/2014/main" id="{B7024DB7-E073-4020-914C-7B19913AD89D}"/>
+              </a:ext>
+            </a:extLst>
+          </p:cNvPr>
+          <p:cNvCxnSpPr>
+            <a:cxnSpLocks/>
+          </p:cNvCxnSpPr>
+          <p:nvPr/>
+        </p:nvCxnSpPr>
+        <p:spPr>
+          <a:xfrm>
+            <a:off x="6116575" y="2759062"/>
+            <a:ext cx="649691" cy="0"/>
+          </a:xfrm>
+          <a:prstGeom prst="straightConnector1">
+            <a:avLst/>
+          </a:prstGeom>
+          <a:ln w="57150">
+            <a:tailEnd type="triangle"/>
+          </a:ln>
+        </p:spPr>
+        <p:style>
+          <a:lnRef idx="1">
+            <a:schemeClr val="accent1"/>
+          </a:lnRef>
+          <a:fillRef idx="0">
+            <a:schemeClr val="accent1"/>
+          </a:fillRef>
+          <a:effectRef idx="0">
+            <a:schemeClr val="accent1"/>
+          </a:effectRef>
+          <a:fontRef idx="minor">
+            <a:schemeClr val="tx1"/>
+          </a:fontRef>
+        </p:style>
+      </p:cxnSp>
+      <p:sp>
+        <p:nvSpPr>
+          <p:cNvPr id="19" name="직사각형 18">
+            <a:extLst>
+              <a:ext uri="{FF2B5EF4-FFF2-40B4-BE49-F238E27FC236}">
+                <a16:creationId xmlns:a16="http://schemas.microsoft.com/office/drawing/2014/main" id="{CC9B4A3E-B76D-4B3A-BF2B-8052F6214A5D}"/>
+              </a:ext>
+            </a:extLst>
+          </p:cNvPr>
+          <p:cNvSpPr/>
+          <p:nvPr/>
+        </p:nvSpPr>
+        <p:spPr>
+          <a:xfrm>
+            <a:off x="6917233" y="2579157"/>
+            <a:ext cx="1431475" cy="1199392"/>
+          </a:xfrm>
+          <a:prstGeom prst="rect">
+            <a:avLst/>
+          </a:prstGeom>
+          <a:noFill/>
+          <a:ln w="76200"/>
+        </p:spPr>
+        <p:style>
+          <a:lnRef idx="2">
+            <a:schemeClr val="accent1">
+              <a:shade val="50000"/>
+            </a:schemeClr>
+          </a:lnRef>
+          <a:fillRef idx="1">
+            <a:schemeClr val="accent1"/>
+          </a:fillRef>
+          <a:effectRef idx="0">
+            <a:schemeClr val="accent1"/>
+          </a:effectRef>
+          <a:fontRef idx="minor">
+            <a:schemeClr val="lt1"/>
+          </a:fontRef>
+        </p:style>
+        <p:txBody>
+          <a:bodyPr rtlCol="0" anchor="ctr"/>
+          <a:lstStyle/>
+          <a:p>
+            <a:pPr algn="ctr"/>
+            <a:endParaRPr lang="ko-KR" altLang="en-US"/>
+          </a:p>
+        </p:txBody>
+      </p:sp>
+      <p:sp>
+        <p:nvSpPr>
+          <p:cNvPr id="20" name="TextBox 19">
+            <a:extLst>
+              <a:ext uri="{FF2B5EF4-FFF2-40B4-BE49-F238E27FC236}">
+                <a16:creationId xmlns:a16="http://schemas.microsoft.com/office/drawing/2014/main" id="{51FF0B64-3963-44DF-9FD5-0E505FF22DEA}"/>
+              </a:ext>
+            </a:extLst>
+          </p:cNvPr>
+          <p:cNvSpPr txBox="1"/>
+          <p:nvPr/>
+        </p:nvSpPr>
+        <p:spPr>
+          <a:xfrm>
+            <a:off x="6805661" y="2129795"/>
+            <a:ext cx="1647310" cy="369332"/>
+          </a:xfrm>
+          <a:prstGeom prst="rect">
+            <a:avLst/>
+          </a:prstGeom>
+          <a:noFill/>
+        </p:spPr>
+        <p:txBody>
+          <a:bodyPr wrap="none" rtlCol="0">
+            <a:spAutoFit/>
+          </a:bodyPr>
+          <a:lstStyle/>
+          <a:p>
+            <a:r>
+              <a:rPr lang="en-US" altLang="ko-KR" dirty="0"/>
+              <a:t>worker thread</a:t>
+            </a:r>
+          </a:p>
+        </p:txBody>
+      </p:sp>
+      <p:cxnSp>
+        <p:nvCxnSpPr>
+          <p:cNvPr id="21" name="직선 화살표 연결선 20">
+            <a:extLst>
+              <a:ext uri="{FF2B5EF4-FFF2-40B4-BE49-F238E27FC236}">
+                <a16:creationId xmlns:a16="http://schemas.microsoft.com/office/drawing/2014/main" id="{0983034B-0DA3-4CF9-B7D1-E707C9C9E3BD}"/>
+              </a:ext>
+            </a:extLst>
+          </p:cNvPr>
+          <p:cNvCxnSpPr>
+            <a:cxnSpLocks/>
+          </p:cNvCxnSpPr>
+          <p:nvPr/>
+        </p:nvCxnSpPr>
+        <p:spPr>
+          <a:xfrm>
+            <a:off x="6013352" y="1970592"/>
+            <a:ext cx="2555494" cy="0"/>
+          </a:xfrm>
+          <a:prstGeom prst="straightConnector1">
+            <a:avLst/>
+          </a:prstGeom>
+          <a:ln w="57150">
+            <a:tailEnd type="triangle"/>
+          </a:ln>
+        </p:spPr>
+        <p:style>
+          <a:lnRef idx="1">
+            <a:schemeClr val="accent1"/>
+          </a:lnRef>
+          <a:fillRef idx="0">
+            <a:schemeClr val="accent1"/>
+          </a:fillRef>
+          <a:effectRef idx="0">
+            <a:schemeClr val="accent1"/>
+          </a:effectRef>
+          <a:fontRef idx="minor">
+            <a:schemeClr val="tx1"/>
+          </a:fontRef>
+        </p:style>
+      </p:cxnSp>
+      <p:sp>
+        <p:nvSpPr>
+          <p:cNvPr id="25" name="직사각형 24">
+            <a:extLst>
+              <a:ext uri="{FF2B5EF4-FFF2-40B4-BE49-F238E27FC236}">
+                <a16:creationId xmlns:a16="http://schemas.microsoft.com/office/drawing/2014/main" id="{51D413AC-3003-418B-ABCA-A163AB211C80}"/>
+              </a:ext>
+            </a:extLst>
+          </p:cNvPr>
+          <p:cNvSpPr/>
+          <p:nvPr/>
+        </p:nvSpPr>
+        <p:spPr>
+          <a:xfrm>
+            <a:off x="8660943" y="1803209"/>
+            <a:ext cx="1431475" cy="1477328"/>
+          </a:xfrm>
+          <a:prstGeom prst="rect">
+            <a:avLst/>
+          </a:prstGeom>
+          <a:noFill/>
+          <a:ln w="76200"/>
+        </p:spPr>
+        <p:style>
+          <a:lnRef idx="2">
+            <a:schemeClr val="accent1">
+              <a:shade val="50000"/>
+            </a:schemeClr>
+          </a:lnRef>
+          <a:fillRef idx="1">
+            <a:schemeClr val="accent1"/>
+          </a:fillRef>
+          <a:effectRef idx="0">
+            <a:schemeClr val="accent1"/>
+          </a:effectRef>
+          <a:fontRef idx="minor">
+            <a:schemeClr val="lt1"/>
+          </a:fontRef>
+        </p:style>
+        <p:txBody>
+          <a:bodyPr rtlCol="0" anchor="ctr"/>
+          <a:lstStyle/>
+          <a:p>
+            <a:pPr algn="ctr"/>
+            <a:endParaRPr lang="ko-KR" altLang="en-US"/>
+          </a:p>
+        </p:txBody>
+      </p:sp>
+      <p:sp>
+        <p:nvSpPr>
+          <p:cNvPr id="26" name="TextBox 25">
+            <a:extLst>
+              <a:ext uri="{FF2B5EF4-FFF2-40B4-BE49-F238E27FC236}">
+                <a16:creationId xmlns:a16="http://schemas.microsoft.com/office/drawing/2014/main" id="{74B49B0D-DD95-4444-B40C-3C621E5F2CAA}"/>
+              </a:ext>
+            </a:extLst>
+          </p:cNvPr>
+          <p:cNvSpPr txBox="1"/>
+          <p:nvPr/>
+        </p:nvSpPr>
+        <p:spPr>
+          <a:xfrm>
+            <a:off x="8549371" y="1353847"/>
+            <a:ext cx="1647310" cy="369332"/>
+          </a:xfrm>
+          <a:prstGeom prst="rect">
+            <a:avLst/>
+          </a:prstGeom>
+          <a:noFill/>
+        </p:spPr>
+        <p:txBody>
+          <a:bodyPr wrap="none" rtlCol="0">
+            <a:spAutoFit/>
+          </a:bodyPr>
+          <a:lstStyle/>
+          <a:p>
+            <a:r>
+              <a:rPr lang="en-US" altLang="ko-KR" dirty="0"/>
+              <a:t>worker thread</a:t>
+            </a:r>
+          </a:p>
+        </p:txBody>
+      </p:sp>
+      <p:sp>
+        <p:nvSpPr>
+          <p:cNvPr id="27" name="TextBox 26">
+            <a:extLst>
+              <a:ext uri="{FF2B5EF4-FFF2-40B4-BE49-F238E27FC236}">
+                <a16:creationId xmlns:a16="http://schemas.microsoft.com/office/drawing/2014/main" id="{B94EE465-87FA-458A-8CBC-93C9A70CFB1F}"/>
+              </a:ext>
+            </a:extLst>
+          </p:cNvPr>
+          <p:cNvSpPr txBox="1"/>
+          <p:nvPr/>
+        </p:nvSpPr>
+        <p:spPr>
+          <a:xfrm>
+            <a:off x="8719813" y="1949893"/>
+            <a:ext cx="1398460" cy="830997"/>
+          </a:xfrm>
+          <a:prstGeom prst="rect">
+            <a:avLst/>
+          </a:prstGeom>
+          <a:noFill/>
+        </p:spPr>
+        <p:txBody>
+          <a:bodyPr wrap="none" rtlCol="0">
+            <a:spAutoFit/>
+          </a:bodyPr>
+          <a:lstStyle/>
+          <a:p>
+            <a:r>
+              <a:rPr lang="en-US" altLang="ko-KR" sz="1600" dirty="0" err="1"/>
+              <a:t>threadA.run</a:t>
+            </a:r>
+            <a:r>
+              <a:rPr lang="en-US" altLang="ko-KR" sz="1600" dirty="0"/>
+              <a:t>()</a:t>
+            </a:r>
+          </a:p>
+          <a:p>
+            <a:endParaRPr lang="en-US" altLang="ko-KR" sz="1600" dirty="0"/>
+          </a:p>
+          <a:p>
+            <a:endParaRPr lang="ko-KR" altLang="en-US" sz="1600" dirty="0"/>
+          </a:p>
+        </p:txBody>
+      </p:sp>
+      <p:sp>
+        <p:nvSpPr>
+          <p:cNvPr id="28" name="TextBox 27">
+            <a:extLst>
+              <a:ext uri="{FF2B5EF4-FFF2-40B4-BE49-F238E27FC236}">
+                <a16:creationId xmlns:a16="http://schemas.microsoft.com/office/drawing/2014/main" id="{F8CA529B-F42A-461B-B0FB-DC4DE658638D}"/>
+              </a:ext>
+            </a:extLst>
+          </p:cNvPr>
+          <p:cNvSpPr txBox="1"/>
+          <p:nvPr/>
+        </p:nvSpPr>
+        <p:spPr>
+          <a:xfrm>
+            <a:off x="7000299" y="2780890"/>
+            <a:ext cx="1384033" cy="338554"/>
+          </a:xfrm>
+          <a:prstGeom prst="rect">
+            <a:avLst/>
+          </a:prstGeom>
+          <a:noFill/>
+        </p:spPr>
+        <p:txBody>
+          <a:bodyPr wrap="none" rtlCol="0">
+            <a:spAutoFit/>
+          </a:bodyPr>
+          <a:lstStyle/>
+          <a:p>
+            <a:r>
+              <a:rPr lang="en-US" altLang="ko-KR" sz="1600" dirty="0" err="1"/>
+              <a:t>threadB.run</a:t>
+            </a:r>
+            <a:r>
+              <a:rPr lang="en-US" altLang="ko-KR" sz="1600" dirty="0"/>
+              <a:t>()</a:t>
+            </a:r>
+            <a:endParaRPr lang="ko-KR" altLang="en-US" sz="1600" dirty="0"/>
+          </a:p>
+        </p:txBody>
+      </p:sp>
+      <p:sp>
+        <p:nvSpPr>
+          <p:cNvPr id="29" name="TextBox 28">
+            <a:extLst>
+              <a:ext uri="{FF2B5EF4-FFF2-40B4-BE49-F238E27FC236}">
+                <a16:creationId xmlns:a16="http://schemas.microsoft.com/office/drawing/2014/main" id="{A64B0D18-DAA1-4001-A273-5A48F6A72619}"/>
+              </a:ext>
+            </a:extLst>
+          </p:cNvPr>
+          <p:cNvSpPr txBox="1"/>
+          <p:nvPr/>
+        </p:nvSpPr>
+        <p:spPr>
+          <a:xfrm>
+            <a:off x="950949" y="4898657"/>
+            <a:ext cx="6678367" cy="1754326"/>
+          </a:xfrm>
+          <a:prstGeom prst="rect">
+            <a:avLst/>
+          </a:prstGeom>
+          <a:noFill/>
+        </p:spPr>
+        <p:txBody>
+          <a:bodyPr wrap="none" rtlCol="0">
+            <a:spAutoFit/>
+          </a:bodyPr>
+          <a:lstStyle/>
+          <a:p>
+            <a:r>
+              <a:rPr lang="en-US" altLang="ko-KR" dirty="0"/>
+              <a:t>start</a:t>
+            </a:r>
+            <a:r>
+              <a:rPr lang="ko-KR" altLang="en-US" dirty="0"/>
+              <a:t>메소드를 호출할 경우 </a:t>
+            </a:r>
+            <a:r>
+              <a:rPr lang="en-US" altLang="ko-KR" dirty="0"/>
+              <a:t>main thread</a:t>
+            </a:r>
+            <a:r>
+              <a:rPr lang="ko-KR" altLang="en-US" dirty="0"/>
+              <a:t>와 독립된</a:t>
+            </a:r>
+            <a:endParaRPr lang="en-US" altLang="ko-KR" dirty="0"/>
+          </a:p>
+          <a:p>
+            <a:r>
+              <a:rPr lang="en-US" altLang="ko-KR" dirty="0"/>
+              <a:t>worker thread</a:t>
+            </a:r>
+            <a:r>
+              <a:rPr lang="ko-KR" altLang="en-US" dirty="0"/>
+              <a:t>를 생성해서 해당 </a:t>
+            </a:r>
+            <a:r>
+              <a:rPr lang="en-US" altLang="ko-KR" dirty="0"/>
+              <a:t>thread</a:t>
+            </a:r>
+            <a:r>
+              <a:rPr lang="ko-KR" altLang="en-US" dirty="0"/>
+              <a:t>에서 </a:t>
+            </a:r>
+            <a:r>
+              <a:rPr lang="en-US" altLang="ko-KR" dirty="0"/>
+              <a:t>run</a:t>
+            </a:r>
+            <a:r>
+              <a:rPr lang="ko-KR" altLang="en-US" dirty="0"/>
+              <a:t>메소드 실행</a:t>
+            </a:r>
+            <a:endParaRPr lang="en-US" altLang="ko-KR" dirty="0"/>
+          </a:p>
+          <a:p>
+            <a:endParaRPr lang="en-US" altLang="ko-KR" dirty="0"/>
+          </a:p>
+          <a:p>
+            <a:r>
+              <a:rPr lang="ko-KR" altLang="en-US" dirty="0"/>
+              <a:t>그러나 </a:t>
+            </a:r>
+            <a:r>
+              <a:rPr lang="en-US" altLang="ko-KR" dirty="0"/>
+              <a:t>run</a:t>
+            </a:r>
+            <a:r>
+              <a:rPr lang="ko-KR" altLang="en-US" dirty="0"/>
+              <a:t>메소드를 호출할 경우 독립된 </a:t>
+            </a:r>
+            <a:r>
+              <a:rPr lang="en-US" altLang="ko-KR" dirty="0"/>
+              <a:t>worker </a:t>
+            </a:r>
+            <a:r>
+              <a:rPr lang="en-US" altLang="ko-KR" dirty="0" err="1"/>
+              <a:t>threa</a:t>
+            </a:r>
+            <a:r>
+              <a:rPr lang="ko-KR" altLang="en-US" dirty="0"/>
+              <a:t>를 </a:t>
+            </a:r>
+            <a:endParaRPr lang="en-US" altLang="ko-KR" dirty="0"/>
+          </a:p>
+          <a:p>
+            <a:r>
+              <a:rPr lang="ko-KR" altLang="en-US" dirty="0"/>
+              <a:t>생성하지 않고 해당 </a:t>
+            </a:r>
+            <a:r>
+              <a:rPr lang="en-US" altLang="ko-KR" dirty="0"/>
+              <a:t>main thread </a:t>
+            </a:r>
+            <a:r>
+              <a:rPr lang="ko-KR" altLang="en-US" dirty="0"/>
+              <a:t>내에서 </a:t>
+            </a:r>
+            <a:r>
+              <a:rPr lang="en-US" altLang="ko-KR" dirty="0"/>
+              <a:t>run</a:t>
+            </a:r>
+            <a:r>
+              <a:rPr lang="ko-KR" altLang="en-US" dirty="0"/>
+              <a:t>메소드를 호출하여</a:t>
+            </a:r>
+            <a:endParaRPr lang="en-US" altLang="ko-KR" dirty="0"/>
+          </a:p>
+          <a:p>
+            <a:r>
+              <a:rPr lang="ko-KR" altLang="en-US" dirty="0"/>
+              <a:t>실행하기 때문에 동시 수행이 안되는 것</a:t>
+            </a:r>
+          </a:p>
+        </p:txBody>
+      </p:sp>
+      <p:sp>
+        <p:nvSpPr>
+          <p:cNvPr id="32" name="TextBox 31">
+            <a:extLst>
+              <a:ext uri="{FF2B5EF4-FFF2-40B4-BE49-F238E27FC236}">
+                <a16:creationId xmlns:a16="http://schemas.microsoft.com/office/drawing/2014/main" id="{18719667-CA7E-4E5C-BAE9-939A16DD113F}"/>
+              </a:ext>
+            </a:extLst>
+          </p:cNvPr>
+          <p:cNvSpPr txBox="1"/>
+          <p:nvPr/>
+        </p:nvSpPr>
+        <p:spPr>
+          <a:xfrm>
+            <a:off x="3855314" y="79114"/>
+            <a:ext cx="1542979" cy="369332"/>
+          </a:xfrm>
+          <a:prstGeom prst="rect">
+            <a:avLst/>
+          </a:prstGeom>
+          <a:noFill/>
+        </p:spPr>
+        <p:txBody>
+          <a:bodyPr wrap="square" rtlCol="0">
+            <a:spAutoFit/>
+          </a:bodyPr>
+          <a:lstStyle/>
+          <a:p>
+            <a:r>
+              <a:rPr lang="en-US" altLang="ko-KR" dirty="0" err="1"/>
+              <a:t>ChatServer</a:t>
+            </a:r>
+            <a:endParaRPr lang="ko-KR" altLang="en-US" dirty="0"/>
+          </a:p>
+        </p:txBody>
+      </p:sp>
+      <p:sp>
+        <p:nvSpPr>
+          <p:cNvPr id="33" name="TextBox 32">
+            <a:extLst>
+              <a:ext uri="{FF2B5EF4-FFF2-40B4-BE49-F238E27FC236}">
+                <a16:creationId xmlns:a16="http://schemas.microsoft.com/office/drawing/2014/main" id="{C6A90E32-6F9E-4B5F-85F6-C4A7574EFFD4}"/>
+              </a:ext>
+            </a:extLst>
+          </p:cNvPr>
+          <p:cNvSpPr txBox="1"/>
+          <p:nvPr/>
+        </p:nvSpPr>
+        <p:spPr>
+          <a:xfrm>
+            <a:off x="471817" y="369672"/>
+            <a:ext cx="1798826" cy="369332"/>
+          </a:xfrm>
+          <a:prstGeom prst="rect">
+            <a:avLst/>
+          </a:prstGeom>
+          <a:noFill/>
+        </p:spPr>
+        <p:txBody>
+          <a:bodyPr wrap="none" rtlCol="0">
+            <a:spAutoFit/>
+          </a:bodyPr>
+          <a:lstStyle/>
+          <a:p>
+            <a:r>
+              <a:rPr lang="en-US" altLang="ko-KR" dirty="0"/>
+              <a:t>multi threading</a:t>
+            </a:r>
+            <a:endParaRPr lang="ko-KR" altLang="en-US" dirty="0"/>
+          </a:p>
+        </p:txBody>
+      </p:sp>
     </p:spTree>
     <p:extLst>
       <p:ext uri="{BB962C8B-B14F-4D97-AF65-F5344CB8AC3E}">
         <p14:creationId xmlns:p14="http://schemas.microsoft.com/office/powerpoint/2010/main" val="763831587"/>
+      </p:ext>
+    </p:extLst>
+  </p:cSld>
+  <p:clrMapOvr>
+    <a:masterClrMapping/>
+  </p:clrMapOvr>
+</p:sld>
+</file>
+
+<file path=ppt/slides/slide12.xml><?xml version="1.0" encoding="utf-8"?>
+<p:sld xmlns:a="http://schemas.openxmlformats.org/drawingml/2006/main" xmlns:r="http://schemas.openxmlformats.org/officeDocument/2006/relationships" xmlns:p="http://schemas.openxmlformats.org/presentationml/2006/main">
+  <p:cSld>
+    <p:spTree>
+      <p:nvGrpSpPr>
+        <p:cNvPr id="1" name=""/>
+        <p:cNvGrpSpPr/>
+        <p:nvPr/>
+      </p:nvGrpSpPr>
+      <p:grpSpPr>
+        <a:xfrm>
+          <a:off x="0" y="0"/>
+          <a:ext cx="0" cy="0"/>
+          <a:chOff x="0" y="0"/>
+          <a:chExt cx="0" cy="0"/>
+        </a:xfrm>
+      </p:grpSpPr>
+      <p:sp>
+        <p:nvSpPr>
+          <p:cNvPr id="2" name="직사각형 1">
+            <a:extLst>
+              <a:ext uri="{FF2B5EF4-FFF2-40B4-BE49-F238E27FC236}">
+                <a16:creationId xmlns:a16="http://schemas.microsoft.com/office/drawing/2014/main" id="{E194C373-890A-48C4-B570-C164662C50B1}"/>
+              </a:ext>
+            </a:extLst>
+          </p:cNvPr>
+          <p:cNvSpPr/>
+          <p:nvPr/>
+        </p:nvSpPr>
+        <p:spPr>
+          <a:xfrm>
+            <a:off x="3811604" y="1211020"/>
+            <a:ext cx="2223436" cy="713253"/>
+          </a:xfrm>
+          <a:prstGeom prst="rect">
+            <a:avLst/>
+          </a:prstGeom>
+          <a:noFill/>
+          <a:ln w="76200"/>
+        </p:spPr>
+        <p:style>
+          <a:lnRef idx="2">
+            <a:schemeClr val="accent1">
+              <a:shade val="50000"/>
+            </a:schemeClr>
+          </a:lnRef>
+          <a:fillRef idx="1">
+            <a:schemeClr val="accent1"/>
+          </a:fillRef>
+          <a:effectRef idx="0">
+            <a:schemeClr val="accent1"/>
+          </a:effectRef>
+          <a:fontRef idx="minor">
+            <a:schemeClr val="lt1"/>
+          </a:fontRef>
+        </p:style>
+        <p:txBody>
+          <a:bodyPr rtlCol="0" anchor="ctr"/>
+          <a:lstStyle/>
+          <a:p>
+            <a:pPr algn="ctr"/>
+            <a:endParaRPr lang="ko-KR" altLang="en-US"/>
+          </a:p>
+        </p:txBody>
+      </p:sp>
+      <p:sp>
+        <p:nvSpPr>
+          <p:cNvPr id="3" name="직사각형 2">
+            <a:extLst>
+              <a:ext uri="{FF2B5EF4-FFF2-40B4-BE49-F238E27FC236}">
+                <a16:creationId xmlns:a16="http://schemas.microsoft.com/office/drawing/2014/main" id="{28FF615D-6BFF-4236-80FE-05624382A848}"/>
+              </a:ext>
+            </a:extLst>
+          </p:cNvPr>
+          <p:cNvSpPr/>
+          <p:nvPr/>
+        </p:nvSpPr>
+        <p:spPr>
+          <a:xfrm>
+            <a:off x="9440780" y="387416"/>
+            <a:ext cx="2223436" cy="4579219"/>
+          </a:xfrm>
+          <a:prstGeom prst="rect">
+            <a:avLst/>
+          </a:prstGeom>
+          <a:noFill/>
+          <a:ln w="76200"/>
+        </p:spPr>
+        <p:style>
+          <a:lnRef idx="2">
+            <a:schemeClr val="accent1">
+              <a:shade val="50000"/>
+            </a:schemeClr>
+          </a:lnRef>
+          <a:fillRef idx="1">
+            <a:schemeClr val="accent1"/>
+          </a:fillRef>
+          <a:effectRef idx="0">
+            <a:schemeClr val="accent1"/>
+          </a:effectRef>
+          <a:fontRef idx="minor">
+            <a:schemeClr val="lt1"/>
+          </a:fontRef>
+        </p:style>
+        <p:txBody>
+          <a:bodyPr rtlCol="0" anchor="ctr"/>
+          <a:lstStyle/>
+          <a:p>
+            <a:pPr algn="ctr"/>
+            <a:endParaRPr lang="ko-KR" altLang="en-US"/>
+          </a:p>
+        </p:txBody>
+      </p:sp>
+      <p:cxnSp>
+        <p:nvCxnSpPr>
+          <p:cNvPr id="4" name="직선 연결선 3">
+            <a:extLst>
+              <a:ext uri="{FF2B5EF4-FFF2-40B4-BE49-F238E27FC236}">
+                <a16:creationId xmlns:a16="http://schemas.microsoft.com/office/drawing/2014/main" id="{414EE733-B724-41E8-BA54-5183A8AC9F13}"/>
+              </a:ext>
+            </a:extLst>
+          </p:cNvPr>
+          <p:cNvCxnSpPr>
+            <a:cxnSpLocks/>
+          </p:cNvCxnSpPr>
+          <p:nvPr/>
+        </p:nvCxnSpPr>
+        <p:spPr>
+          <a:xfrm>
+            <a:off x="9440780" y="1270535"/>
+            <a:ext cx="2223436" cy="0"/>
+          </a:xfrm>
+          <a:prstGeom prst="line">
+            <a:avLst/>
+          </a:prstGeom>
+          <a:ln w="76200"/>
+        </p:spPr>
+        <p:style>
+          <a:lnRef idx="1">
+            <a:schemeClr val="accent1"/>
+          </a:lnRef>
+          <a:fillRef idx="0">
+            <a:schemeClr val="accent1"/>
+          </a:fillRef>
+          <a:effectRef idx="0">
+            <a:schemeClr val="accent1"/>
+          </a:effectRef>
+          <a:fontRef idx="minor">
+            <a:schemeClr val="tx1"/>
+          </a:fontRef>
+        </p:style>
+      </p:cxnSp>
+      <p:cxnSp>
+        <p:nvCxnSpPr>
+          <p:cNvPr id="5" name="직선 연결선 4">
+            <a:extLst>
+              <a:ext uri="{FF2B5EF4-FFF2-40B4-BE49-F238E27FC236}">
+                <a16:creationId xmlns:a16="http://schemas.microsoft.com/office/drawing/2014/main" id="{EE60F872-2A2C-48FF-9FAB-DB11CFDEBB9F}"/>
+              </a:ext>
+            </a:extLst>
+          </p:cNvPr>
+          <p:cNvCxnSpPr>
+            <a:cxnSpLocks/>
+          </p:cNvCxnSpPr>
+          <p:nvPr/>
+        </p:nvCxnSpPr>
+        <p:spPr>
+          <a:xfrm>
+            <a:off x="9409097" y="2327709"/>
+            <a:ext cx="2286802" cy="0"/>
+          </a:xfrm>
+          <a:prstGeom prst="line">
+            <a:avLst/>
+          </a:prstGeom>
+          <a:ln w="76200"/>
+        </p:spPr>
+        <p:style>
+          <a:lnRef idx="1">
+            <a:schemeClr val="accent1"/>
+          </a:lnRef>
+          <a:fillRef idx="0">
+            <a:schemeClr val="accent1"/>
+          </a:fillRef>
+          <a:effectRef idx="0">
+            <a:schemeClr val="accent1"/>
+          </a:effectRef>
+          <a:fontRef idx="minor">
+            <a:schemeClr val="tx1"/>
+          </a:fontRef>
+        </p:style>
+      </p:cxnSp>
+      <p:cxnSp>
+        <p:nvCxnSpPr>
+          <p:cNvPr id="6" name="직선 연결선 5">
+            <a:extLst>
+              <a:ext uri="{FF2B5EF4-FFF2-40B4-BE49-F238E27FC236}">
+                <a16:creationId xmlns:a16="http://schemas.microsoft.com/office/drawing/2014/main" id="{CD10A3F7-0E79-4AF3-A5A9-B4EAFEE34A14}"/>
+              </a:ext>
+            </a:extLst>
+          </p:cNvPr>
+          <p:cNvCxnSpPr>
+            <a:cxnSpLocks/>
+          </p:cNvCxnSpPr>
+          <p:nvPr/>
+        </p:nvCxnSpPr>
+        <p:spPr>
+          <a:xfrm>
+            <a:off x="9409097" y="3486752"/>
+            <a:ext cx="2286802" cy="0"/>
+          </a:xfrm>
+          <a:prstGeom prst="line">
+            <a:avLst/>
+          </a:prstGeom>
+          <a:ln w="76200"/>
+        </p:spPr>
+        <p:style>
+          <a:lnRef idx="1">
+            <a:schemeClr val="accent1"/>
+          </a:lnRef>
+          <a:fillRef idx="0">
+            <a:schemeClr val="accent1"/>
+          </a:fillRef>
+          <a:effectRef idx="0">
+            <a:schemeClr val="accent1"/>
+          </a:effectRef>
+          <a:fontRef idx="minor">
+            <a:schemeClr val="tx1"/>
+          </a:fontRef>
+        </p:style>
+      </p:cxnSp>
+      <p:sp>
+        <p:nvSpPr>
+          <p:cNvPr id="7" name="TextBox 6">
+            <a:extLst>
+              <a:ext uri="{FF2B5EF4-FFF2-40B4-BE49-F238E27FC236}">
+                <a16:creationId xmlns:a16="http://schemas.microsoft.com/office/drawing/2014/main" id="{8E106406-B3D1-42F7-84E7-72103616D2D1}"/>
+              </a:ext>
+            </a:extLst>
+          </p:cNvPr>
+          <p:cNvSpPr txBox="1"/>
+          <p:nvPr/>
+        </p:nvSpPr>
+        <p:spPr>
+          <a:xfrm>
+            <a:off x="9892445" y="635488"/>
+            <a:ext cx="1320105" cy="369332"/>
+          </a:xfrm>
+          <a:prstGeom prst="rect">
+            <a:avLst/>
+          </a:prstGeom>
+          <a:noFill/>
+        </p:spPr>
+        <p:txBody>
+          <a:bodyPr wrap="none" rtlCol="0">
+            <a:spAutoFit/>
+          </a:bodyPr>
+          <a:lstStyle/>
+          <a:p>
+            <a:r>
+              <a:rPr lang="en-US" altLang="ko-KR" dirty="0" err="1"/>
+              <a:t>ChatServer</a:t>
+            </a:r>
+            <a:endParaRPr lang="ko-KR" altLang="en-US" dirty="0"/>
+          </a:p>
+        </p:txBody>
+      </p:sp>
+      <p:sp>
+        <p:nvSpPr>
+          <p:cNvPr id="8" name="TextBox 7">
+            <a:extLst>
+              <a:ext uri="{FF2B5EF4-FFF2-40B4-BE49-F238E27FC236}">
+                <a16:creationId xmlns:a16="http://schemas.microsoft.com/office/drawing/2014/main" id="{C767E747-10E4-4318-B400-994524861C64}"/>
+              </a:ext>
+            </a:extLst>
+          </p:cNvPr>
+          <p:cNvSpPr txBox="1"/>
+          <p:nvPr/>
+        </p:nvSpPr>
+        <p:spPr>
+          <a:xfrm>
+            <a:off x="9892444" y="1614456"/>
+            <a:ext cx="1258678" cy="369332"/>
+          </a:xfrm>
+          <a:prstGeom prst="rect">
+            <a:avLst/>
+          </a:prstGeom>
+          <a:noFill/>
+        </p:spPr>
+        <p:txBody>
+          <a:bodyPr wrap="none" rtlCol="0">
+            <a:spAutoFit/>
+          </a:bodyPr>
+          <a:lstStyle/>
+          <a:p>
+            <a:r>
+              <a:rPr lang="en-US" altLang="ko-KR" dirty="0" err="1"/>
+              <a:t>ChatClient</a:t>
+            </a:r>
+            <a:endParaRPr lang="ko-KR" altLang="en-US" dirty="0"/>
+          </a:p>
+        </p:txBody>
+      </p:sp>
+      <p:sp>
+        <p:nvSpPr>
+          <p:cNvPr id="9" name="TextBox 8">
+            <a:extLst>
+              <a:ext uri="{FF2B5EF4-FFF2-40B4-BE49-F238E27FC236}">
+                <a16:creationId xmlns:a16="http://schemas.microsoft.com/office/drawing/2014/main" id="{6D0B39D1-110F-4EF5-979C-4D9932A7A633}"/>
+              </a:ext>
+            </a:extLst>
+          </p:cNvPr>
+          <p:cNvSpPr txBox="1"/>
+          <p:nvPr/>
+        </p:nvSpPr>
+        <p:spPr>
+          <a:xfrm>
+            <a:off x="3801058" y="778942"/>
+            <a:ext cx="857927" cy="369332"/>
+          </a:xfrm>
+          <a:prstGeom prst="rect">
+            <a:avLst/>
+          </a:prstGeom>
+          <a:noFill/>
+        </p:spPr>
+        <p:txBody>
+          <a:bodyPr wrap="none" rtlCol="0">
+            <a:spAutoFit/>
+          </a:bodyPr>
+          <a:lstStyle/>
+          <a:p>
+            <a:r>
+              <a:rPr lang="en-US" altLang="ko-KR" dirty="0"/>
+              <a:t>CPU A</a:t>
+            </a:r>
+            <a:endParaRPr lang="ko-KR" altLang="en-US" dirty="0"/>
+          </a:p>
+        </p:txBody>
+      </p:sp>
+      <p:sp>
+        <p:nvSpPr>
+          <p:cNvPr id="10" name="TextBox 9">
+            <a:extLst>
+              <a:ext uri="{FF2B5EF4-FFF2-40B4-BE49-F238E27FC236}">
+                <a16:creationId xmlns:a16="http://schemas.microsoft.com/office/drawing/2014/main" id="{6822A1E1-6E70-476A-8960-9DD06F6DB496}"/>
+              </a:ext>
+            </a:extLst>
+          </p:cNvPr>
+          <p:cNvSpPr txBox="1"/>
+          <p:nvPr/>
+        </p:nvSpPr>
+        <p:spPr>
+          <a:xfrm>
+            <a:off x="10079193" y="2750349"/>
+            <a:ext cx="885179" cy="369332"/>
+          </a:xfrm>
+          <a:prstGeom prst="rect">
+            <a:avLst/>
+          </a:prstGeom>
+          <a:noFill/>
+        </p:spPr>
+        <p:txBody>
+          <a:bodyPr wrap="none" rtlCol="0">
+            <a:spAutoFit/>
+          </a:bodyPr>
+          <a:lstStyle/>
+          <a:p>
+            <a:r>
+              <a:rPr lang="en-US" altLang="ko-KR" dirty="0"/>
+              <a:t>Eclipse</a:t>
+            </a:r>
+            <a:endParaRPr lang="ko-KR" altLang="en-US" dirty="0"/>
+          </a:p>
+        </p:txBody>
+      </p:sp>
+      <p:sp>
+        <p:nvSpPr>
+          <p:cNvPr id="11" name="TextBox 10">
+            <a:extLst>
+              <a:ext uri="{FF2B5EF4-FFF2-40B4-BE49-F238E27FC236}">
+                <a16:creationId xmlns:a16="http://schemas.microsoft.com/office/drawing/2014/main" id="{BBA81037-943A-4924-9641-37F58674F8EF}"/>
+              </a:ext>
+            </a:extLst>
+          </p:cNvPr>
+          <p:cNvSpPr txBox="1"/>
+          <p:nvPr/>
+        </p:nvSpPr>
+        <p:spPr>
+          <a:xfrm>
+            <a:off x="10096858" y="4010055"/>
+            <a:ext cx="849848" cy="369332"/>
+          </a:xfrm>
+          <a:prstGeom prst="rect">
+            <a:avLst/>
+          </a:prstGeom>
+          <a:noFill/>
+        </p:spPr>
+        <p:txBody>
+          <a:bodyPr wrap="none" rtlCol="0">
+            <a:spAutoFit/>
+          </a:bodyPr>
+          <a:lstStyle/>
+          <a:p>
+            <a:r>
+              <a:rPr lang="en-US" altLang="ko-KR" dirty="0" err="1"/>
+              <a:t>etc</a:t>
+            </a:r>
+            <a:r>
+              <a:rPr lang="en-US" altLang="ko-KR" dirty="0"/>
+              <a:t> …..</a:t>
+            </a:r>
+            <a:endParaRPr lang="ko-KR" altLang="en-US" dirty="0"/>
+          </a:p>
+        </p:txBody>
+      </p:sp>
+      <p:cxnSp>
+        <p:nvCxnSpPr>
+          <p:cNvPr id="13" name="직선 화살표 연결선 12">
+            <a:extLst>
+              <a:ext uri="{FF2B5EF4-FFF2-40B4-BE49-F238E27FC236}">
+                <a16:creationId xmlns:a16="http://schemas.microsoft.com/office/drawing/2014/main" id="{B5099789-FCD1-4931-8A9E-886692FF3D5A}"/>
+              </a:ext>
+            </a:extLst>
+          </p:cNvPr>
+          <p:cNvCxnSpPr>
+            <a:cxnSpLocks/>
+          </p:cNvCxnSpPr>
+          <p:nvPr/>
+        </p:nvCxnSpPr>
+        <p:spPr>
+          <a:xfrm flipV="1">
+            <a:off x="6232785" y="739526"/>
+            <a:ext cx="3096902" cy="675388"/>
+          </a:xfrm>
+          <a:prstGeom prst="straightConnector1">
+            <a:avLst/>
+          </a:prstGeom>
+          <a:ln w="76200">
+            <a:headEnd type="triangle"/>
+            <a:tailEnd type="triangle"/>
+          </a:ln>
+        </p:spPr>
+        <p:style>
+          <a:lnRef idx="1">
+            <a:schemeClr val="accent1"/>
+          </a:lnRef>
+          <a:fillRef idx="0">
+            <a:schemeClr val="accent1"/>
+          </a:fillRef>
+          <a:effectRef idx="0">
+            <a:schemeClr val="accent1"/>
+          </a:effectRef>
+          <a:fontRef idx="minor">
+            <a:schemeClr val="tx1"/>
+          </a:fontRef>
+        </p:style>
+      </p:cxnSp>
+      <p:cxnSp>
+        <p:nvCxnSpPr>
+          <p:cNvPr id="14" name="직선 화살표 연결선 13">
+            <a:extLst>
+              <a:ext uri="{FF2B5EF4-FFF2-40B4-BE49-F238E27FC236}">
+                <a16:creationId xmlns:a16="http://schemas.microsoft.com/office/drawing/2014/main" id="{BD689A44-B6C5-478A-86B8-CE997CF46D1D}"/>
+              </a:ext>
+            </a:extLst>
+          </p:cNvPr>
+          <p:cNvCxnSpPr>
+            <a:cxnSpLocks/>
+          </p:cNvCxnSpPr>
+          <p:nvPr/>
+        </p:nvCxnSpPr>
+        <p:spPr>
+          <a:xfrm>
+            <a:off x="6172413" y="1614456"/>
+            <a:ext cx="3125591" cy="252846"/>
+          </a:xfrm>
+          <a:prstGeom prst="straightConnector1">
+            <a:avLst/>
+          </a:prstGeom>
+          <a:ln w="76200">
+            <a:headEnd type="triangle"/>
+            <a:tailEnd type="triangle"/>
+          </a:ln>
+        </p:spPr>
+        <p:style>
+          <a:lnRef idx="1">
+            <a:schemeClr val="accent1"/>
+          </a:lnRef>
+          <a:fillRef idx="0">
+            <a:schemeClr val="accent1"/>
+          </a:fillRef>
+          <a:effectRef idx="0">
+            <a:schemeClr val="accent1"/>
+          </a:effectRef>
+          <a:fontRef idx="minor">
+            <a:schemeClr val="tx1"/>
+          </a:fontRef>
+        </p:style>
+      </p:cxnSp>
+      <p:cxnSp>
+        <p:nvCxnSpPr>
+          <p:cNvPr id="15" name="직선 화살표 연결선 14">
+            <a:extLst>
+              <a:ext uri="{FF2B5EF4-FFF2-40B4-BE49-F238E27FC236}">
+                <a16:creationId xmlns:a16="http://schemas.microsoft.com/office/drawing/2014/main" id="{F96E34B8-477C-465A-8E83-A8F7F7F5CBBC}"/>
+              </a:ext>
+            </a:extLst>
+          </p:cNvPr>
+          <p:cNvCxnSpPr>
+            <a:cxnSpLocks/>
+            <a:endCxn id="3" idx="1"/>
+          </p:cNvCxnSpPr>
+          <p:nvPr/>
+        </p:nvCxnSpPr>
+        <p:spPr>
+          <a:xfrm>
+            <a:off x="6142227" y="1713297"/>
+            <a:ext cx="3298553" cy="963729"/>
+          </a:xfrm>
+          <a:prstGeom prst="straightConnector1">
+            <a:avLst/>
+          </a:prstGeom>
+          <a:ln w="76200">
+            <a:headEnd type="triangle"/>
+            <a:tailEnd type="triangle"/>
+          </a:ln>
+        </p:spPr>
+        <p:style>
+          <a:lnRef idx="1">
+            <a:schemeClr val="accent1"/>
+          </a:lnRef>
+          <a:fillRef idx="0">
+            <a:schemeClr val="accent1"/>
+          </a:fillRef>
+          <a:effectRef idx="0">
+            <a:schemeClr val="accent1"/>
+          </a:effectRef>
+          <a:fontRef idx="minor">
+            <a:schemeClr val="tx1"/>
+          </a:fontRef>
+        </p:style>
+      </p:cxnSp>
+      <p:cxnSp>
+        <p:nvCxnSpPr>
+          <p:cNvPr id="16" name="직선 화살표 연결선 15">
+            <a:extLst>
+              <a:ext uri="{FF2B5EF4-FFF2-40B4-BE49-F238E27FC236}">
+                <a16:creationId xmlns:a16="http://schemas.microsoft.com/office/drawing/2014/main" id="{AF898DCF-3E44-4ECA-AC7A-62FA4C6D95D2}"/>
+              </a:ext>
+            </a:extLst>
+          </p:cNvPr>
+          <p:cNvCxnSpPr>
+            <a:cxnSpLocks/>
+          </p:cNvCxnSpPr>
+          <p:nvPr/>
+        </p:nvCxnSpPr>
+        <p:spPr>
+          <a:xfrm>
+            <a:off x="6127134" y="1924273"/>
+            <a:ext cx="3170870" cy="2085782"/>
+          </a:xfrm>
+          <a:prstGeom prst="straightConnector1">
+            <a:avLst/>
+          </a:prstGeom>
+          <a:ln w="76200">
+            <a:headEnd type="triangle"/>
+            <a:tailEnd type="triangle"/>
+          </a:ln>
+        </p:spPr>
+        <p:style>
+          <a:lnRef idx="1">
+            <a:schemeClr val="accent1"/>
+          </a:lnRef>
+          <a:fillRef idx="0">
+            <a:schemeClr val="accent1"/>
+          </a:fillRef>
+          <a:effectRef idx="0">
+            <a:schemeClr val="accent1"/>
+          </a:effectRef>
+          <a:fontRef idx="minor">
+            <a:schemeClr val="tx1"/>
+          </a:fontRef>
+        </p:style>
+      </p:cxnSp>
+      <p:sp>
+        <p:nvSpPr>
+          <p:cNvPr id="17" name="TextBox 16">
+            <a:extLst>
+              <a:ext uri="{FF2B5EF4-FFF2-40B4-BE49-F238E27FC236}">
+                <a16:creationId xmlns:a16="http://schemas.microsoft.com/office/drawing/2014/main" id="{47F1420A-AF61-4236-AF2E-B7D8C3EE27F3}"/>
+              </a:ext>
+            </a:extLst>
+          </p:cNvPr>
+          <p:cNvSpPr txBox="1"/>
+          <p:nvPr/>
+        </p:nvSpPr>
+        <p:spPr>
+          <a:xfrm>
+            <a:off x="365939" y="387416"/>
+            <a:ext cx="1909433" cy="369332"/>
+          </a:xfrm>
+          <a:prstGeom prst="rect">
+            <a:avLst/>
+          </a:prstGeom>
+          <a:noFill/>
+        </p:spPr>
+        <p:txBody>
+          <a:bodyPr wrap="none" rtlCol="0">
+            <a:spAutoFit/>
+          </a:bodyPr>
+          <a:lstStyle/>
+          <a:p>
+            <a:r>
+              <a:rPr lang="en-US" altLang="ko-KR" dirty="0"/>
+              <a:t>multi processing</a:t>
+            </a:r>
+            <a:endParaRPr lang="ko-KR" altLang="en-US" dirty="0"/>
+          </a:p>
+        </p:txBody>
+      </p:sp>
+      <p:sp>
+        <p:nvSpPr>
+          <p:cNvPr id="22" name="직사각형 21">
+            <a:extLst>
+              <a:ext uri="{FF2B5EF4-FFF2-40B4-BE49-F238E27FC236}">
+                <a16:creationId xmlns:a16="http://schemas.microsoft.com/office/drawing/2014/main" id="{6D003C3F-0045-4564-873D-69E2D3B2726F}"/>
+              </a:ext>
+            </a:extLst>
+          </p:cNvPr>
+          <p:cNvSpPr/>
+          <p:nvPr/>
+        </p:nvSpPr>
+        <p:spPr>
+          <a:xfrm>
+            <a:off x="3801058" y="2960389"/>
+            <a:ext cx="2223436" cy="713253"/>
+          </a:xfrm>
+          <a:prstGeom prst="rect">
+            <a:avLst/>
+          </a:prstGeom>
+          <a:noFill/>
+          <a:ln w="76200"/>
+        </p:spPr>
+        <p:style>
+          <a:lnRef idx="2">
+            <a:schemeClr val="accent1">
+              <a:shade val="50000"/>
+            </a:schemeClr>
+          </a:lnRef>
+          <a:fillRef idx="1">
+            <a:schemeClr val="accent1"/>
+          </a:fillRef>
+          <a:effectRef idx="0">
+            <a:schemeClr val="accent1"/>
+          </a:effectRef>
+          <a:fontRef idx="minor">
+            <a:schemeClr val="lt1"/>
+          </a:fontRef>
+        </p:style>
+        <p:txBody>
+          <a:bodyPr rtlCol="0" anchor="ctr"/>
+          <a:lstStyle/>
+          <a:p>
+            <a:pPr algn="ctr"/>
+            <a:endParaRPr lang="ko-KR" altLang="en-US"/>
+          </a:p>
+        </p:txBody>
+      </p:sp>
+      <p:sp>
+        <p:nvSpPr>
+          <p:cNvPr id="23" name="TextBox 22">
+            <a:extLst>
+              <a:ext uri="{FF2B5EF4-FFF2-40B4-BE49-F238E27FC236}">
+                <a16:creationId xmlns:a16="http://schemas.microsoft.com/office/drawing/2014/main" id="{E60ECB23-E302-44C0-AD67-82FDF00F80FC}"/>
+              </a:ext>
+            </a:extLst>
+          </p:cNvPr>
+          <p:cNvSpPr txBox="1"/>
+          <p:nvPr/>
+        </p:nvSpPr>
+        <p:spPr>
+          <a:xfrm>
+            <a:off x="3790512" y="2528311"/>
+            <a:ext cx="840295" cy="369332"/>
+          </a:xfrm>
+          <a:prstGeom prst="rect">
+            <a:avLst/>
+          </a:prstGeom>
+          <a:noFill/>
+        </p:spPr>
+        <p:txBody>
+          <a:bodyPr wrap="none" rtlCol="0">
+            <a:spAutoFit/>
+          </a:bodyPr>
+          <a:lstStyle/>
+          <a:p>
+            <a:r>
+              <a:rPr lang="en-US" altLang="ko-KR" dirty="0"/>
+              <a:t>CPU B</a:t>
+            </a:r>
+            <a:endParaRPr lang="ko-KR" altLang="en-US" dirty="0"/>
+          </a:p>
+        </p:txBody>
+      </p:sp>
+      <p:sp>
+        <p:nvSpPr>
+          <p:cNvPr id="24" name="직사각형 23">
+            <a:extLst>
+              <a:ext uri="{FF2B5EF4-FFF2-40B4-BE49-F238E27FC236}">
+                <a16:creationId xmlns:a16="http://schemas.microsoft.com/office/drawing/2014/main" id="{489C51E4-2EE3-4404-ABAD-8843BF82BF8A}"/>
+              </a:ext>
+            </a:extLst>
+          </p:cNvPr>
+          <p:cNvSpPr/>
+          <p:nvPr/>
+        </p:nvSpPr>
+        <p:spPr>
+          <a:xfrm>
+            <a:off x="3811604" y="4709758"/>
+            <a:ext cx="2223436" cy="713253"/>
+          </a:xfrm>
+          <a:prstGeom prst="rect">
+            <a:avLst/>
+          </a:prstGeom>
+          <a:noFill/>
+          <a:ln w="76200"/>
+        </p:spPr>
+        <p:style>
+          <a:lnRef idx="2">
+            <a:schemeClr val="accent1">
+              <a:shade val="50000"/>
+            </a:schemeClr>
+          </a:lnRef>
+          <a:fillRef idx="1">
+            <a:schemeClr val="accent1"/>
+          </a:fillRef>
+          <a:effectRef idx="0">
+            <a:schemeClr val="accent1"/>
+          </a:effectRef>
+          <a:fontRef idx="minor">
+            <a:schemeClr val="lt1"/>
+          </a:fontRef>
+        </p:style>
+        <p:txBody>
+          <a:bodyPr rtlCol="0" anchor="ctr"/>
+          <a:lstStyle/>
+          <a:p>
+            <a:pPr algn="ctr"/>
+            <a:endParaRPr lang="ko-KR" altLang="en-US"/>
+          </a:p>
+        </p:txBody>
+      </p:sp>
+      <p:sp>
+        <p:nvSpPr>
+          <p:cNvPr id="25" name="TextBox 24">
+            <a:extLst>
+              <a:ext uri="{FF2B5EF4-FFF2-40B4-BE49-F238E27FC236}">
+                <a16:creationId xmlns:a16="http://schemas.microsoft.com/office/drawing/2014/main" id="{9F6A30CA-DD0D-47F4-B78F-0FC3403C83F6}"/>
+              </a:ext>
+            </a:extLst>
+          </p:cNvPr>
+          <p:cNvSpPr txBox="1"/>
+          <p:nvPr/>
+        </p:nvSpPr>
+        <p:spPr>
+          <a:xfrm>
+            <a:off x="3765809" y="4277680"/>
+            <a:ext cx="851515" cy="369332"/>
+          </a:xfrm>
+          <a:prstGeom prst="rect">
+            <a:avLst/>
+          </a:prstGeom>
+          <a:noFill/>
+        </p:spPr>
+        <p:txBody>
+          <a:bodyPr wrap="none" rtlCol="0">
+            <a:spAutoFit/>
+          </a:bodyPr>
+          <a:lstStyle/>
+          <a:p>
+            <a:r>
+              <a:rPr lang="en-US" altLang="ko-KR" dirty="0"/>
+              <a:t>CPU C</a:t>
+            </a:r>
+            <a:endParaRPr lang="ko-KR" altLang="en-US" dirty="0"/>
+          </a:p>
+        </p:txBody>
+      </p:sp>
+      <p:cxnSp>
+        <p:nvCxnSpPr>
+          <p:cNvPr id="42" name="직선 화살표 연결선 41">
+            <a:extLst>
+              <a:ext uri="{FF2B5EF4-FFF2-40B4-BE49-F238E27FC236}">
+                <a16:creationId xmlns:a16="http://schemas.microsoft.com/office/drawing/2014/main" id="{96B132D4-2CD3-4112-9704-922458AA469B}"/>
+              </a:ext>
+            </a:extLst>
+          </p:cNvPr>
+          <p:cNvCxnSpPr>
+            <a:cxnSpLocks/>
+          </p:cNvCxnSpPr>
+          <p:nvPr/>
+        </p:nvCxnSpPr>
+        <p:spPr>
+          <a:xfrm>
+            <a:off x="6127134" y="3524579"/>
+            <a:ext cx="3170870" cy="753101"/>
+          </a:xfrm>
+          <a:prstGeom prst="straightConnector1">
+            <a:avLst/>
+          </a:prstGeom>
+          <a:ln w="76200">
+            <a:solidFill>
+              <a:srgbClr val="FF0000"/>
+            </a:solidFill>
+            <a:headEnd type="triangle"/>
+            <a:tailEnd type="triangle"/>
+          </a:ln>
+        </p:spPr>
+        <p:style>
+          <a:lnRef idx="1">
+            <a:schemeClr val="accent1"/>
+          </a:lnRef>
+          <a:fillRef idx="0">
+            <a:schemeClr val="accent1"/>
+          </a:fillRef>
+          <a:effectRef idx="0">
+            <a:schemeClr val="accent1"/>
+          </a:effectRef>
+          <a:fontRef idx="minor">
+            <a:schemeClr val="tx1"/>
+          </a:fontRef>
+        </p:style>
+      </p:cxnSp>
+      <p:cxnSp>
+        <p:nvCxnSpPr>
+          <p:cNvPr id="44" name="직선 화살표 연결선 43">
+            <a:extLst>
+              <a:ext uri="{FF2B5EF4-FFF2-40B4-BE49-F238E27FC236}">
+                <a16:creationId xmlns:a16="http://schemas.microsoft.com/office/drawing/2014/main" id="{FFEB6216-5EBA-4756-BB9B-675D47AD63A8}"/>
+              </a:ext>
+            </a:extLst>
+          </p:cNvPr>
+          <p:cNvCxnSpPr>
+            <a:cxnSpLocks/>
+          </p:cNvCxnSpPr>
+          <p:nvPr/>
+        </p:nvCxnSpPr>
+        <p:spPr>
+          <a:xfrm flipV="1">
+            <a:off x="6167270" y="2805438"/>
+            <a:ext cx="3262964" cy="508815"/>
+          </a:xfrm>
+          <a:prstGeom prst="straightConnector1">
+            <a:avLst/>
+          </a:prstGeom>
+          <a:ln w="76200">
+            <a:solidFill>
+              <a:srgbClr val="FF0000"/>
+            </a:solidFill>
+            <a:headEnd type="triangle"/>
+            <a:tailEnd type="triangle"/>
+          </a:ln>
+        </p:spPr>
+        <p:style>
+          <a:lnRef idx="1">
+            <a:schemeClr val="accent1"/>
+          </a:lnRef>
+          <a:fillRef idx="0">
+            <a:schemeClr val="accent1"/>
+          </a:fillRef>
+          <a:effectRef idx="0">
+            <a:schemeClr val="accent1"/>
+          </a:effectRef>
+          <a:fontRef idx="minor">
+            <a:schemeClr val="tx1"/>
+          </a:fontRef>
+        </p:style>
+      </p:cxnSp>
+      <p:cxnSp>
+        <p:nvCxnSpPr>
+          <p:cNvPr id="51" name="직선 화살표 연결선 50">
+            <a:extLst>
+              <a:ext uri="{FF2B5EF4-FFF2-40B4-BE49-F238E27FC236}">
+                <a16:creationId xmlns:a16="http://schemas.microsoft.com/office/drawing/2014/main" id="{160EAB1E-8B74-4F52-93D9-FE0B6A694124}"/>
+              </a:ext>
+            </a:extLst>
+          </p:cNvPr>
+          <p:cNvCxnSpPr>
+            <a:cxnSpLocks/>
+          </p:cNvCxnSpPr>
+          <p:nvPr/>
+        </p:nvCxnSpPr>
+        <p:spPr>
+          <a:xfrm flipV="1">
+            <a:off x="6177816" y="1995714"/>
+            <a:ext cx="3120188" cy="1123968"/>
+          </a:xfrm>
+          <a:prstGeom prst="straightConnector1">
+            <a:avLst/>
+          </a:prstGeom>
+          <a:ln w="76200">
+            <a:solidFill>
+              <a:srgbClr val="FF0000"/>
+            </a:solidFill>
+            <a:headEnd type="triangle"/>
+            <a:tailEnd type="triangle"/>
+          </a:ln>
+        </p:spPr>
+        <p:style>
+          <a:lnRef idx="1">
+            <a:schemeClr val="accent1"/>
+          </a:lnRef>
+          <a:fillRef idx="0">
+            <a:schemeClr val="accent1"/>
+          </a:fillRef>
+          <a:effectRef idx="0">
+            <a:schemeClr val="accent1"/>
+          </a:effectRef>
+          <a:fontRef idx="minor">
+            <a:schemeClr val="tx1"/>
+          </a:fontRef>
+        </p:style>
+      </p:cxnSp>
+      <p:cxnSp>
+        <p:nvCxnSpPr>
+          <p:cNvPr id="58" name="직선 화살표 연결선 57">
+            <a:extLst>
+              <a:ext uri="{FF2B5EF4-FFF2-40B4-BE49-F238E27FC236}">
+                <a16:creationId xmlns:a16="http://schemas.microsoft.com/office/drawing/2014/main" id="{0A3C5A08-BFC5-4B7A-B55A-2C40C13D0BCC}"/>
+              </a:ext>
+            </a:extLst>
+          </p:cNvPr>
+          <p:cNvCxnSpPr>
+            <a:cxnSpLocks/>
+          </p:cNvCxnSpPr>
+          <p:nvPr/>
+        </p:nvCxnSpPr>
+        <p:spPr>
+          <a:xfrm flipV="1">
+            <a:off x="6177816" y="944035"/>
+            <a:ext cx="3120188" cy="1869622"/>
+          </a:xfrm>
+          <a:prstGeom prst="straightConnector1">
+            <a:avLst/>
+          </a:prstGeom>
+          <a:ln w="76200">
+            <a:solidFill>
+              <a:srgbClr val="FF0000"/>
+            </a:solidFill>
+            <a:headEnd type="triangle"/>
+            <a:tailEnd type="triangle"/>
+          </a:ln>
+        </p:spPr>
+        <p:style>
+          <a:lnRef idx="1">
+            <a:schemeClr val="accent1"/>
+          </a:lnRef>
+          <a:fillRef idx="0">
+            <a:schemeClr val="accent1"/>
+          </a:fillRef>
+          <a:effectRef idx="0">
+            <a:schemeClr val="accent1"/>
+          </a:effectRef>
+          <a:fontRef idx="minor">
+            <a:schemeClr val="tx1"/>
+          </a:fontRef>
+        </p:style>
+      </p:cxnSp>
+      <p:cxnSp>
+        <p:nvCxnSpPr>
+          <p:cNvPr id="61" name="직선 화살표 연결선 60">
+            <a:extLst>
+              <a:ext uri="{FF2B5EF4-FFF2-40B4-BE49-F238E27FC236}">
+                <a16:creationId xmlns:a16="http://schemas.microsoft.com/office/drawing/2014/main" id="{7AA75D18-FF92-4845-B93A-E34BDCEAA5A2}"/>
+              </a:ext>
+            </a:extLst>
+          </p:cNvPr>
+          <p:cNvCxnSpPr>
+            <a:cxnSpLocks/>
+          </p:cNvCxnSpPr>
+          <p:nvPr/>
+        </p:nvCxnSpPr>
+        <p:spPr>
+          <a:xfrm flipV="1">
+            <a:off x="6177816" y="4430080"/>
+            <a:ext cx="3272588" cy="880476"/>
+          </a:xfrm>
+          <a:prstGeom prst="straightConnector1">
+            <a:avLst/>
+          </a:prstGeom>
+          <a:ln w="76200">
+            <a:solidFill>
+              <a:srgbClr val="FFC000"/>
+            </a:solidFill>
+            <a:headEnd type="triangle"/>
+            <a:tailEnd type="triangle"/>
+          </a:ln>
+        </p:spPr>
+        <p:style>
+          <a:lnRef idx="1">
+            <a:schemeClr val="accent1"/>
+          </a:lnRef>
+          <a:fillRef idx="0">
+            <a:schemeClr val="accent1"/>
+          </a:fillRef>
+          <a:effectRef idx="0">
+            <a:schemeClr val="accent1"/>
+          </a:effectRef>
+          <a:fontRef idx="minor">
+            <a:schemeClr val="tx1"/>
+          </a:fontRef>
+        </p:style>
+      </p:cxnSp>
+      <p:cxnSp>
+        <p:nvCxnSpPr>
+          <p:cNvPr id="63" name="직선 화살표 연결선 62">
+            <a:extLst>
+              <a:ext uri="{FF2B5EF4-FFF2-40B4-BE49-F238E27FC236}">
+                <a16:creationId xmlns:a16="http://schemas.microsoft.com/office/drawing/2014/main" id="{AAB6A82F-291A-487D-8822-27E007044D82}"/>
+              </a:ext>
+            </a:extLst>
+          </p:cNvPr>
+          <p:cNvCxnSpPr>
+            <a:cxnSpLocks/>
+          </p:cNvCxnSpPr>
+          <p:nvPr/>
+        </p:nvCxnSpPr>
+        <p:spPr>
+          <a:xfrm flipV="1">
+            <a:off x="6232785" y="3023983"/>
+            <a:ext cx="3217619" cy="2014093"/>
+          </a:xfrm>
+          <a:prstGeom prst="straightConnector1">
+            <a:avLst/>
+          </a:prstGeom>
+          <a:ln w="76200">
+            <a:solidFill>
+              <a:srgbClr val="FFC000"/>
+            </a:solidFill>
+            <a:headEnd type="triangle"/>
+            <a:tailEnd type="triangle"/>
+          </a:ln>
+        </p:spPr>
+        <p:style>
+          <a:lnRef idx="1">
+            <a:schemeClr val="accent1"/>
+          </a:lnRef>
+          <a:fillRef idx="0">
+            <a:schemeClr val="accent1"/>
+          </a:fillRef>
+          <a:effectRef idx="0">
+            <a:schemeClr val="accent1"/>
+          </a:effectRef>
+          <a:fontRef idx="minor">
+            <a:schemeClr val="tx1"/>
+          </a:fontRef>
+        </p:style>
+      </p:cxnSp>
+      <p:cxnSp>
+        <p:nvCxnSpPr>
+          <p:cNvPr id="66" name="직선 화살표 연결선 65">
+            <a:extLst>
+              <a:ext uri="{FF2B5EF4-FFF2-40B4-BE49-F238E27FC236}">
+                <a16:creationId xmlns:a16="http://schemas.microsoft.com/office/drawing/2014/main" id="{8B707E64-A9FC-4D7F-B58C-C4C65A495A0B}"/>
+              </a:ext>
+            </a:extLst>
+          </p:cNvPr>
+          <p:cNvCxnSpPr>
+            <a:cxnSpLocks/>
+          </p:cNvCxnSpPr>
+          <p:nvPr/>
+        </p:nvCxnSpPr>
+        <p:spPr>
+          <a:xfrm flipV="1">
+            <a:off x="6201084" y="2023712"/>
+            <a:ext cx="3151889" cy="2682616"/>
+          </a:xfrm>
+          <a:prstGeom prst="straightConnector1">
+            <a:avLst/>
+          </a:prstGeom>
+          <a:ln w="76200">
+            <a:solidFill>
+              <a:srgbClr val="FFC000"/>
+            </a:solidFill>
+            <a:headEnd type="triangle"/>
+            <a:tailEnd type="triangle"/>
+          </a:ln>
+        </p:spPr>
+        <p:style>
+          <a:lnRef idx="1">
+            <a:schemeClr val="accent1"/>
+          </a:lnRef>
+          <a:fillRef idx="0">
+            <a:schemeClr val="accent1"/>
+          </a:fillRef>
+          <a:effectRef idx="0">
+            <a:schemeClr val="accent1"/>
+          </a:effectRef>
+          <a:fontRef idx="minor">
+            <a:schemeClr val="tx1"/>
+          </a:fontRef>
+        </p:style>
+      </p:cxnSp>
+      <p:cxnSp>
+        <p:nvCxnSpPr>
+          <p:cNvPr id="69" name="직선 화살표 연결선 68">
+            <a:extLst>
+              <a:ext uri="{FF2B5EF4-FFF2-40B4-BE49-F238E27FC236}">
+                <a16:creationId xmlns:a16="http://schemas.microsoft.com/office/drawing/2014/main" id="{B30A5F9E-25A7-49FA-8901-2BC4093ACBA7}"/>
+              </a:ext>
+            </a:extLst>
+          </p:cNvPr>
+          <p:cNvCxnSpPr>
+            <a:cxnSpLocks/>
+          </p:cNvCxnSpPr>
+          <p:nvPr/>
+        </p:nvCxnSpPr>
+        <p:spPr>
+          <a:xfrm flipV="1">
+            <a:off x="5948412" y="1124499"/>
+            <a:ext cx="3349592" cy="3337847"/>
+          </a:xfrm>
+          <a:prstGeom prst="straightConnector1">
+            <a:avLst/>
+          </a:prstGeom>
+          <a:ln w="76200">
+            <a:solidFill>
+              <a:srgbClr val="FFC000"/>
+            </a:solidFill>
+            <a:headEnd type="triangle"/>
+            <a:tailEnd type="triangle"/>
+          </a:ln>
+        </p:spPr>
+        <p:style>
+          <a:lnRef idx="1">
+            <a:schemeClr val="accent1"/>
+          </a:lnRef>
+          <a:fillRef idx="0">
+            <a:schemeClr val="accent1"/>
+          </a:fillRef>
+          <a:effectRef idx="0">
+            <a:schemeClr val="accent1"/>
+          </a:effectRef>
+          <a:fontRef idx="minor">
+            <a:schemeClr val="tx1"/>
+          </a:fontRef>
+        </p:style>
+      </p:cxnSp>
+      <p:sp>
+        <p:nvSpPr>
+          <p:cNvPr id="72" name="TextBox 71">
+            <a:extLst>
+              <a:ext uri="{FF2B5EF4-FFF2-40B4-BE49-F238E27FC236}">
+                <a16:creationId xmlns:a16="http://schemas.microsoft.com/office/drawing/2014/main" id="{A7854A4B-7CAD-403F-B4CC-CA87BB050791}"/>
+              </a:ext>
+            </a:extLst>
+          </p:cNvPr>
+          <p:cNvSpPr txBox="1"/>
+          <p:nvPr/>
+        </p:nvSpPr>
+        <p:spPr>
+          <a:xfrm>
+            <a:off x="181348" y="1211020"/>
+            <a:ext cx="3393878" cy="4801314"/>
+          </a:xfrm>
+          <a:prstGeom prst="rect">
+            <a:avLst/>
+          </a:prstGeom>
+          <a:noFill/>
+        </p:spPr>
+        <p:txBody>
+          <a:bodyPr wrap="none" rtlCol="0">
+            <a:spAutoFit/>
+          </a:bodyPr>
+          <a:lstStyle/>
+          <a:p>
+            <a:r>
+              <a:rPr lang="ko-KR" altLang="en-US" dirty="0"/>
+              <a:t>하나의 작업</a:t>
+            </a:r>
+            <a:r>
+              <a:rPr lang="en-US" altLang="ko-KR" dirty="0"/>
+              <a:t>(memory</a:t>
+            </a:r>
+            <a:r>
+              <a:rPr lang="ko-KR" altLang="en-US" dirty="0"/>
+              <a:t>에</a:t>
+            </a:r>
+            <a:endParaRPr lang="en-US" altLang="ko-KR" dirty="0"/>
+          </a:p>
+          <a:p>
+            <a:r>
+              <a:rPr lang="ko-KR" altLang="en-US" dirty="0"/>
+              <a:t> 적재된 프로세스</a:t>
+            </a:r>
+            <a:r>
+              <a:rPr lang="en-US" altLang="ko-KR" dirty="0"/>
+              <a:t>)</a:t>
+            </a:r>
+            <a:r>
+              <a:rPr lang="ko-KR" altLang="en-US" dirty="0"/>
+              <a:t>를</a:t>
+            </a:r>
+            <a:endParaRPr lang="en-US" altLang="ko-KR" dirty="0"/>
+          </a:p>
+          <a:p>
+            <a:r>
+              <a:rPr lang="ko-KR" altLang="en-US" dirty="0"/>
+              <a:t>여러 개의 </a:t>
+            </a:r>
+            <a:r>
+              <a:rPr lang="en-US" altLang="ko-KR" dirty="0"/>
+              <a:t>CPU</a:t>
+            </a:r>
+            <a:r>
+              <a:rPr lang="ko-KR" altLang="en-US" dirty="0"/>
+              <a:t>가 </a:t>
+            </a:r>
+            <a:endParaRPr lang="en-US" altLang="ko-KR" dirty="0"/>
+          </a:p>
+          <a:p>
+            <a:r>
+              <a:rPr lang="ko-KR" altLang="en-US" dirty="0" err="1"/>
+              <a:t>병렬으로</a:t>
+            </a:r>
+            <a:r>
+              <a:rPr lang="ko-KR" altLang="en-US" dirty="0"/>
+              <a:t> 처리하는 것</a:t>
+            </a:r>
+            <a:endParaRPr lang="en-US" altLang="ko-KR" dirty="0"/>
+          </a:p>
+          <a:p>
+            <a:endParaRPr lang="en-US" altLang="ko-KR" dirty="0"/>
+          </a:p>
+          <a:p>
+            <a:r>
+              <a:rPr lang="ko-KR" altLang="en-US" dirty="0"/>
+              <a:t>하나의 작업을 자기 맘대로</a:t>
+            </a:r>
+            <a:endParaRPr lang="en-US" altLang="ko-KR" dirty="0"/>
+          </a:p>
+          <a:p>
+            <a:r>
+              <a:rPr lang="ko-KR" altLang="en-US" dirty="0"/>
+              <a:t>처리하는 것이 아닌 서로 </a:t>
+            </a:r>
+            <a:endParaRPr lang="en-US" altLang="ko-KR" dirty="0"/>
+          </a:p>
+          <a:p>
+            <a:r>
+              <a:rPr lang="ko-KR" altLang="en-US" dirty="0"/>
+              <a:t>협력관계에서 처리함</a:t>
+            </a:r>
+            <a:endParaRPr lang="en-US" altLang="ko-KR" dirty="0"/>
+          </a:p>
+          <a:p>
+            <a:endParaRPr lang="en-US" altLang="ko-KR" dirty="0"/>
+          </a:p>
+          <a:p>
+            <a:r>
+              <a:rPr lang="en-US" altLang="ko-KR" dirty="0"/>
+              <a:t>CPU A</a:t>
+            </a:r>
+            <a:r>
+              <a:rPr lang="ko-KR" altLang="en-US" dirty="0"/>
+              <a:t>가 처리중인 로직을</a:t>
+            </a:r>
+            <a:endParaRPr lang="en-US" altLang="ko-KR" dirty="0"/>
+          </a:p>
+          <a:p>
+            <a:r>
+              <a:rPr lang="en-US" altLang="ko-KR" dirty="0"/>
+              <a:t>CPU B</a:t>
+            </a:r>
+            <a:r>
+              <a:rPr lang="ko-KR" altLang="en-US" dirty="0"/>
+              <a:t>가 느닷없이 처리하는</a:t>
+            </a:r>
+            <a:endParaRPr lang="en-US" altLang="ko-KR" dirty="0"/>
+          </a:p>
+          <a:p>
+            <a:r>
+              <a:rPr lang="ko-KR" altLang="en-US" dirty="0"/>
+              <a:t>것이 아니라 </a:t>
+            </a:r>
+            <a:r>
+              <a:rPr lang="en-US" altLang="ko-KR" dirty="0"/>
+              <a:t>CPU A</a:t>
+            </a:r>
+            <a:r>
+              <a:rPr lang="ko-KR" altLang="en-US" dirty="0"/>
+              <a:t>가 특정 </a:t>
+            </a:r>
+            <a:endParaRPr lang="en-US" altLang="ko-KR" dirty="0"/>
+          </a:p>
+          <a:p>
+            <a:r>
+              <a:rPr lang="ko-KR" altLang="en-US" dirty="0"/>
+              <a:t>부분을 처리 중이라면 </a:t>
+            </a:r>
+            <a:r>
+              <a:rPr lang="en-US" altLang="ko-KR" dirty="0"/>
+              <a:t>CPU B</a:t>
+            </a:r>
+            <a:r>
+              <a:rPr lang="ko-KR" altLang="en-US" dirty="0"/>
+              <a:t>가</a:t>
+            </a:r>
+            <a:endParaRPr lang="en-US" altLang="ko-KR" dirty="0"/>
+          </a:p>
+          <a:p>
+            <a:r>
+              <a:rPr lang="ko-KR" altLang="en-US" dirty="0"/>
+              <a:t>그 외의 다른 부분을 </a:t>
+            </a:r>
+            <a:r>
+              <a:rPr lang="en-US" altLang="ko-KR" dirty="0"/>
+              <a:t>CPU A</a:t>
+            </a:r>
+            <a:r>
+              <a:rPr lang="ko-KR" altLang="en-US" dirty="0"/>
+              <a:t>와 </a:t>
+            </a:r>
+            <a:endParaRPr lang="en-US" altLang="ko-KR" dirty="0"/>
+          </a:p>
+          <a:p>
+            <a:r>
+              <a:rPr lang="ko-KR" altLang="en-US" dirty="0"/>
+              <a:t>동시에 처리 함</a:t>
+            </a:r>
+            <a:endParaRPr lang="en-US" altLang="ko-KR" dirty="0"/>
+          </a:p>
+          <a:p>
+            <a:endParaRPr lang="en-US" altLang="ko-KR" dirty="0"/>
+          </a:p>
+          <a:p>
+            <a:endParaRPr lang="ko-KR" altLang="en-US" dirty="0"/>
+          </a:p>
+        </p:txBody>
+      </p:sp>
+    </p:spTree>
+    <p:extLst>
+      <p:ext uri="{BB962C8B-B14F-4D97-AF65-F5344CB8AC3E}">
+        <p14:creationId xmlns:p14="http://schemas.microsoft.com/office/powerpoint/2010/main" val="1561196402"/>
       </p:ext>
     </p:extLst>
   </p:cSld>

--- a/5th/5th material.pptx
+++ b/5th/5th material.pptx
@@ -17,6 +17,7 @@
     <p:sldId id="263" r:id="rId11"/>
     <p:sldId id="262" r:id="rId12"/>
     <p:sldId id="267" r:id="rId13"/>
+    <p:sldId id="268" r:id="rId14"/>
   </p:sldIdLst>
   <p:sldSz cx="12192000" cy="6858000"/>
   <p:notesSz cx="6858000" cy="9144000"/>
@@ -270,7 +271,7 @@
           <a:p>
             <a:fld id="{9EC2EC0D-C01C-4291-A77F-AD1F642581F3}" type="datetimeFigureOut">
               <a:rPr lang="ko-KR" altLang="en-US" smtClean="0"/>
-              <a:t>2020-08-06</a:t>
+              <a:t>2020-08-09</a:t>
             </a:fld>
             <a:endParaRPr lang="ko-KR" altLang="en-US"/>
           </a:p>
@@ -468,7 +469,7 @@
           <a:p>
             <a:fld id="{9EC2EC0D-C01C-4291-A77F-AD1F642581F3}" type="datetimeFigureOut">
               <a:rPr lang="ko-KR" altLang="en-US" smtClean="0"/>
-              <a:t>2020-08-06</a:t>
+              <a:t>2020-08-09</a:t>
             </a:fld>
             <a:endParaRPr lang="ko-KR" altLang="en-US"/>
           </a:p>
@@ -676,7 +677,7 @@
           <a:p>
             <a:fld id="{9EC2EC0D-C01C-4291-A77F-AD1F642581F3}" type="datetimeFigureOut">
               <a:rPr lang="ko-KR" altLang="en-US" smtClean="0"/>
-              <a:t>2020-08-06</a:t>
+              <a:t>2020-08-09</a:t>
             </a:fld>
             <a:endParaRPr lang="ko-KR" altLang="en-US"/>
           </a:p>
@@ -874,7 +875,7 @@
           <a:p>
             <a:fld id="{9EC2EC0D-C01C-4291-A77F-AD1F642581F3}" type="datetimeFigureOut">
               <a:rPr lang="ko-KR" altLang="en-US" smtClean="0"/>
-              <a:t>2020-08-06</a:t>
+              <a:t>2020-08-09</a:t>
             </a:fld>
             <a:endParaRPr lang="ko-KR" altLang="en-US"/>
           </a:p>
@@ -1149,7 +1150,7 @@
           <a:p>
             <a:fld id="{9EC2EC0D-C01C-4291-A77F-AD1F642581F3}" type="datetimeFigureOut">
               <a:rPr lang="ko-KR" altLang="en-US" smtClean="0"/>
-              <a:t>2020-08-06</a:t>
+              <a:t>2020-08-09</a:t>
             </a:fld>
             <a:endParaRPr lang="ko-KR" altLang="en-US"/>
           </a:p>
@@ -1414,7 +1415,7 @@
           <a:p>
             <a:fld id="{9EC2EC0D-C01C-4291-A77F-AD1F642581F3}" type="datetimeFigureOut">
               <a:rPr lang="ko-KR" altLang="en-US" smtClean="0"/>
-              <a:t>2020-08-06</a:t>
+              <a:t>2020-08-09</a:t>
             </a:fld>
             <a:endParaRPr lang="ko-KR" altLang="en-US"/>
           </a:p>
@@ -1826,7 +1827,7 @@
           <a:p>
             <a:fld id="{9EC2EC0D-C01C-4291-A77F-AD1F642581F3}" type="datetimeFigureOut">
               <a:rPr lang="ko-KR" altLang="en-US" smtClean="0"/>
-              <a:t>2020-08-06</a:t>
+              <a:t>2020-08-09</a:t>
             </a:fld>
             <a:endParaRPr lang="ko-KR" altLang="en-US"/>
           </a:p>
@@ -1967,7 +1968,7 @@
           <a:p>
             <a:fld id="{9EC2EC0D-C01C-4291-A77F-AD1F642581F3}" type="datetimeFigureOut">
               <a:rPr lang="ko-KR" altLang="en-US" smtClean="0"/>
-              <a:t>2020-08-06</a:t>
+              <a:t>2020-08-09</a:t>
             </a:fld>
             <a:endParaRPr lang="ko-KR" altLang="en-US"/>
           </a:p>
@@ -2080,7 +2081,7 @@
           <a:p>
             <a:fld id="{9EC2EC0D-C01C-4291-A77F-AD1F642581F3}" type="datetimeFigureOut">
               <a:rPr lang="ko-KR" altLang="en-US" smtClean="0"/>
-              <a:t>2020-08-06</a:t>
+              <a:t>2020-08-09</a:t>
             </a:fld>
             <a:endParaRPr lang="ko-KR" altLang="en-US"/>
           </a:p>
@@ -2391,7 +2392,7 @@
           <a:p>
             <a:fld id="{9EC2EC0D-C01C-4291-A77F-AD1F642581F3}" type="datetimeFigureOut">
               <a:rPr lang="ko-KR" altLang="en-US" smtClean="0"/>
-              <a:t>2020-08-06</a:t>
+              <a:t>2020-08-09</a:t>
             </a:fld>
             <a:endParaRPr lang="ko-KR" altLang="en-US"/>
           </a:p>
@@ -2679,7 +2680,7 @@
           <a:p>
             <a:fld id="{9EC2EC0D-C01C-4291-A77F-AD1F642581F3}" type="datetimeFigureOut">
               <a:rPr lang="ko-KR" altLang="en-US" smtClean="0"/>
-              <a:t>2020-08-06</a:t>
+              <a:t>2020-08-09</a:t>
             </a:fld>
             <a:endParaRPr lang="ko-KR" altLang="en-US"/>
           </a:p>
@@ -2920,7 +2921,7 @@
           <a:p>
             <a:fld id="{9EC2EC0D-C01C-4291-A77F-AD1F642581F3}" type="datetimeFigureOut">
               <a:rPr lang="ko-KR" altLang="en-US" smtClean="0"/>
-              <a:t>2020-08-06</a:t>
+              <a:t>2020-08-09</a:t>
             </a:fld>
             <a:endParaRPr lang="ko-KR" altLang="en-US"/>
           </a:p>
@@ -4899,7 +4900,7 @@
           <a:noFill/>
         </p:spPr>
         <p:txBody>
-          <a:bodyPr wrap="none" rtlCol="0">
+          <a:bodyPr wrap="square" rtlCol="0">
             <a:spAutoFit/>
           </a:bodyPr>
           <a:lstStyle/>
@@ -6487,6 +6488,36 @@
 </p:sld>
 </file>
 
+<file path=ppt/slides/slide13.xml><?xml version="1.0" encoding="utf-8"?>
+<p:sld xmlns:a="http://schemas.openxmlformats.org/drawingml/2006/main" xmlns:r="http://schemas.openxmlformats.org/officeDocument/2006/relationships" xmlns:p="http://schemas.openxmlformats.org/presentationml/2006/main">
+  <p:cSld>
+    <p:spTree>
+      <p:nvGrpSpPr>
+        <p:cNvPr id="1" name=""/>
+        <p:cNvGrpSpPr/>
+        <p:nvPr/>
+      </p:nvGrpSpPr>
+      <p:grpSpPr>
+        <a:xfrm>
+          <a:off x="0" y="0"/>
+          <a:ext cx="0" cy="0"/>
+          <a:chOff x="0" y="0"/>
+          <a:chExt cx="0" cy="0"/>
+        </a:xfrm>
+      </p:grpSpPr>
+    </p:spTree>
+    <p:extLst>
+      <p:ext uri="{BB962C8B-B14F-4D97-AF65-F5344CB8AC3E}">
+        <p14:creationId xmlns:p14="http://schemas.microsoft.com/office/powerpoint/2010/main" val="2930546257"/>
+      </p:ext>
+    </p:extLst>
+  </p:cSld>
+  <p:clrMapOvr>
+    <a:masterClrMapping/>
+  </p:clrMapOvr>
+</p:sld>
+</file>
+
 <file path=ppt/slides/slide2.xml><?xml version="1.0" encoding="utf-8"?>
 <p:sld xmlns:a="http://schemas.openxmlformats.org/drawingml/2006/main" xmlns:r="http://schemas.openxmlformats.org/officeDocument/2006/relationships" xmlns:p="http://schemas.openxmlformats.org/presentationml/2006/main">
   <p:cSld>
@@ -6518,7 +6549,7 @@
         </p:nvSpPr>
         <p:spPr>
           <a:xfrm>
-            <a:off x="2675822" y="1983200"/>
+            <a:off x="1732544" y="1987467"/>
             <a:ext cx="2444816" cy="1854724"/>
           </a:xfrm>
           <a:prstGeom prst="rect">
@@ -6566,7 +6597,7 @@
         </p:nvSpPr>
         <p:spPr>
           <a:xfrm>
-            <a:off x="6792232" y="1983200"/>
+            <a:off x="7725882" y="1802801"/>
             <a:ext cx="2444816" cy="1858991"/>
           </a:xfrm>
           <a:prstGeom prst="rect">
@@ -6614,7 +6645,7 @@
         </p:nvSpPr>
         <p:spPr>
           <a:xfrm>
-            <a:off x="2675822" y="1429202"/>
+            <a:off x="1732544" y="1433469"/>
             <a:ext cx="840808" cy="369332"/>
           </a:xfrm>
           <a:prstGeom prst="rect">
@@ -6650,7 +6681,7 @@
         </p:nvSpPr>
         <p:spPr>
           <a:xfrm>
-            <a:off x="6715228" y="1433469"/>
+            <a:off x="7648878" y="1253070"/>
             <a:ext cx="779381" cy="369332"/>
           </a:xfrm>
           <a:prstGeom prst="rect">
@@ -7658,7 +7689,7 @@
         </p:blipFill>
         <p:spPr>
           <a:xfrm>
-            <a:off x="402765" y="2350188"/>
+            <a:off x="441266" y="2359813"/>
             <a:ext cx="8498887" cy="1403663"/>
           </a:xfrm>
           <a:prstGeom prst="rect">
@@ -7688,7 +7719,7 @@
         </p:blipFill>
         <p:spPr>
           <a:xfrm>
-            <a:off x="270872" y="3949181"/>
+            <a:off x="460168" y="3763476"/>
             <a:ext cx="11731832" cy="1134863"/>
           </a:xfrm>
           <a:prstGeom prst="rect">
@@ -8705,7 +8736,7 @@
         </p:blipFill>
         <p:spPr>
           <a:xfrm>
-            <a:off x="1263684" y="1517544"/>
+            <a:off x="1263684" y="1600296"/>
             <a:ext cx="6495750" cy="3343214"/>
           </a:xfrm>
           <a:prstGeom prst="rect">
